--- a/Traveling trhough time with git.pptx
+++ b/Traveling trhough time with git.pptx
@@ -110,6 +110,11 @@
       </a:defRPr>
     </a:lvl9pPr>
   </p:defaultTextStyle>
+  <p:extLst>
+    <p:ext uri="{EFAFB233-063F-42B5-8137-9DF3F51BA10A}">
+      <p15:sldGuideLst xmlns:p15="http://schemas.microsoft.com/office/powerpoint/2012/main"/>
+    </p:ext>
+  </p:extLst>
 </p:presentation>
 </file>
 
@@ -342,7 +347,7 @@
           <a:p>
             <a:fld id="{C211B184-D47F-4E51-8576-FD3DF6A93EE9}" type="datetimeFigureOut">
               <a:rPr lang="en-US" smtClean="0"/>
-              <a:t>1/22/2020</a:t>
+              <a:t>1/24/2020</a:t>
             </a:fld>
             <a:endParaRPr lang="en-US"/>
           </a:p>
@@ -676,7 +681,7 @@
           <a:p>
             <a:fld id="{C211B184-D47F-4E51-8576-FD3DF6A93EE9}" type="datetimeFigureOut">
               <a:rPr lang="en-US" smtClean="0"/>
-              <a:t>1/22/2020</a:t>
+              <a:t>1/24/2020</a:t>
             </a:fld>
             <a:endParaRPr lang="en-US"/>
           </a:p>
@@ -954,7 +959,7 @@
           <a:p>
             <a:fld id="{C211B184-D47F-4E51-8576-FD3DF6A93EE9}" type="datetimeFigureOut">
               <a:rPr lang="en-US" smtClean="0"/>
-              <a:t>1/22/2020</a:t>
+              <a:t>1/24/2020</a:t>
             </a:fld>
             <a:endParaRPr lang="en-US"/>
           </a:p>
@@ -1522,7 +1527,7 @@
           <a:p>
             <a:fld id="{C211B184-D47F-4E51-8576-FD3DF6A93EE9}" type="datetimeFigureOut">
               <a:rPr lang="en-US" smtClean="0"/>
-              <a:t>1/22/2020</a:t>
+              <a:t>1/24/2020</a:t>
             </a:fld>
             <a:endParaRPr lang="en-US"/>
           </a:p>
@@ -1800,7 +1805,7 @@
           <a:p>
             <a:fld id="{C211B184-D47F-4E51-8576-FD3DF6A93EE9}" type="datetimeFigureOut">
               <a:rPr lang="en-US" smtClean="0"/>
-              <a:t>1/22/2020</a:t>
+              <a:t>1/24/2020</a:t>
             </a:fld>
             <a:endParaRPr lang="en-US"/>
           </a:p>
@@ -2362,7 +2367,7 @@
           <a:p>
             <a:fld id="{C211B184-D47F-4E51-8576-FD3DF6A93EE9}" type="datetimeFigureOut">
               <a:rPr lang="en-US" smtClean="0"/>
-              <a:t>1/22/2020</a:t>
+              <a:t>1/24/2020</a:t>
             </a:fld>
             <a:endParaRPr lang="en-US"/>
           </a:p>
@@ -2689,7 +2694,7 @@
           <a:p>
             <a:fld id="{C211B184-D47F-4E51-8576-FD3DF6A93EE9}" type="datetimeFigureOut">
               <a:rPr lang="en-US" smtClean="0"/>
-              <a:t>1/22/2020</a:t>
+              <a:t>1/24/2020</a:t>
             </a:fld>
             <a:endParaRPr lang="en-US"/>
           </a:p>
@@ -2866,7 +2871,7 @@
           <a:p>
             <a:fld id="{C211B184-D47F-4E51-8576-FD3DF6A93EE9}" type="datetimeFigureOut">
               <a:rPr lang="en-US" smtClean="0"/>
-              <a:t>1/22/2020</a:t>
+              <a:t>1/24/2020</a:t>
             </a:fld>
             <a:endParaRPr lang="en-US"/>
           </a:p>
@@ -3104,7 +3109,7 @@
           <a:p>
             <a:fld id="{C211B184-D47F-4E51-8576-FD3DF6A93EE9}" type="datetimeFigureOut">
               <a:rPr lang="en-US" smtClean="0"/>
-              <a:t>1/22/2020</a:t>
+              <a:t>1/24/2020</a:t>
             </a:fld>
             <a:endParaRPr lang="en-US"/>
           </a:p>
@@ -3304,7 +3309,7 @@
           <a:p>
             <a:fld id="{C211B184-D47F-4E51-8576-FD3DF6A93EE9}" type="datetimeFigureOut">
               <a:rPr lang="en-US" smtClean="0"/>
-              <a:t>1/22/2020</a:t>
+              <a:t>1/24/2020</a:t>
             </a:fld>
             <a:endParaRPr lang="en-US"/>
           </a:p>
@@ -3580,7 +3585,7 @@
           <a:p>
             <a:fld id="{C211B184-D47F-4E51-8576-FD3DF6A93EE9}" type="datetimeFigureOut">
               <a:rPr lang="en-US" smtClean="0"/>
-              <a:t>1/22/2020</a:t>
+              <a:t>1/24/2020</a:t>
             </a:fld>
             <a:endParaRPr lang="en-US"/>
           </a:p>
@@ -3846,7 +3851,7 @@
           <a:p>
             <a:fld id="{C211B184-D47F-4E51-8576-FD3DF6A93EE9}" type="datetimeFigureOut">
               <a:rPr lang="en-US" smtClean="0"/>
-              <a:t>1/22/2020</a:t>
+              <a:t>1/24/2020</a:t>
             </a:fld>
             <a:endParaRPr lang="en-US"/>
           </a:p>
@@ -4220,7 +4225,7 @@
           <a:p>
             <a:fld id="{C211B184-D47F-4E51-8576-FD3DF6A93EE9}" type="datetimeFigureOut">
               <a:rPr lang="en-US" smtClean="0"/>
-              <a:t>1/22/2020</a:t>
+              <a:t>1/24/2020</a:t>
             </a:fld>
             <a:endParaRPr lang="en-US"/>
           </a:p>
@@ -4368,7 +4373,7 @@
           <a:p>
             <a:fld id="{C211B184-D47F-4E51-8576-FD3DF6A93EE9}" type="datetimeFigureOut">
               <a:rPr lang="en-US" smtClean="0"/>
-              <a:t>1/22/2020</a:t>
+              <a:t>1/24/2020</a:t>
             </a:fld>
             <a:endParaRPr lang="en-US"/>
           </a:p>
@@ -4493,7 +4498,7 @@
           <a:p>
             <a:fld id="{C211B184-D47F-4E51-8576-FD3DF6A93EE9}" type="datetimeFigureOut">
               <a:rPr lang="en-US" smtClean="0"/>
-              <a:t>1/22/2020</a:t>
+              <a:t>1/24/2020</a:t>
             </a:fld>
             <a:endParaRPr lang="en-US"/>
           </a:p>
@@ -4778,7 +4783,7 @@
           <a:p>
             <a:fld id="{C211B184-D47F-4E51-8576-FD3DF6A93EE9}" type="datetimeFigureOut">
               <a:rPr lang="en-US" smtClean="0"/>
-              <a:t>1/22/2020</a:t>
+              <a:t>1/24/2020</a:t>
             </a:fld>
             <a:endParaRPr lang="en-US"/>
           </a:p>
@@ -5102,7 +5107,7 @@
           <a:p>
             <a:fld id="{C211B184-D47F-4E51-8576-FD3DF6A93EE9}" type="datetimeFigureOut">
               <a:rPr lang="en-US" smtClean="0"/>
-              <a:t>1/22/2020</a:t>
+              <a:t>1/24/2020</a:t>
             </a:fld>
             <a:endParaRPr lang="en-US"/>
           </a:p>
@@ -5316,7 +5321,7 @@
           <a:p>
             <a:fld id="{C211B184-D47F-4E51-8576-FD3DF6A93EE9}" type="datetimeFigureOut">
               <a:rPr lang="en-US" smtClean="0"/>
-              <a:t>1/22/2020</a:t>
+              <a:t>1/24/2020</a:t>
             </a:fld>
             <a:endParaRPr lang="en-US"/>
           </a:p>
@@ -6032,6 +6037,16 @@
             </a:pPr>
             <a:r>
               <a:rPr lang="en-US" dirty="0"/>
+              <a:t>Resources</a:t>
+            </a:r>
+          </a:p>
+          <a:p>
+            <a:pPr marL="342900" indent="-342900">
+              <a:buFont typeface="+mj-lt"/>
+              <a:buAutoNum type="arabicPeriod"/>
+            </a:pPr>
+            <a:r>
+              <a:rPr lang="en-US" dirty="0"/>
               <a:t>Questions ?</a:t>
             </a:r>
           </a:p>

--- a/Traveling trhough time with git.pptx
+++ b/Traveling trhough time with git.pptx
@@ -2,7 +2,7 @@
 <file path=ppt/presentation.xml><?xml version="1.0" encoding="utf-8"?>
 <p:presentation xmlns:a="http://schemas.openxmlformats.org/drawingml/2006/main" xmlns:r="http://schemas.openxmlformats.org/officeDocument/2006/relationships" xmlns:p="http://schemas.openxmlformats.org/presentationml/2006/main" saveSubsetFonts="1">
   <p:sldMasterIdLst>
-    <p:sldMasterId id="2147483695" r:id="rId1"/>
+    <p:sldMasterId id="2147483772" r:id="rId1"/>
   </p:sldMasterIdLst>
   <p:sldIdLst>
     <p:sldId id="256" r:id="rId2"/>
@@ -119,13 +119,8 @@
 </file>
 
 <file path=ppt/slideLayouts/slideLayout1.xml><?xml version="1.0" encoding="utf-8"?>
-<p:sldLayout xmlns:a="http://schemas.openxmlformats.org/drawingml/2006/main" xmlns:r="http://schemas.openxmlformats.org/officeDocument/2006/relationships" xmlns:p="http://schemas.openxmlformats.org/presentationml/2006/main" type="title" preserve="1">
+<p:sldLayout xmlns:a="http://schemas.openxmlformats.org/drawingml/2006/main" xmlns:r="http://schemas.openxmlformats.org/officeDocument/2006/relationships" xmlns:p="http://schemas.openxmlformats.org/presentationml/2006/main" showMasterSp="0" type="title" preserve="1">
   <p:cSld name="Title Slide">
-    <p:bg>
-      <p:bgRef idx="1003">
-        <a:schemeClr val="bg2"/>
-      </p:bgRef>
-    </p:bg>
     <p:spTree>
       <p:nvGrpSpPr>
         <p:cNvPr id="1" name=""/>
@@ -142,7 +137,7 @@
       </p:grpSpPr>
       <p:pic>
         <p:nvPicPr>
-          <p:cNvPr id="7" name="Picture 6" descr="Celestia-R1---OverlayTitleHD.png"/>
+          <p:cNvPr id="7" name="Picture 6" descr="Brickwork-HD-R1a.jpg"/>
           <p:cNvPicPr>
             <a:picLocks noChangeAspect="1"/>
           </p:cNvPicPr>
@@ -163,27 +158,294 @@
         <p:spPr>
           <a:xfrm>
             <a:off x="0" y="0"/>
-            <a:ext cx="12188825" cy="6856214"/>
+            <a:ext cx="12192000" cy="6858000"/>
           </a:xfrm>
           <a:prstGeom prst="rect">
             <a:avLst/>
           </a:prstGeom>
         </p:spPr>
       </p:pic>
-      <p:sp>
-        <p:nvSpPr>
-          <p:cNvPr id="2" name="Title 1"/>
-          <p:cNvSpPr>
-            <a:spLocks noGrp="1"/>
-          </p:cNvSpPr>
-          <p:nvPr>
-            <p:ph type="ctrTitle"/>
-          </p:nvPr>
+      <p:sp useBgFill="1">
+        <p:nvSpPr>
+          <p:cNvPr id="12" name="Freeform 11"/>
+          <p:cNvSpPr/>
+          <p:nvPr/>
         </p:nvSpPr>
         <p:spPr>
           <a:xfrm>
-            <a:off x="3962399" y="1964267"/>
-            <a:ext cx="7197726" cy="2421464"/>
+            <a:off x="-15875" y="0"/>
+            <a:ext cx="11683810" cy="6588125"/>
+          </a:xfrm>
+          <a:custGeom>
+            <a:avLst/>
+            <a:gdLst/>
+            <a:ahLst/>
+            <a:cxnLst/>
+            <a:rect l="l" t="t" r="r" b="b"/>
+            <a:pathLst>
+              <a:path w="11683810" h="6588125">
+                <a:moveTo>
+                  <a:pt x="0" y="0"/>
+                </a:moveTo>
+                <a:lnTo>
+                  <a:pt x="11318691" y="0"/>
+                </a:lnTo>
+                <a:lnTo>
+                  <a:pt x="11683810" y="5976938"/>
+                </a:lnTo>
+                <a:lnTo>
+                  <a:pt x="15875" y="6588125"/>
+                </a:lnTo>
+                <a:cubicBezTo>
+                  <a:pt x="10583" y="4386792"/>
+                  <a:pt x="5292" y="2185458"/>
+                  <a:pt x="0" y="0"/>
+                </a:cubicBezTo>
+                <a:close/>
+              </a:path>
+            </a:pathLst>
+          </a:custGeom>
+          <a:ln>
+            <a:noFill/>
+          </a:ln>
+          <a:effectLst>
+            <a:outerShdw blurRad="101600" dist="152400" dir="4380000" algn="tl" rotWithShape="0">
+              <a:srgbClr val="000000">
+                <a:alpha val="43000"/>
+              </a:srgbClr>
+            </a:outerShdw>
+          </a:effectLst>
+        </p:spPr>
+        <p:style>
+          <a:lnRef idx="1">
+            <a:schemeClr val="accent1"/>
+          </a:lnRef>
+          <a:fillRef idx="3">
+            <a:schemeClr val="accent1"/>
+          </a:fillRef>
+          <a:effectRef idx="2">
+            <a:schemeClr val="accent1"/>
+          </a:effectRef>
+          <a:fontRef idx="minor">
+            <a:schemeClr val="lt1"/>
+          </a:fontRef>
+        </p:style>
+      </p:sp>
+      <p:sp>
+        <p:nvSpPr>
+          <p:cNvPr id="14" name="Freeform 13"/>
+          <p:cNvSpPr/>
+          <p:nvPr/>
+        </p:nvSpPr>
+        <p:spPr>
+          <a:xfrm>
+            <a:off x="0" y="4282257"/>
+            <a:ext cx="11329257" cy="2028845"/>
+          </a:xfrm>
+          <a:custGeom>
+            <a:avLst/>
+            <a:gdLst/>
+            <a:ahLst/>
+            <a:cxnLst/>
+            <a:rect l="l" t="t" r="r" b="b"/>
+            <a:pathLst>
+              <a:path w="11329257" h="2028845">
+                <a:moveTo>
+                  <a:pt x="0" y="588520"/>
+                </a:moveTo>
+                <a:lnTo>
+                  <a:pt x="11244075" y="0"/>
+                </a:lnTo>
+                <a:lnTo>
+                  <a:pt x="11329257" y="1424838"/>
+                </a:lnTo>
+                <a:lnTo>
+                  <a:pt x="0" y="2028845"/>
+                </a:lnTo>
+                <a:lnTo>
+                  <a:pt x="0" y="588520"/>
+                </a:lnTo>
+                <a:close/>
+              </a:path>
+            </a:pathLst>
+          </a:custGeom>
+          <a:gradFill flip="none" rotWithShape="1">
+            <a:gsLst>
+              <a:gs pos="34000">
+                <a:schemeClr val="accent1"/>
+              </a:gs>
+              <a:gs pos="100000">
+                <a:schemeClr val="accent1">
+                  <a:lumMod val="50000"/>
+                </a:schemeClr>
+              </a:gs>
+            </a:gsLst>
+            <a:path path="circle">
+              <a:fillToRect l="50000" t="50000" r="50000" b="50000"/>
+            </a:path>
+            <a:tileRect/>
+          </a:gradFill>
+          <a:ln>
+            <a:noFill/>
+          </a:ln>
+        </p:spPr>
+        <p:style>
+          <a:lnRef idx="1">
+            <a:schemeClr val="accent1"/>
+          </a:lnRef>
+          <a:fillRef idx="3">
+            <a:schemeClr val="accent1"/>
+          </a:fillRef>
+          <a:effectRef idx="2">
+            <a:schemeClr val="accent1"/>
+          </a:effectRef>
+          <a:fontRef idx="minor">
+            <a:schemeClr val="lt1"/>
+          </a:fontRef>
+        </p:style>
+      </p:sp>
+      <p:sp>
+        <p:nvSpPr>
+          <p:cNvPr id="26" name="Freeform 25"/>
+          <p:cNvSpPr/>
+          <p:nvPr/>
+        </p:nvSpPr>
+        <p:spPr>
+          <a:xfrm>
+            <a:off x="0" y="0"/>
+            <a:ext cx="8719579" cy="456877"/>
+          </a:xfrm>
+          <a:custGeom>
+            <a:avLst/>
+            <a:gdLst/>
+            <a:ahLst/>
+            <a:cxnLst/>
+            <a:rect l="l" t="t" r="r" b="b"/>
+            <a:pathLst>
+              <a:path w="8719579" h="456877">
+                <a:moveTo>
+                  <a:pt x="0" y="0"/>
+                </a:moveTo>
+                <a:lnTo>
+                  <a:pt x="8719579" y="0"/>
+                </a:lnTo>
+                <a:lnTo>
+                  <a:pt x="0" y="456877"/>
+                </a:lnTo>
+                <a:lnTo>
+                  <a:pt x="0" y="0"/>
+                </a:lnTo>
+                <a:close/>
+              </a:path>
+            </a:pathLst>
+          </a:custGeom>
+          <a:gradFill flip="none" rotWithShape="1">
+            <a:gsLst>
+              <a:gs pos="34000">
+                <a:schemeClr val="accent1"/>
+              </a:gs>
+              <a:gs pos="100000">
+                <a:schemeClr val="accent1">
+                  <a:lumMod val="50000"/>
+                </a:schemeClr>
+              </a:gs>
+            </a:gsLst>
+            <a:path path="circle">
+              <a:fillToRect l="50000" t="50000" r="50000" b="50000"/>
+            </a:path>
+            <a:tileRect/>
+          </a:gradFill>
+          <a:ln>
+            <a:noFill/>
+          </a:ln>
+        </p:spPr>
+        <p:style>
+          <a:lnRef idx="1">
+            <a:schemeClr val="accent1"/>
+          </a:lnRef>
+          <a:fillRef idx="3">
+            <a:schemeClr val="accent1"/>
+          </a:fillRef>
+          <a:effectRef idx="2">
+            <a:schemeClr val="accent1"/>
+          </a:effectRef>
+          <a:fontRef idx="minor">
+            <a:schemeClr val="lt1"/>
+          </a:fontRef>
+        </p:style>
+      </p:sp>
+      <p:sp>
+        <p:nvSpPr>
+          <p:cNvPr id="15" name="Freeform 14"/>
+          <p:cNvSpPr/>
+          <p:nvPr/>
+        </p:nvSpPr>
+        <p:spPr>
+          <a:xfrm rot="21420000">
+            <a:off x="-161800" y="293317"/>
+            <a:ext cx="11367116" cy="5751804"/>
+          </a:xfrm>
+          <a:custGeom>
+            <a:avLst/>
+            <a:gdLst/>
+            <a:ahLst/>
+            <a:cxnLst/>
+            <a:rect l="l" t="t" r="r" b="b"/>
+            <a:pathLst>
+              <a:path w="11367116" h="5751804">
+                <a:moveTo>
+                  <a:pt x="11346705" y="0"/>
+                </a:moveTo>
+                <a:cubicBezTo>
+                  <a:pt x="11353509" y="1915114"/>
+                  <a:pt x="11360312" y="3830229"/>
+                  <a:pt x="11367116" y="5745343"/>
+                </a:cubicBezTo>
+                <a:lnTo>
+                  <a:pt x="0" y="5751804"/>
+                </a:lnTo>
+              </a:path>
+            </a:pathLst>
+          </a:custGeom>
+          <a:ln w="82550">
+            <a:solidFill>
+              <a:schemeClr val="tx1">
+                <a:lumMod val="50000"/>
+                <a:lumOff val="50000"/>
+              </a:schemeClr>
+            </a:solidFill>
+            <a:miter lim="800000"/>
+          </a:ln>
+        </p:spPr>
+        <p:style>
+          <a:lnRef idx="2">
+            <a:schemeClr val="accent1"/>
+          </a:lnRef>
+          <a:fillRef idx="0">
+            <a:schemeClr val="accent1"/>
+          </a:fillRef>
+          <a:effectRef idx="1">
+            <a:schemeClr val="accent1"/>
+          </a:effectRef>
+          <a:fontRef idx="minor">
+            <a:schemeClr val="tx1"/>
+          </a:fontRef>
+        </p:style>
+      </p:sp>
+      <p:sp>
+        <p:nvSpPr>
+          <p:cNvPr id="2" name="Title 1"/>
+          <p:cNvSpPr>
+            <a:spLocks noGrp="1"/>
+          </p:cNvSpPr>
+          <p:nvPr>
+            <p:ph type="ctrTitle"/>
+          </p:nvPr>
+        </p:nvSpPr>
+        <p:spPr>
+          <a:xfrm rot="21420000">
+            <a:off x="891201" y="662656"/>
+            <a:ext cx="9755187" cy="2766528"/>
           </a:xfrm>
         </p:spPr>
         <p:txBody>
@@ -192,9 +454,7 @@
           </a:bodyPr>
           <a:lstStyle>
             <a:lvl1pPr algn="r">
-              <a:defRPr sz="4800">
-                <a:effectLst/>
-              </a:defRPr>
+              <a:defRPr sz="8000"/>
             </a:lvl1pPr>
           </a:lstStyle>
           <a:p>
@@ -217,185 +477,164 @@
           </p:nvPr>
         </p:nvSpPr>
         <p:spPr>
-          <a:xfrm>
-            <a:off x="3962399" y="4385732"/>
-            <a:ext cx="7197726" cy="1405467"/>
+          <a:xfrm rot="21420000">
+            <a:off x="983062" y="3505209"/>
+            <a:ext cx="9755187" cy="550333"/>
           </a:xfrm>
         </p:spPr>
         <p:txBody>
           <a:bodyPr anchor="t">
-            <a:normAutofit/>
+            <a:noAutofit/>
           </a:bodyPr>
           <a:lstStyle>
             <a:lvl1pPr marL="0" indent="0" algn="r">
               <a:buNone/>
-              <a:defRPr sz="1800" cap="all">
+              <a:defRPr sz="2800">
                 <a:solidFill>
-                  <a:schemeClr val="tx1"/>
+                  <a:schemeClr val="bg1">
+                    <a:lumMod val="50000"/>
+                  </a:schemeClr>
                 </a:solidFill>
               </a:defRPr>
             </a:lvl1pPr>
             <a:lvl2pPr marL="457200" indent="0" algn="ctr">
               <a:buNone/>
-              <a:defRPr>
+              <a:defRPr sz="2000"/>
+            </a:lvl2pPr>
+            <a:lvl3pPr marL="914400" indent="0" algn="ctr">
+              <a:buNone/>
+              <a:defRPr sz="1800"/>
+            </a:lvl3pPr>
+            <a:lvl4pPr marL="1371600" indent="0" algn="ctr">
+              <a:buNone/>
+              <a:defRPr sz="1600"/>
+            </a:lvl4pPr>
+            <a:lvl5pPr marL="1828800" indent="0" algn="ctr">
+              <a:buNone/>
+              <a:defRPr sz="1600"/>
+            </a:lvl5pPr>
+            <a:lvl6pPr marL="2286000" indent="0" algn="ctr">
+              <a:buNone/>
+              <a:defRPr sz="1600"/>
+            </a:lvl6pPr>
+            <a:lvl7pPr marL="2743200" indent="0" algn="ctr">
+              <a:buNone/>
+              <a:defRPr sz="1600"/>
+            </a:lvl7pPr>
+            <a:lvl8pPr marL="3200400" indent="0" algn="ctr">
+              <a:buNone/>
+              <a:defRPr sz="1600"/>
+            </a:lvl8pPr>
+            <a:lvl9pPr marL="3657600" indent="0" algn="ctr">
+              <a:buNone/>
+              <a:defRPr sz="1600"/>
+            </a:lvl9pPr>
+          </a:lstStyle>
+          <a:p>
+            <a:r>
+              <a:rPr lang="en-US"/>
+              <a:t>Click to edit Master subtitle style</a:t>
+            </a:r>
+            <a:endParaRPr lang="en-US" dirty="0"/>
+          </a:p>
+        </p:txBody>
+      </p:sp>
+      <p:sp>
+        <p:nvSpPr>
+          <p:cNvPr id="4" name="Date Placeholder 3"/>
+          <p:cNvSpPr>
+            <a:spLocks noGrp="1"/>
+          </p:cNvSpPr>
+          <p:nvPr>
+            <p:ph type="dt" sz="half" idx="10"/>
+          </p:nvPr>
+        </p:nvSpPr>
+        <p:spPr>
+          <a:xfrm rot="21420000">
+            <a:off x="4948541" y="4578463"/>
+            <a:ext cx="6143653" cy="1163112"/>
+          </a:xfrm>
+        </p:spPr>
+        <p:txBody>
+          <a:bodyPr/>
+          <a:lstStyle>
+            <a:lvl1pPr algn="ctr">
+              <a:defRPr sz="5400">
                 <a:solidFill>
-                  <a:schemeClr val="tx1">
-                    <a:tint val="75000"/>
+                  <a:schemeClr val="accent1">
+                    <a:lumMod val="50000"/>
                   </a:schemeClr>
                 </a:solidFill>
               </a:defRPr>
-            </a:lvl2pPr>
-            <a:lvl3pPr marL="914400" indent="0" algn="ctr">
-              <a:buNone/>
-              <a:defRPr>
+            </a:lvl1pPr>
+          </a:lstStyle>
+          <a:p>
+            <a:fld id="{C211B184-D47F-4E51-8576-FD3DF6A93EE9}" type="datetimeFigureOut">
+              <a:rPr lang="en-US" smtClean="0"/>
+              <a:t>1/25/2020</a:t>
+            </a:fld>
+            <a:endParaRPr lang="en-US"/>
+          </a:p>
+        </p:txBody>
+      </p:sp>
+      <p:sp>
+        <p:nvSpPr>
+          <p:cNvPr id="5" name="Footer Placeholder 4"/>
+          <p:cNvSpPr>
+            <a:spLocks noGrp="1"/>
+          </p:cNvSpPr>
+          <p:nvPr>
+            <p:ph type="ftr" sz="quarter" idx="11"/>
+          </p:nvPr>
+        </p:nvSpPr>
+        <p:spPr>
+          <a:xfrm rot="21420000">
+            <a:off x="-5560" y="4883024"/>
+            <a:ext cx="4047239" cy="1195538"/>
+          </a:xfrm>
+        </p:spPr>
+        <p:txBody>
+          <a:bodyPr vert="horz" lIns="91440" tIns="45720" rIns="91440" bIns="45720" rtlCol="0" anchor="ctr"/>
+          <a:lstStyle>
+            <a:lvl1pPr algn="r">
+              <a:defRPr lang="en-US" sz="5400" dirty="0"/>
+            </a:lvl1pPr>
+          </a:lstStyle>
+          <a:p>
+            <a:endParaRPr lang="en-US"/>
+          </a:p>
+        </p:txBody>
+      </p:sp>
+      <p:sp>
+        <p:nvSpPr>
+          <p:cNvPr id="6" name="Slide Number Placeholder 5"/>
+          <p:cNvSpPr>
+            <a:spLocks noGrp="1"/>
+          </p:cNvSpPr>
+          <p:nvPr>
+            <p:ph type="sldNum" sz="quarter" idx="12"/>
+          </p:nvPr>
+        </p:nvSpPr>
+        <p:spPr>
+          <a:xfrm rot="21420000">
+            <a:off x="9851758" y="3832648"/>
+            <a:ext cx="907186" cy="498470"/>
+          </a:xfrm>
+        </p:spPr>
+        <p:txBody>
+          <a:bodyPr/>
+          <a:lstStyle>
+            <a:lvl1pPr>
+              <a:defRPr sz="2400">
                 <a:solidFill>
                   <a:schemeClr val="tx1">
-                    <a:tint val="75000"/>
+                    <a:lumMod val="75000"/>
+                    <a:lumOff val="25000"/>
                   </a:schemeClr>
                 </a:solidFill>
               </a:defRPr>
-            </a:lvl3pPr>
-            <a:lvl4pPr marL="1371600" indent="0" algn="ctr">
-              <a:buNone/>
-              <a:defRPr>
-                <a:solidFill>
-                  <a:schemeClr val="tx1">
-                    <a:tint val="75000"/>
-                  </a:schemeClr>
-                </a:solidFill>
-              </a:defRPr>
-            </a:lvl4pPr>
-            <a:lvl5pPr marL="1828800" indent="0" algn="ctr">
-              <a:buNone/>
-              <a:defRPr>
-                <a:solidFill>
-                  <a:schemeClr val="tx1">
-                    <a:tint val="75000"/>
-                  </a:schemeClr>
-                </a:solidFill>
-              </a:defRPr>
-            </a:lvl5pPr>
-            <a:lvl6pPr marL="2286000" indent="0" algn="ctr">
-              <a:buNone/>
-              <a:defRPr>
-                <a:solidFill>
-                  <a:schemeClr val="tx1">
-                    <a:tint val="75000"/>
-                  </a:schemeClr>
-                </a:solidFill>
-              </a:defRPr>
-            </a:lvl6pPr>
-            <a:lvl7pPr marL="2743200" indent="0" algn="ctr">
-              <a:buNone/>
-              <a:defRPr>
-                <a:solidFill>
-                  <a:schemeClr val="tx1">
-                    <a:tint val="75000"/>
-                  </a:schemeClr>
-                </a:solidFill>
-              </a:defRPr>
-            </a:lvl7pPr>
-            <a:lvl8pPr marL="3200400" indent="0" algn="ctr">
-              <a:buNone/>
-              <a:defRPr>
-                <a:solidFill>
-                  <a:schemeClr val="tx1">
-                    <a:tint val="75000"/>
-                  </a:schemeClr>
-                </a:solidFill>
-              </a:defRPr>
-            </a:lvl8pPr>
-            <a:lvl9pPr marL="3657600" indent="0" algn="ctr">
-              <a:buNone/>
-              <a:defRPr>
-                <a:solidFill>
-                  <a:schemeClr val="tx1">
-                    <a:tint val="75000"/>
-                  </a:schemeClr>
-                </a:solidFill>
-              </a:defRPr>
-            </a:lvl9pPr>
+            </a:lvl1pPr>
           </a:lstStyle>
-          <a:p>
-            <a:r>
-              <a:rPr lang="en-US"/>
-              <a:t>Click to edit Master subtitle style</a:t>
-            </a:r>
-            <a:endParaRPr lang="en-US" dirty="0"/>
-          </a:p>
-        </p:txBody>
-      </p:sp>
-      <p:sp>
-        <p:nvSpPr>
-          <p:cNvPr id="4" name="Date Placeholder 3"/>
-          <p:cNvSpPr>
-            <a:spLocks noGrp="1"/>
-          </p:cNvSpPr>
-          <p:nvPr>
-            <p:ph type="dt" sz="half" idx="10"/>
-          </p:nvPr>
-        </p:nvSpPr>
-        <p:spPr>
-          <a:xfrm>
-            <a:off x="8932558" y="5870575"/>
-            <a:ext cx="1600200" cy="377825"/>
-          </a:xfrm>
-        </p:spPr>
-        <p:txBody>
-          <a:bodyPr/>
-          <a:lstStyle/>
-          <a:p>
-            <a:fld id="{C211B184-D47F-4E51-8576-FD3DF6A93EE9}" type="datetimeFigureOut">
-              <a:rPr lang="en-US" smtClean="0"/>
-              <a:t>1/24/2020</a:t>
-            </a:fld>
-            <a:endParaRPr lang="en-US"/>
-          </a:p>
-        </p:txBody>
-      </p:sp>
-      <p:sp>
-        <p:nvSpPr>
-          <p:cNvPr id="5" name="Footer Placeholder 4"/>
-          <p:cNvSpPr>
-            <a:spLocks noGrp="1"/>
-          </p:cNvSpPr>
-          <p:nvPr>
-            <p:ph type="ftr" sz="quarter" idx="11"/>
-          </p:nvPr>
-        </p:nvSpPr>
-        <p:spPr>
-          <a:xfrm>
-            <a:off x="3962399" y="5870575"/>
-            <a:ext cx="4893958" cy="377825"/>
-          </a:xfrm>
-        </p:spPr>
-        <p:txBody>
-          <a:bodyPr/>
-          <a:lstStyle/>
-          <a:p>
-            <a:endParaRPr lang="en-US"/>
-          </a:p>
-        </p:txBody>
-      </p:sp>
-      <p:sp>
-        <p:nvSpPr>
-          <p:cNvPr id="6" name="Slide Number Placeholder 5"/>
-          <p:cNvSpPr>
-            <a:spLocks noGrp="1"/>
-          </p:cNvSpPr>
-          <p:nvPr>
-            <p:ph type="sldNum" sz="quarter" idx="12"/>
-          </p:nvPr>
-        </p:nvSpPr>
-        <p:spPr>
-          <a:xfrm>
-            <a:off x="10608958" y="5870575"/>
-            <a:ext cx="551167" cy="377825"/>
-          </a:xfrm>
-        </p:spPr>
-        <p:txBody>
-          <a:bodyPr/>
-          <a:lstStyle/>
           <a:p>
             <a:fld id="{3B6B49C4-D292-4EE6-A5C6-2F57226420BC}" type="slidenum">
               <a:rPr lang="en-US" smtClean="0"/>
@@ -405,15 +644,57 @@
           </a:p>
         </p:txBody>
       </p:sp>
+      <p:sp>
+        <p:nvSpPr>
+          <p:cNvPr id="25" name="5-Point Star 24"/>
+          <p:cNvSpPr/>
+          <p:nvPr/>
+        </p:nvSpPr>
+        <p:spPr>
+          <a:xfrm rot="21420000">
+            <a:off x="4221385" y="5111356"/>
+            <a:ext cx="515386" cy="515386"/>
+          </a:xfrm>
+          <a:prstGeom prst="star5">
+            <a:avLst>
+              <a:gd name="adj" fmla="val 26693"/>
+              <a:gd name="hf" fmla="val 105146"/>
+              <a:gd name="vf" fmla="val 110557"/>
+            </a:avLst>
+          </a:prstGeom>
+          <a:solidFill>
+            <a:schemeClr val="tx1">
+              <a:alpha val="40000"/>
+            </a:schemeClr>
+          </a:solidFill>
+          <a:ln>
+            <a:noFill/>
+          </a:ln>
+        </p:spPr>
+        <p:style>
+          <a:lnRef idx="1">
+            <a:schemeClr val="accent1"/>
+          </a:lnRef>
+          <a:fillRef idx="3">
+            <a:schemeClr val="accent1"/>
+          </a:fillRef>
+          <a:effectRef idx="2">
+            <a:schemeClr val="accent1"/>
+          </a:effectRef>
+          <a:fontRef idx="minor">
+            <a:schemeClr val="lt1"/>
+          </a:fontRef>
+        </p:style>
+      </p:sp>
     </p:spTree>
     <p:extLst>
       <p:ext uri="{BB962C8B-B14F-4D97-AF65-F5344CB8AC3E}">
-        <p14:creationId xmlns:p14="http://schemas.microsoft.com/office/powerpoint/2010/main" val="923253489"/>
+        <p14:creationId xmlns:p14="http://schemas.microsoft.com/office/powerpoint/2010/main" val="30787371"/>
       </p:ext>
     </p:extLst>
   </p:cSld>
   <p:clrMapOvr>
-    <a:overrideClrMapping bg1="dk1" tx1="lt1" bg2="dk2" tx2="lt2" accent1="accent1" accent2="accent2" accent3="accent3" accent4="accent4" accent5="accent5" accent6="accent6" hlink="hlink" folHlink="folHlink"/>
+    <a:masterClrMapping/>
   </p:clrMapOvr>
 </p:sldLayout>
 </file>
@@ -435,227 +716,168 @@
           <a:chExt cx="0" cy="0"/>
         </a:xfrm>
       </p:grpSpPr>
-      <p:pic>
-        <p:nvPicPr>
-          <p:cNvPr id="8" name="Picture 7" descr="Celestia-R1---OverlayContentHD.png"/>
-          <p:cNvPicPr>
-            <a:picLocks noChangeAspect="1"/>
-          </p:cNvPicPr>
-          <p:nvPr/>
-        </p:nvPicPr>
-        <p:blipFill>
-          <a:blip r:embed="rId2">
-            <a:extLst>
-              <a:ext uri="{28A0092B-C50C-407E-A947-70E740481C1C}">
-                <a14:useLocalDpi xmlns:a14="http://schemas.microsoft.com/office/drawing/2010/main" val="0"/>
-              </a:ext>
-            </a:extLst>
-          </a:blip>
-          <a:stretch>
-            <a:fillRect/>
-          </a:stretch>
-        </p:blipFill>
+      <p:sp>
+        <p:nvSpPr>
+          <p:cNvPr id="2" name="Title 1"/>
+          <p:cNvSpPr>
+            <a:spLocks noGrp="1"/>
+          </p:cNvSpPr>
+          <p:nvPr>
+            <p:ph type="title"/>
+          </p:nvPr>
+        </p:nvSpPr>
         <p:spPr>
           <a:xfrm>
-            <a:off x="0" y="0"/>
-            <a:ext cx="12188825" cy="6856214"/>
+            <a:off x="685800" y="4106333"/>
+            <a:ext cx="10394708" cy="588846"/>
           </a:xfrm>
-          <a:prstGeom prst="rect">
-            <a:avLst/>
-          </a:prstGeom>
         </p:spPr>
-      </p:pic>
-      <p:sp>
-        <p:nvSpPr>
-          <p:cNvPr id="2" name="Title 1"/>
-          <p:cNvSpPr>
-            <a:spLocks noGrp="1"/>
-          </p:cNvSpPr>
-          <p:nvPr>
-            <p:ph type="title"/>
+        <p:txBody>
+          <a:bodyPr anchor="b"/>
+          <a:lstStyle>
+            <a:lvl1pPr>
+              <a:defRPr sz="3200"/>
+            </a:lvl1pPr>
+          </a:lstStyle>
+          <a:p>
+            <a:r>
+              <a:rPr lang="en-US"/>
+              <a:t>Click to edit Master title style</a:t>
+            </a:r>
+            <a:endParaRPr lang="en-US" dirty="0"/>
+          </a:p>
+        </p:txBody>
+      </p:sp>
+      <p:sp>
+        <p:nvSpPr>
+          <p:cNvPr id="3" name="Picture Placeholder 2"/>
+          <p:cNvSpPr>
+            <a:spLocks noGrp="1" noChangeAspect="1"/>
+          </p:cNvSpPr>
+          <p:nvPr>
+            <p:ph type="pic" idx="1"/>
           </p:nvPr>
         </p:nvSpPr>
         <p:spPr>
           <a:xfrm>
-            <a:off x="685800" y="4732865"/>
-            <a:ext cx="10131427" cy="566738"/>
+            <a:off x="685801" y="685799"/>
+            <a:ext cx="10392513" cy="3194903"/>
+          </a:xfrm>
+          <a:ln w="57150" cmpd="thinThick">
+            <a:solidFill>
+              <a:schemeClr val="bg1">
+                <a:lumMod val="50000"/>
+              </a:schemeClr>
+            </a:solidFill>
+            <a:miter lim="800000"/>
+          </a:ln>
+        </p:spPr>
+        <p:txBody>
+          <a:bodyPr anchor="t"/>
+          <a:lstStyle>
+            <a:lvl1pPr marL="0" indent="0" algn="ctr">
+              <a:buNone/>
+              <a:defRPr sz="3200"/>
+            </a:lvl1pPr>
+            <a:lvl2pPr marL="457200" indent="0">
+              <a:buNone/>
+              <a:defRPr sz="2800"/>
+            </a:lvl2pPr>
+            <a:lvl3pPr marL="914400" indent="0">
+              <a:buNone/>
+              <a:defRPr sz="2400"/>
+            </a:lvl3pPr>
+            <a:lvl4pPr marL="1371600" indent="0">
+              <a:buNone/>
+              <a:defRPr sz="2000"/>
+            </a:lvl4pPr>
+            <a:lvl5pPr marL="1828800" indent="0">
+              <a:buNone/>
+              <a:defRPr sz="2000"/>
+            </a:lvl5pPr>
+            <a:lvl6pPr marL="2286000" indent="0">
+              <a:buNone/>
+              <a:defRPr sz="2000"/>
+            </a:lvl6pPr>
+            <a:lvl7pPr marL="2743200" indent="0">
+              <a:buNone/>
+              <a:defRPr sz="2000"/>
+            </a:lvl7pPr>
+            <a:lvl8pPr marL="3200400" indent="0">
+              <a:buNone/>
+              <a:defRPr sz="2000"/>
+            </a:lvl8pPr>
+            <a:lvl9pPr marL="3657600" indent="0">
+              <a:buNone/>
+              <a:defRPr sz="2000"/>
+            </a:lvl9pPr>
+          </a:lstStyle>
+          <a:p>
+            <a:r>
+              <a:rPr lang="en-US"/>
+              <a:t>Click icon to add picture</a:t>
+            </a:r>
+            <a:endParaRPr lang="en-US" dirty="0"/>
+          </a:p>
+        </p:txBody>
+      </p:sp>
+      <p:sp>
+        <p:nvSpPr>
+          <p:cNvPr id="4" name="Text Placeholder 3"/>
+          <p:cNvSpPr>
+            <a:spLocks noGrp="1"/>
+          </p:cNvSpPr>
+          <p:nvPr>
+            <p:ph type="body" sz="half" idx="2"/>
+          </p:nvPr>
+        </p:nvSpPr>
+        <p:spPr>
+          <a:xfrm>
+            <a:off x="685780" y="4702923"/>
+            <a:ext cx="10394728" cy="682472"/>
           </a:xfrm>
         </p:spPr>
         <p:txBody>
-          <a:bodyPr anchor="b">
-            <a:normAutofit/>
-          </a:bodyPr>
+          <a:bodyPr anchor="t"/>
           <a:lstStyle>
-            <a:lvl1pPr algn="l">
-              <a:defRPr sz="2400" b="0"/>
-            </a:lvl1pPr>
-          </a:lstStyle>
-          <a:p>
-            <a:r>
-              <a:rPr lang="en-US"/>
-              <a:t>Click to edit Master title style</a:t>
-            </a:r>
-            <a:endParaRPr lang="en-US" dirty="0"/>
-          </a:p>
-        </p:txBody>
-      </p:sp>
-      <p:sp>
-        <p:nvSpPr>
-          <p:cNvPr id="3" name="Picture Placeholder 2"/>
-          <p:cNvSpPr>
-            <a:spLocks noGrp="1" noChangeAspect="1"/>
-          </p:cNvSpPr>
-          <p:nvPr>
-            <p:ph type="pic" idx="1"/>
-          </p:nvPr>
-        </p:nvSpPr>
-        <p:spPr>
-          <a:xfrm>
-            <a:off x="1371600" y="932112"/>
-            <a:ext cx="8759827" cy="3164976"/>
-          </a:xfrm>
-          <a:prstGeom prst="roundRect">
-            <a:avLst>
-              <a:gd name="adj" fmla="val 4380"/>
-            </a:avLst>
-          </a:prstGeom>
-          <a:ln w="50800" cap="sq" cmpd="dbl">
-            <a:gradFill flip="none" rotWithShape="1">
-              <a:gsLst>
-                <a:gs pos="0">
-                  <a:srgbClr val="FFFFFF"/>
-                </a:gs>
-                <a:gs pos="100000">
-                  <a:schemeClr val="tx1">
-                    <a:alpha val="0"/>
-                  </a:schemeClr>
-                </a:gs>
-              </a:gsLst>
-              <a:path path="circle">
-                <a:fillToRect l="50000" t="50000" r="50000" b="50000"/>
-              </a:path>
-              <a:tileRect/>
-            </a:gradFill>
-            <a:miter lim="800000"/>
-          </a:ln>
-          <a:effectLst>
-            <a:outerShdw blurRad="254000" algn="tl" rotWithShape="0">
-              <a:srgbClr val="000000">
-                <a:alpha val="43000"/>
-              </a:srgbClr>
-            </a:outerShdw>
-          </a:effectLst>
-        </p:spPr>
-        <p:txBody>
-          <a:bodyPr anchor="t">
-            <a:normAutofit/>
-          </a:bodyPr>
-          <a:lstStyle>
-            <a:lvl1pPr marL="0" indent="0" algn="ctr">
+            <a:lvl1pPr marL="0" indent="0" algn="l">
               <a:buNone/>
               <a:defRPr sz="1600"/>
             </a:lvl1pPr>
             <a:lvl2pPr marL="457200" indent="0">
               <a:buNone/>
-              <a:defRPr sz="1600"/>
+              <a:defRPr sz="1400"/>
             </a:lvl2pPr>
             <a:lvl3pPr marL="914400" indent="0">
               <a:buNone/>
-              <a:defRPr sz="1600"/>
+              <a:defRPr sz="1200"/>
             </a:lvl3pPr>
             <a:lvl4pPr marL="1371600" indent="0">
               <a:buNone/>
-              <a:defRPr sz="1600"/>
+              <a:defRPr sz="1000"/>
             </a:lvl4pPr>
             <a:lvl5pPr marL="1828800" indent="0">
               <a:buNone/>
-              <a:defRPr sz="1600"/>
+              <a:defRPr sz="1000"/>
             </a:lvl5pPr>
             <a:lvl6pPr marL="2286000" indent="0">
               <a:buNone/>
-              <a:defRPr sz="1600"/>
+              <a:defRPr sz="1000"/>
             </a:lvl6pPr>
             <a:lvl7pPr marL="2743200" indent="0">
               <a:buNone/>
-              <a:defRPr sz="1600"/>
+              <a:defRPr sz="1000"/>
             </a:lvl7pPr>
             <a:lvl8pPr marL="3200400" indent="0">
               <a:buNone/>
-              <a:defRPr sz="1600"/>
+              <a:defRPr sz="1000"/>
             </a:lvl8pPr>
             <a:lvl9pPr marL="3657600" indent="0">
               <a:buNone/>
-              <a:defRPr sz="1600"/>
+              <a:defRPr sz="1000"/>
             </a:lvl9pPr>
           </a:lstStyle>
           <a:p>
-            <a:r>
-              <a:rPr lang="en-US"/>
-              <a:t>Click icon to add picture</a:t>
-            </a:r>
-            <a:endParaRPr lang="en-US" dirty="0"/>
-          </a:p>
-        </p:txBody>
-      </p:sp>
-      <p:sp>
-        <p:nvSpPr>
-          <p:cNvPr id="4" name="Text Placeholder 3"/>
-          <p:cNvSpPr>
-            <a:spLocks noGrp="1"/>
-          </p:cNvSpPr>
-          <p:nvPr>
-            <p:ph type="body" sz="half" idx="2"/>
-          </p:nvPr>
-        </p:nvSpPr>
-        <p:spPr>
-          <a:xfrm>
-            <a:off x="685800" y="5299603"/>
-            <a:ext cx="10131427" cy="493712"/>
-          </a:xfrm>
-        </p:spPr>
-        <p:txBody>
-          <a:bodyPr anchor="t">
-            <a:normAutofit/>
-          </a:bodyPr>
-          <a:lstStyle>
-            <a:lvl1pPr marL="0" indent="0">
-              <a:buNone/>
-              <a:defRPr sz="1400"/>
-            </a:lvl1pPr>
-            <a:lvl2pPr marL="457200" indent="0">
-              <a:buNone/>
-              <a:defRPr sz="1200"/>
-            </a:lvl2pPr>
-            <a:lvl3pPr marL="914400" indent="0">
-              <a:buNone/>
-              <a:defRPr sz="1000"/>
-            </a:lvl3pPr>
-            <a:lvl4pPr marL="1371600" indent="0">
-              <a:buNone/>
-              <a:defRPr sz="900"/>
-            </a:lvl4pPr>
-            <a:lvl5pPr marL="1828800" indent="0">
-              <a:buNone/>
-              <a:defRPr sz="900"/>
-            </a:lvl5pPr>
-            <a:lvl6pPr marL="2286000" indent="0">
-              <a:buNone/>
-              <a:defRPr sz="900"/>
-            </a:lvl6pPr>
-            <a:lvl7pPr marL="2743200" indent="0">
-              <a:buNone/>
-              <a:defRPr sz="900"/>
-            </a:lvl7pPr>
-            <a:lvl8pPr marL="3200400" indent="0">
-              <a:buNone/>
-              <a:defRPr sz="900"/>
-            </a:lvl8pPr>
-            <a:lvl9pPr marL="3657600" indent="0">
-              <a:buNone/>
-              <a:defRPr sz="900"/>
-            </a:lvl9pPr>
-          </a:lstStyle>
-          <a:p>
             <a:pPr lvl="0"/>
             <a:r>
               <a:rPr lang="en-US"/>
@@ -681,7 +903,7 @@
           <a:p>
             <a:fld id="{C211B184-D47F-4E51-8576-FD3DF6A93EE9}" type="datetimeFigureOut">
               <a:rPr lang="en-US" smtClean="0"/>
-              <a:t>1/24/2020</a:t>
+              <a:t>1/25/2020</a:t>
             </a:fld>
             <a:endParaRPr lang="en-US"/>
           </a:p>
@@ -732,7 +954,7 @@
     </p:spTree>
     <p:extLst>
       <p:ext uri="{BB962C8B-B14F-4D97-AF65-F5344CB8AC3E}">
-        <p14:creationId xmlns:p14="http://schemas.microsoft.com/office/powerpoint/2010/main" val="1397348097"/>
+        <p14:creationId xmlns:p14="http://schemas.microsoft.com/office/powerpoint/2010/main" val="3561758672"/>
       </p:ext>
     </p:extLst>
   </p:cSld>
@@ -759,50 +981,20 @@
           <a:chExt cx="0" cy="0"/>
         </a:xfrm>
       </p:grpSpPr>
-      <p:pic>
-        <p:nvPicPr>
-          <p:cNvPr id="7" name="Picture 6" descr="Celestia-R1---OverlayContentHD.png"/>
-          <p:cNvPicPr>
-            <a:picLocks noChangeAspect="1"/>
-          </p:cNvPicPr>
-          <p:nvPr/>
-        </p:nvPicPr>
-        <p:blipFill>
-          <a:blip r:embed="rId2">
-            <a:extLst>
-              <a:ext uri="{28A0092B-C50C-407E-A947-70E740481C1C}">
-                <a14:useLocalDpi xmlns:a14="http://schemas.microsoft.com/office/drawing/2010/main" val="0"/>
-              </a:ext>
-            </a:extLst>
-          </a:blip>
-          <a:stretch>
-            <a:fillRect/>
-          </a:stretch>
-        </p:blipFill>
+      <p:sp>
+        <p:nvSpPr>
+          <p:cNvPr id="2" name="Title 1"/>
+          <p:cNvSpPr>
+            <a:spLocks noGrp="1"/>
+          </p:cNvSpPr>
+          <p:nvPr>
+            <p:ph type="title"/>
+          </p:nvPr>
+        </p:nvSpPr>
         <p:spPr>
           <a:xfrm>
-            <a:off x="0" y="0"/>
-            <a:ext cx="12188825" cy="6856214"/>
-          </a:xfrm>
-          <a:prstGeom prst="rect">
-            <a:avLst/>
-          </a:prstGeom>
-        </p:spPr>
-      </p:pic>
-      <p:sp>
-        <p:nvSpPr>
-          <p:cNvPr id="2" name="Title 1"/>
-          <p:cNvSpPr>
-            <a:spLocks noGrp="1"/>
-          </p:cNvSpPr>
-          <p:nvPr>
-            <p:ph type="title"/>
-          </p:nvPr>
-        </p:nvSpPr>
-        <p:spPr>
-          <a:xfrm>
-            <a:off x="685801" y="609601"/>
-            <a:ext cx="10131427" cy="3124199"/>
+            <a:off x="685801" y="685800"/>
+            <a:ext cx="10396902" cy="3194903"/>
           </a:xfrm>
         </p:spPr>
         <p:txBody>
@@ -810,8 +1002,8 @@
             <a:normAutofit/>
           </a:bodyPr>
           <a:lstStyle>
-            <a:lvl1pPr algn="l">
-              <a:defRPr sz="3200" b="0" cap="none"/>
+            <a:lvl1pPr algn="ctr">
+              <a:defRPr sz="4800"/>
             </a:lvl1pPr>
           </a:lstStyle>
           <a:p>
@@ -825,18 +1017,18 @@
       </p:sp>
       <p:sp>
         <p:nvSpPr>
-          <p:cNvPr id="3" name="Text Placeholder 2"/>
-          <p:cNvSpPr>
-            <a:spLocks noGrp="1"/>
-          </p:cNvSpPr>
-          <p:nvPr>
-            <p:ph type="body" idx="1"/>
+          <p:cNvPr id="4" name="Text Placeholder 3"/>
+          <p:cNvSpPr>
+            <a:spLocks noGrp="1"/>
+          </p:cNvSpPr>
+          <p:nvPr>
+            <p:ph type="body" sz="half" idx="2"/>
           </p:nvPr>
         </p:nvSpPr>
         <p:spPr>
           <a:xfrm>
-            <a:off x="685800" y="4343400"/>
-            <a:ext cx="10131428" cy="1447800"/>
+            <a:off x="685779" y="4106333"/>
+            <a:ext cx="10394729" cy="1273606"/>
           </a:xfrm>
         </p:spPr>
         <p:txBody>
@@ -844,93 +1036,41 @@
             <a:normAutofit/>
           </a:bodyPr>
           <a:lstStyle>
-            <a:lvl1pPr marL="0" indent="0" algn="l">
-              <a:buNone/>
-              <a:defRPr sz="2000">
-                <a:solidFill>
-                  <a:schemeClr val="tx1"/>
-                </a:solidFill>
-              </a:defRPr>
+            <a:lvl1pPr marL="0" indent="0" algn="ctr">
+              <a:buNone/>
+              <a:defRPr sz="1800"/>
             </a:lvl1pPr>
             <a:lvl2pPr marL="457200" indent="0">
               <a:buNone/>
-              <a:defRPr sz="1800">
-                <a:solidFill>
-                  <a:schemeClr val="tx1">
-                    <a:tint val="75000"/>
-                  </a:schemeClr>
-                </a:solidFill>
-              </a:defRPr>
+              <a:defRPr sz="1400"/>
             </a:lvl2pPr>
             <a:lvl3pPr marL="914400" indent="0">
               <a:buNone/>
-              <a:defRPr sz="1600">
-                <a:solidFill>
-                  <a:schemeClr val="tx1">
-                    <a:tint val="75000"/>
-                  </a:schemeClr>
-                </a:solidFill>
-              </a:defRPr>
+              <a:defRPr sz="1200"/>
             </a:lvl3pPr>
             <a:lvl4pPr marL="1371600" indent="0">
               <a:buNone/>
-              <a:defRPr sz="1400">
-                <a:solidFill>
-                  <a:schemeClr val="tx1">
-                    <a:tint val="75000"/>
-                  </a:schemeClr>
-                </a:solidFill>
-              </a:defRPr>
+              <a:defRPr sz="1000"/>
             </a:lvl4pPr>
             <a:lvl5pPr marL="1828800" indent="0">
               <a:buNone/>
-              <a:defRPr sz="1400">
-                <a:solidFill>
-                  <a:schemeClr val="tx1">
-                    <a:tint val="75000"/>
-                  </a:schemeClr>
-                </a:solidFill>
-              </a:defRPr>
+              <a:defRPr sz="1000"/>
             </a:lvl5pPr>
             <a:lvl6pPr marL="2286000" indent="0">
               <a:buNone/>
-              <a:defRPr sz="1400">
-                <a:solidFill>
-                  <a:schemeClr val="tx1">
-                    <a:tint val="75000"/>
-                  </a:schemeClr>
-                </a:solidFill>
-              </a:defRPr>
+              <a:defRPr sz="1000"/>
             </a:lvl6pPr>
             <a:lvl7pPr marL="2743200" indent="0">
               <a:buNone/>
-              <a:defRPr sz="1400">
-                <a:solidFill>
-                  <a:schemeClr val="tx1">
-                    <a:tint val="75000"/>
-                  </a:schemeClr>
-                </a:solidFill>
-              </a:defRPr>
+              <a:defRPr sz="1000"/>
             </a:lvl7pPr>
             <a:lvl8pPr marL="3200400" indent="0">
               <a:buNone/>
-              <a:defRPr sz="1400">
-                <a:solidFill>
-                  <a:schemeClr val="tx1">
-                    <a:tint val="75000"/>
-                  </a:schemeClr>
-                </a:solidFill>
-              </a:defRPr>
+              <a:defRPr sz="1000"/>
             </a:lvl8pPr>
             <a:lvl9pPr marL="3657600" indent="0">
               <a:buNone/>
-              <a:defRPr sz="1400">
-                <a:solidFill>
-                  <a:schemeClr val="tx1">
-                    <a:tint val="75000"/>
-                  </a:schemeClr>
-                </a:solidFill>
-              </a:defRPr>
+              <a:defRPr sz="1000"/>
             </a:lvl9pPr>
           </a:lstStyle>
           <a:p>
@@ -944,7 +1084,7 @@
       </p:sp>
       <p:sp>
         <p:nvSpPr>
-          <p:cNvPr id="4" name="Date Placeholder 3"/>
+          <p:cNvPr id="5" name="Date Placeholder 4"/>
           <p:cNvSpPr>
             <a:spLocks noGrp="1"/>
           </p:cNvSpPr>
@@ -959,7 +1099,7 @@
           <a:p>
             <a:fld id="{C211B184-D47F-4E51-8576-FD3DF6A93EE9}" type="datetimeFigureOut">
               <a:rPr lang="en-US" smtClean="0"/>
-              <a:t>1/24/2020</a:t>
+              <a:t>1/25/2020</a:t>
             </a:fld>
             <a:endParaRPr lang="en-US"/>
           </a:p>
@@ -967,7 +1107,7 @@
       </p:sp>
       <p:sp>
         <p:nvSpPr>
-          <p:cNvPr id="5" name="Footer Placeholder 4"/>
+          <p:cNvPr id="6" name="Footer Placeholder 5"/>
           <p:cNvSpPr>
             <a:spLocks noGrp="1"/>
           </p:cNvSpPr>
@@ -986,7 +1126,7 @@
       </p:sp>
       <p:sp>
         <p:nvSpPr>
-          <p:cNvPr id="6" name="Slide Number Placeholder 5"/>
+          <p:cNvPr id="7" name="Slide Number Placeholder 6"/>
           <p:cNvSpPr>
             <a:spLocks noGrp="1"/>
           </p:cNvSpPr>
@@ -1010,7 +1150,7 @@
     </p:spTree>
     <p:extLst>
       <p:ext uri="{BB962C8B-B14F-4D97-AF65-F5344CB8AC3E}">
-        <p14:creationId xmlns:p14="http://schemas.microsoft.com/office/powerpoint/2010/main" val="115103380"/>
+        <p14:creationId xmlns:p14="http://schemas.microsoft.com/office/powerpoint/2010/main" val="3585178618"/>
       </p:ext>
     </p:extLst>
   </p:cSld>
@@ -1037,45 +1177,255 @@
           <a:chExt cx="0" cy="0"/>
         </a:xfrm>
       </p:grpSpPr>
-      <p:pic>
-        <p:nvPicPr>
-          <p:cNvPr id="16" name="Picture 15" descr="Celestia-R1---OverlayContentHD.png"/>
-          <p:cNvPicPr>
-            <a:picLocks noChangeAspect="1"/>
-          </p:cNvPicPr>
-          <p:nvPr/>
-        </p:nvPicPr>
-        <p:blipFill>
-          <a:blip r:embed="rId2">
-            <a:extLst>
-              <a:ext uri="{28A0092B-C50C-407E-A947-70E740481C1C}">
-                <a14:useLocalDpi xmlns:a14="http://schemas.microsoft.com/office/drawing/2010/main" val="0"/>
-              </a:ext>
-            </a:extLst>
-          </a:blip>
-          <a:stretch>
-            <a:fillRect/>
-          </a:stretch>
-        </p:blipFill>
+      <p:sp>
+        <p:nvSpPr>
+          <p:cNvPr id="2" name="Title 1"/>
+          <p:cNvSpPr>
+            <a:spLocks noGrp="1"/>
+          </p:cNvSpPr>
+          <p:nvPr>
+            <p:ph type="title"/>
+          </p:nvPr>
+        </p:nvSpPr>
         <p:spPr>
           <a:xfrm>
-            <a:off x="0" y="0"/>
-            <a:ext cx="12188825" cy="6856214"/>
+            <a:off x="1121732" y="685800"/>
+            <a:ext cx="9525020" cy="2916704"/>
           </a:xfrm>
-          <a:prstGeom prst="rect">
-            <a:avLst/>
-          </a:prstGeom>
         </p:spPr>
-      </p:pic>
-      <p:sp>
-        <p:nvSpPr>
-          <p:cNvPr id="15" name="TextBox 14"/>
+        <p:txBody>
+          <a:bodyPr anchor="ctr">
+            <a:normAutofit/>
+          </a:bodyPr>
+          <a:lstStyle>
+            <a:lvl1pPr algn="ctr">
+              <a:defRPr sz="4800"/>
+            </a:lvl1pPr>
+          </a:lstStyle>
+          <a:p>
+            <a:r>
+              <a:rPr lang="en-US"/>
+              <a:t>Click to edit Master title style</a:t>
+            </a:r>
+            <a:endParaRPr lang="en-US" dirty="0"/>
+          </a:p>
+        </p:txBody>
+      </p:sp>
+      <p:sp>
+        <p:nvSpPr>
+          <p:cNvPr id="12" name="Text Placeholder 3"/>
+          <p:cNvSpPr>
+            <a:spLocks noGrp="1"/>
+          </p:cNvSpPr>
+          <p:nvPr>
+            <p:ph type="body" sz="half" idx="13"/>
+          </p:nvPr>
+        </p:nvSpPr>
+        <p:spPr>
+          <a:xfrm>
+            <a:off x="1550264" y="3610032"/>
+            <a:ext cx="8667956" cy="377768"/>
+          </a:xfrm>
+        </p:spPr>
+        <p:txBody>
+          <a:bodyPr anchor="t">
+            <a:normAutofit/>
+          </a:bodyPr>
+          <a:lstStyle>
+            <a:lvl1pPr marL="0" indent="0" algn="r">
+              <a:buNone/>
+              <a:defRPr sz="1400">
+                <a:solidFill>
+                  <a:schemeClr val="tx1">
+                    <a:lumMod val="50000"/>
+                    <a:lumOff val="50000"/>
+                  </a:schemeClr>
+                </a:solidFill>
+              </a:defRPr>
+            </a:lvl1pPr>
+            <a:lvl2pPr marL="457200" indent="0">
+              <a:buNone/>
+              <a:defRPr sz="1400"/>
+            </a:lvl2pPr>
+            <a:lvl3pPr marL="914400" indent="0">
+              <a:buNone/>
+              <a:defRPr sz="1200"/>
+            </a:lvl3pPr>
+            <a:lvl4pPr marL="1371600" indent="0">
+              <a:buNone/>
+              <a:defRPr sz="1000"/>
+            </a:lvl4pPr>
+            <a:lvl5pPr marL="1828800" indent="0">
+              <a:buNone/>
+              <a:defRPr sz="1000"/>
+            </a:lvl5pPr>
+            <a:lvl6pPr marL="2286000" indent="0">
+              <a:buNone/>
+              <a:defRPr sz="1000"/>
+            </a:lvl6pPr>
+            <a:lvl7pPr marL="2743200" indent="0">
+              <a:buNone/>
+              <a:defRPr sz="1000"/>
+            </a:lvl7pPr>
+            <a:lvl8pPr marL="3200400" indent="0">
+              <a:buNone/>
+              <a:defRPr sz="1000"/>
+            </a:lvl8pPr>
+            <a:lvl9pPr marL="3657600" indent="0">
+              <a:buNone/>
+              <a:defRPr sz="1000"/>
+            </a:lvl9pPr>
+          </a:lstStyle>
+          <a:p>
+            <a:pPr lvl="0"/>
+            <a:r>
+              <a:rPr lang="en-US"/>
+              <a:t>Click to edit Master text styles</a:t>
+            </a:r>
+          </a:p>
+        </p:txBody>
+      </p:sp>
+      <p:sp>
+        <p:nvSpPr>
+          <p:cNvPr id="4" name="Text Placeholder 3"/>
+          <p:cNvSpPr>
+            <a:spLocks noGrp="1"/>
+          </p:cNvSpPr>
+          <p:nvPr>
+            <p:ph type="body" sz="half" idx="2"/>
+          </p:nvPr>
+        </p:nvSpPr>
+        <p:spPr>
+          <a:xfrm>
+            <a:off x="685801" y="4106334"/>
+            <a:ext cx="10396882" cy="1268252"/>
+          </a:xfrm>
+        </p:spPr>
+        <p:txBody>
+          <a:bodyPr anchor="ctr">
+            <a:normAutofit/>
+          </a:bodyPr>
+          <a:lstStyle>
+            <a:lvl1pPr marL="0" indent="0" algn="ctr">
+              <a:buNone/>
+              <a:defRPr sz="1800"/>
+            </a:lvl1pPr>
+            <a:lvl2pPr marL="457200" indent="0">
+              <a:buNone/>
+              <a:defRPr sz="1400"/>
+            </a:lvl2pPr>
+            <a:lvl3pPr marL="914400" indent="0">
+              <a:buNone/>
+              <a:defRPr sz="1200"/>
+            </a:lvl3pPr>
+            <a:lvl4pPr marL="1371600" indent="0">
+              <a:buNone/>
+              <a:defRPr sz="1000"/>
+            </a:lvl4pPr>
+            <a:lvl5pPr marL="1828800" indent="0">
+              <a:buNone/>
+              <a:defRPr sz="1000"/>
+            </a:lvl5pPr>
+            <a:lvl6pPr marL="2286000" indent="0">
+              <a:buNone/>
+              <a:defRPr sz="1000"/>
+            </a:lvl6pPr>
+            <a:lvl7pPr marL="2743200" indent="0">
+              <a:buNone/>
+              <a:defRPr sz="1000"/>
+            </a:lvl7pPr>
+            <a:lvl8pPr marL="3200400" indent="0">
+              <a:buNone/>
+              <a:defRPr sz="1000"/>
+            </a:lvl8pPr>
+            <a:lvl9pPr marL="3657600" indent="0">
+              <a:buNone/>
+              <a:defRPr sz="1000"/>
+            </a:lvl9pPr>
+          </a:lstStyle>
+          <a:p>
+            <a:pPr lvl="0"/>
+            <a:r>
+              <a:rPr lang="en-US"/>
+              <a:t>Click to edit Master text styles</a:t>
+            </a:r>
+          </a:p>
+        </p:txBody>
+      </p:sp>
+      <p:sp>
+        <p:nvSpPr>
+          <p:cNvPr id="5" name="Date Placeholder 4"/>
+          <p:cNvSpPr>
+            <a:spLocks noGrp="1"/>
+          </p:cNvSpPr>
+          <p:nvPr>
+            <p:ph type="dt" sz="half" idx="10"/>
+          </p:nvPr>
+        </p:nvSpPr>
+        <p:spPr/>
+        <p:txBody>
+          <a:bodyPr/>
+          <a:lstStyle/>
+          <a:p>
+            <a:fld id="{C211B184-D47F-4E51-8576-FD3DF6A93EE9}" type="datetimeFigureOut">
+              <a:rPr lang="en-US" smtClean="0"/>
+              <a:t>1/25/2020</a:t>
+            </a:fld>
+            <a:endParaRPr lang="en-US"/>
+          </a:p>
+        </p:txBody>
+      </p:sp>
+      <p:sp>
+        <p:nvSpPr>
+          <p:cNvPr id="6" name="Footer Placeholder 5"/>
+          <p:cNvSpPr>
+            <a:spLocks noGrp="1"/>
+          </p:cNvSpPr>
+          <p:nvPr>
+            <p:ph type="ftr" sz="quarter" idx="11"/>
+          </p:nvPr>
+        </p:nvSpPr>
+        <p:spPr/>
+        <p:txBody>
+          <a:bodyPr/>
+          <a:lstStyle/>
+          <a:p>
+            <a:endParaRPr lang="en-US"/>
+          </a:p>
+        </p:txBody>
+      </p:sp>
+      <p:sp>
+        <p:nvSpPr>
+          <p:cNvPr id="7" name="Slide Number Placeholder 6"/>
+          <p:cNvSpPr>
+            <a:spLocks noGrp="1"/>
+          </p:cNvSpPr>
+          <p:nvPr>
+            <p:ph type="sldNum" sz="quarter" idx="12"/>
+          </p:nvPr>
+        </p:nvSpPr>
+        <p:spPr/>
+        <p:txBody>
+          <a:bodyPr/>
+          <a:lstStyle/>
+          <a:p>
+            <a:fld id="{3B6B49C4-D292-4EE6-A5C6-2F57226420BC}" type="slidenum">
+              <a:rPr lang="en-US" smtClean="0"/>
+              <a:t>‹#›</a:t>
+            </a:fld>
+            <a:endParaRPr lang="en-US"/>
+          </a:p>
+        </p:txBody>
+      </p:sp>
+      <p:sp>
+        <p:nvSpPr>
+          <p:cNvPr id="13" name="TextBox 12"/>
           <p:cNvSpPr txBox="1"/>
           <p:nvPr/>
         </p:nvSpPr>
         <p:spPr>
           <a:xfrm>
-            <a:off x="10237867" y="2743200"/>
+            <a:off x="685801" y="892628"/>
             <a:ext cx="609600" cy="584776"/>
           </a:xfrm>
           <a:prstGeom prst="rect">
@@ -1170,7 +1520,7 @@
             </a:lvl9pPr>
           </a:lstStyle>
           <a:p>
-            <a:pPr lvl="0" algn="r"/>
+            <a:pPr lvl="0"/>
             <a:r>
               <a:rPr lang="en-US" sz="8000" dirty="0">
                 <a:solidFill>
@@ -1178,20 +1528,20 @@
                 </a:solidFill>
                 <a:effectLst/>
               </a:rPr>
-              <a:t>”</a:t>
-            </a:r>
-          </a:p>
-        </p:txBody>
-      </p:sp>
-      <p:sp>
-        <p:nvSpPr>
-          <p:cNvPr id="11" name="TextBox 10"/>
+              <a:t>“</a:t>
+            </a:r>
+          </a:p>
+        </p:txBody>
+      </p:sp>
+      <p:sp>
+        <p:nvSpPr>
+          <p:cNvPr id="14" name="TextBox 13"/>
           <p:cNvSpPr txBox="1"/>
           <p:nvPr/>
         </p:nvSpPr>
         <p:spPr>
           <a:xfrm>
-            <a:off x="488275" y="823337"/>
+            <a:off x="10473083" y="2922827"/>
             <a:ext cx="609600" cy="584776"/>
           </a:xfrm>
           <a:prstGeom prst="rect">
@@ -1294,291 +1644,15 @@
                 </a:solidFill>
                 <a:effectLst/>
               </a:rPr>
-              <a:t>“</a:t>
-            </a:r>
-          </a:p>
-        </p:txBody>
-      </p:sp>
-      <p:sp>
-        <p:nvSpPr>
-          <p:cNvPr id="2" name="Title 1"/>
-          <p:cNvSpPr>
-            <a:spLocks noGrp="1"/>
-          </p:cNvSpPr>
-          <p:nvPr>
-            <p:ph type="title"/>
-          </p:nvPr>
-        </p:nvSpPr>
-        <p:spPr>
-          <a:xfrm>
-            <a:off x="992267" y="609601"/>
-            <a:ext cx="9550399" cy="2743199"/>
-          </a:xfrm>
-        </p:spPr>
-        <p:txBody>
-          <a:bodyPr anchor="ctr">
-            <a:normAutofit/>
-          </a:bodyPr>
-          <a:lstStyle>
-            <a:lvl1pPr algn="l">
-              <a:defRPr sz="3200" b="0" cap="none">
-                <a:solidFill>
-                  <a:schemeClr val="tx1"/>
-                </a:solidFill>
-              </a:defRPr>
-            </a:lvl1pPr>
-          </a:lstStyle>
-          <a:p>
-            <a:r>
-              <a:rPr lang="en-US"/>
-              <a:t>Click to edit Master title style</a:t>
-            </a:r>
-            <a:endParaRPr lang="en-US" dirty="0"/>
-          </a:p>
-        </p:txBody>
-      </p:sp>
-      <p:sp>
-        <p:nvSpPr>
-          <p:cNvPr id="10" name="Text Placeholder 9"/>
-          <p:cNvSpPr>
-            <a:spLocks noGrp="1"/>
-          </p:cNvSpPr>
-          <p:nvPr>
-            <p:ph type="body" sz="quarter" idx="13"/>
-          </p:nvPr>
-        </p:nvSpPr>
-        <p:spPr>
-          <a:xfrm>
-            <a:off x="1097875" y="3352800"/>
-            <a:ext cx="9339184" cy="381000"/>
-          </a:xfrm>
-        </p:spPr>
-        <p:txBody>
-          <a:bodyPr anchor="ctr"/>
-          <a:lstStyle>
-            <a:lvl1pPr marL="0" indent="0">
-              <a:buFontTx/>
-              <a:buNone/>
-              <a:defRPr/>
-            </a:lvl1pPr>
-            <a:lvl2pPr marL="457200" indent="0">
-              <a:buFontTx/>
-              <a:buNone/>
-              <a:defRPr/>
-            </a:lvl2pPr>
-            <a:lvl3pPr marL="914400" indent="0">
-              <a:buFontTx/>
-              <a:buNone/>
-              <a:defRPr/>
-            </a:lvl3pPr>
-            <a:lvl4pPr marL="1371600" indent="0">
-              <a:buFontTx/>
-              <a:buNone/>
-              <a:defRPr/>
-            </a:lvl4pPr>
-            <a:lvl5pPr marL="1828800" indent="0">
-              <a:buFontTx/>
-              <a:buNone/>
-              <a:defRPr/>
-            </a:lvl5pPr>
-          </a:lstStyle>
-          <a:p>
-            <a:pPr lvl="0"/>
-            <a:r>
-              <a:rPr lang="en-US"/>
-              <a:t>Click to edit Master text styles</a:t>
-            </a:r>
-          </a:p>
-        </p:txBody>
-      </p:sp>
-      <p:sp>
-        <p:nvSpPr>
-          <p:cNvPr id="3" name="Text Placeholder 2"/>
-          <p:cNvSpPr>
-            <a:spLocks noGrp="1"/>
-          </p:cNvSpPr>
-          <p:nvPr>
-            <p:ph type="body" idx="1"/>
-          </p:nvPr>
-        </p:nvSpPr>
-        <p:spPr>
-          <a:xfrm>
-            <a:off x="687465" y="4343400"/>
-            <a:ext cx="10152367" cy="1447800"/>
-          </a:xfrm>
-        </p:spPr>
-        <p:txBody>
-          <a:bodyPr anchor="ctr">
-            <a:normAutofit/>
-          </a:bodyPr>
-          <a:lstStyle>
-            <a:lvl1pPr marL="0" indent="0" algn="l">
-              <a:buNone/>
-              <a:defRPr sz="2000">
-                <a:solidFill>
-                  <a:schemeClr val="tx1"/>
-                </a:solidFill>
-              </a:defRPr>
-            </a:lvl1pPr>
-            <a:lvl2pPr marL="457200" indent="0">
-              <a:buNone/>
-              <a:defRPr sz="1800">
-                <a:solidFill>
-                  <a:schemeClr val="tx1">
-                    <a:tint val="75000"/>
-                  </a:schemeClr>
-                </a:solidFill>
-              </a:defRPr>
-            </a:lvl2pPr>
-            <a:lvl3pPr marL="914400" indent="0">
-              <a:buNone/>
-              <a:defRPr sz="1600">
-                <a:solidFill>
-                  <a:schemeClr val="tx1">
-                    <a:tint val="75000"/>
-                  </a:schemeClr>
-                </a:solidFill>
-              </a:defRPr>
-            </a:lvl3pPr>
-            <a:lvl4pPr marL="1371600" indent="0">
-              <a:buNone/>
-              <a:defRPr sz="1400">
-                <a:solidFill>
-                  <a:schemeClr val="tx1">
-                    <a:tint val="75000"/>
-                  </a:schemeClr>
-                </a:solidFill>
-              </a:defRPr>
-            </a:lvl4pPr>
-            <a:lvl5pPr marL="1828800" indent="0">
-              <a:buNone/>
-              <a:defRPr sz="1400">
-                <a:solidFill>
-                  <a:schemeClr val="tx1">
-                    <a:tint val="75000"/>
-                  </a:schemeClr>
-                </a:solidFill>
-              </a:defRPr>
-            </a:lvl5pPr>
-            <a:lvl6pPr marL="2286000" indent="0">
-              <a:buNone/>
-              <a:defRPr sz="1400">
-                <a:solidFill>
-                  <a:schemeClr val="tx1">
-                    <a:tint val="75000"/>
-                  </a:schemeClr>
-                </a:solidFill>
-              </a:defRPr>
-            </a:lvl6pPr>
-            <a:lvl7pPr marL="2743200" indent="0">
-              <a:buNone/>
-              <a:defRPr sz="1400">
-                <a:solidFill>
-                  <a:schemeClr val="tx1">
-                    <a:tint val="75000"/>
-                  </a:schemeClr>
-                </a:solidFill>
-              </a:defRPr>
-            </a:lvl7pPr>
-            <a:lvl8pPr marL="3200400" indent="0">
-              <a:buNone/>
-              <a:defRPr sz="1400">
-                <a:solidFill>
-                  <a:schemeClr val="tx1">
-                    <a:tint val="75000"/>
-                  </a:schemeClr>
-                </a:solidFill>
-              </a:defRPr>
-            </a:lvl8pPr>
-            <a:lvl9pPr marL="3657600" indent="0">
-              <a:buNone/>
-              <a:defRPr sz="1400">
-                <a:solidFill>
-                  <a:schemeClr val="tx1">
-                    <a:tint val="75000"/>
-                  </a:schemeClr>
-                </a:solidFill>
-              </a:defRPr>
-            </a:lvl9pPr>
-          </a:lstStyle>
-          <a:p>
-            <a:pPr lvl="0"/>
-            <a:r>
-              <a:rPr lang="en-US"/>
-              <a:t>Click to edit Master text styles</a:t>
-            </a:r>
-          </a:p>
-        </p:txBody>
-      </p:sp>
-      <p:sp>
-        <p:nvSpPr>
-          <p:cNvPr id="4" name="Date Placeholder 3"/>
-          <p:cNvSpPr>
-            <a:spLocks noGrp="1"/>
-          </p:cNvSpPr>
-          <p:nvPr>
-            <p:ph type="dt" sz="half" idx="10"/>
-          </p:nvPr>
-        </p:nvSpPr>
-        <p:spPr/>
-        <p:txBody>
-          <a:bodyPr/>
-          <a:lstStyle/>
-          <a:p>
-            <a:fld id="{C211B184-D47F-4E51-8576-FD3DF6A93EE9}" type="datetimeFigureOut">
-              <a:rPr lang="en-US" smtClean="0"/>
-              <a:t>1/24/2020</a:t>
-            </a:fld>
-            <a:endParaRPr lang="en-US"/>
-          </a:p>
-        </p:txBody>
-      </p:sp>
-      <p:sp>
-        <p:nvSpPr>
-          <p:cNvPr id="5" name="Footer Placeholder 4"/>
-          <p:cNvSpPr>
-            <a:spLocks noGrp="1"/>
-          </p:cNvSpPr>
-          <p:nvPr>
-            <p:ph type="ftr" sz="quarter" idx="11"/>
-          </p:nvPr>
-        </p:nvSpPr>
-        <p:spPr/>
-        <p:txBody>
-          <a:bodyPr/>
-          <a:lstStyle/>
-          <a:p>
-            <a:endParaRPr lang="en-US"/>
-          </a:p>
-        </p:txBody>
-      </p:sp>
-      <p:sp>
-        <p:nvSpPr>
-          <p:cNvPr id="6" name="Slide Number Placeholder 5"/>
-          <p:cNvSpPr>
-            <a:spLocks noGrp="1"/>
-          </p:cNvSpPr>
-          <p:nvPr>
-            <p:ph type="sldNum" sz="quarter" idx="12"/>
-          </p:nvPr>
-        </p:nvSpPr>
-        <p:spPr/>
-        <p:txBody>
-          <a:bodyPr/>
-          <a:lstStyle/>
-          <a:p>
-            <a:fld id="{3B6B49C4-D292-4EE6-A5C6-2F57226420BC}" type="slidenum">
-              <a:rPr lang="en-US" smtClean="0"/>
-              <a:t>‹#›</a:t>
-            </a:fld>
-            <a:endParaRPr lang="en-US"/>
+              <a:t>”</a:t>
+            </a:r>
           </a:p>
         </p:txBody>
       </p:sp>
     </p:spTree>
     <p:extLst>
       <p:ext uri="{BB962C8B-B14F-4D97-AF65-F5344CB8AC3E}">
-        <p14:creationId xmlns:p14="http://schemas.microsoft.com/office/powerpoint/2010/main" val="2584359536"/>
+        <p14:creationId xmlns:p14="http://schemas.microsoft.com/office/powerpoint/2010/main" val="2106491455"/>
       </p:ext>
     </p:extLst>
   </p:cSld>
@@ -1605,50 +1679,20 @@
           <a:chExt cx="0" cy="0"/>
         </a:xfrm>
       </p:grpSpPr>
-      <p:pic>
-        <p:nvPicPr>
-          <p:cNvPr id="8" name="Picture 7" descr="Celestia-R1---OverlayContentHD.png"/>
-          <p:cNvPicPr>
-            <a:picLocks noChangeAspect="1"/>
-          </p:cNvPicPr>
-          <p:nvPr/>
-        </p:nvPicPr>
-        <p:blipFill>
-          <a:blip r:embed="rId2">
-            <a:extLst>
-              <a:ext uri="{28A0092B-C50C-407E-A947-70E740481C1C}">
-                <a14:useLocalDpi xmlns:a14="http://schemas.microsoft.com/office/drawing/2010/main" val="0"/>
-              </a:ext>
-            </a:extLst>
-          </a:blip>
-          <a:stretch>
-            <a:fillRect/>
-          </a:stretch>
-        </p:blipFill>
+      <p:sp>
+        <p:nvSpPr>
+          <p:cNvPr id="2" name="Title 1"/>
+          <p:cNvSpPr>
+            <a:spLocks noGrp="1"/>
+          </p:cNvSpPr>
+          <p:nvPr>
+            <p:ph type="title"/>
+          </p:nvPr>
+        </p:nvSpPr>
         <p:spPr>
           <a:xfrm>
-            <a:off x="0" y="0"/>
-            <a:ext cx="12188825" cy="6856214"/>
-          </a:xfrm>
-          <a:prstGeom prst="rect">
-            <a:avLst/>
-          </a:prstGeom>
-        </p:spPr>
-      </p:pic>
-      <p:sp>
-        <p:nvSpPr>
-          <p:cNvPr id="2" name="Title 1"/>
-          <p:cNvSpPr>
-            <a:spLocks noGrp="1"/>
-          </p:cNvSpPr>
-          <p:nvPr>
-            <p:ph type="title"/>
-          </p:nvPr>
-        </p:nvSpPr>
-        <p:spPr>
-          <a:xfrm>
-            <a:off x="685802" y="3308581"/>
-            <a:ext cx="10131425" cy="1468800"/>
+            <a:off x="685800" y="1723854"/>
+            <a:ext cx="10394707" cy="2511835"/>
           </a:xfrm>
         </p:spPr>
         <p:txBody>
@@ -1657,7 +1701,7 @@
           </a:bodyPr>
           <a:lstStyle>
             <a:lvl1pPr algn="l">
-              <a:defRPr sz="3200" b="0" cap="none"/>
+              <a:defRPr sz="4800"/>
             </a:lvl1pPr>
           </a:lstStyle>
           <a:p>
@@ -1671,18 +1715,18 @@
       </p:sp>
       <p:sp>
         <p:nvSpPr>
-          <p:cNvPr id="3" name="Text Placeholder 2"/>
-          <p:cNvSpPr>
-            <a:spLocks noGrp="1"/>
-          </p:cNvSpPr>
-          <p:nvPr>
-            <p:ph type="body" idx="1"/>
+          <p:cNvPr id="4" name="Text Placeholder 3"/>
+          <p:cNvSpPr>
+            <a:spLocks noGrp="1"/>
+          </p:cNvSpPr>
+          <p:nvPr>
+            <p:ph type="body" sz="half" idx="2"/>
           </p:nvPr>
         </p:nvSpPr>
         <p:spPr>
           <a:xfrm>
-            <a:off x="685801" y="4777381"/>
-            <a:ext cx="10131426" cy="860400"/>
+            <a:off x="685800" y="4247468"/>
+            <a:ext cx="10394707" cy="1140644"/>
           </a:xfrm>
         </p:spPr>
         <p:txBody>
@@ -1692,91 +1736,39 @@
           <a:lstStyle>
             <a:lvl1pPr marL="0" indent="0" algn="l">
               <a:buNone/>
-              <a:defRPr sz="2000">
-                <a:solidFill>
-                  <a:schemeClr val="tx1"/>
-                </a:solidFill>
-              </a:defRPr>
+              <a:defRPr sz="1800"/>
             </a:lvl1pPr>
             <a:lvl2pPr marL="457200" indent="0">
               <a:buNone/>
-              <a:defRPr sz="1800">
-                <a:solidFill>
-                  <a:schemeClr val="tx1">
-                    <a:tint val="75000"/>
-                  </a:schemeClr>
-                </a:solidFill>
-              </a:defRPr>
+              <a:defRPr sz="1400"/>
             </a:lvl2pPr>
             <a:lvl3pPr marL="914400" indent="0">
               <a:buNone/>
-              <a:defRPr sz="1600">
-                <a:solidFill>
-                  <a:schemeClr val="tx1">
-                    <a:tint val="75000"/>
-                  </a:schemeClr>
-                </a:solidFill>
-              </a:defRPr>
+              <a:defRPr sz="1200"/>
             </a:lvl3pPr>
             <a:lvl4pPr marL="1371600" indent="0">
               <a:buNone/>
-              <a:defRPr sz="1400">
-                <a:solidFill>
-                  <a:schemeClr val="tx1">
-                    <a:tint val="75000"/>
-                  </a:schemeClr>
-                </a:solidFill>
-              </a:defRPr>
+              <a:defRPr sz="1000"/>
             </a:lvl4pPr>
             <a:lvl5pPr marL="1828800" indent="0">
               <a:buNone/>
-              <a:defRPr sz="1400">
-                <a:solidFill>
-                  <a:schemeClr val="tx1">
-                    <a:tint val="75000"/>
-                  </a:schemeClr>
-                </a:solidFill>
-              </a:defRPr>
+              <a:defRPr sz="1000"/>
             </a:lvl5pPr>
             <a:lvl6pPr marL="2286000" indent="0">
               <a:buNone/>
-              <a:defRPr sz="1400">
-                <a:solidFill>
-                  <a:schemeClr val="tx1">
-                    <a:tint val="75000"/>
-                  </a:schemeClr>
-                </a:solidFill>
-              </a:defRPr>
+              <a:defRPr sz="1000"/>
             </a:lvl6pPr>
             <a:lvl7pPr marL="2743200" indent="0">
               <a:buNone/>
-              <a:defRPr sz="1400">
-                <a:solidFill>
-                  <a:schemeClr val="tx1">
-                    <a:tint val="75000"/>
-                  </a:schemeClr>
-                </a:solidFill>
-              </a:defRPr>
+              <a:defRPr sz="1000"/>
             </a:lvl7pPr>
             <a:lvl8pPr marL="3200400" indent="0">
               <a:buNone/>
-              <a:defRPr sz="1400">
-                <a:solidFill>
-                  <a:schemeClr val="tx1">
-                    <a:tint val="75000"/>
-                  </a:schemeClr>
-                </a:solidFill>
-              </a:defRPr>
+              <a:defRPr sz="1000"/>
             </a:lvl8pPr>
             <a:lvl9pPr marL="3657600" indent="0">
               <a:buNone/>
-              <a:defRPr sz="1400">
-                <a:solidFill>
-                  <a:schemeClr val="tx1">
-                    <a:tint val="75000"/>
-                  </a:schemeClr>
-                </a:solidFill>
-              </a:defRPr>
+              <a:defRPr sz="1000"/>
             </a:lvl9pPr>
           </a:lstStyle>
           <a:p>
@@ -1790,7 +1782,7 @@
       </p:sp>
       <p:sp>
         <p:nvSpPr>
-          <p:cNvPr id="4" name="Date Placeholder 3"/>
+          <p:cNvPr id="5" name="Date Placeholder 4"/>
           <p:cNvSpPr>
             <a:spLocks noGrp="1"/>
           </p:cNvSpPr>
@@ -1805,7 +1797,7 @@
           <a:p>
             <a:fld id="{C211B184-D47F-4E51-8576-FD3DF6A93EE9}" type="datetimeFigureOut">
               <a:rPr lang="en-US" smtClean="0"/>
-              <a:t>1/24/2020</a:t>
+              <a:t>1/25/2020</a:t>
             </a:fld>
             <a:endParaRPr lang="en-US"/>
           </a:p>
@@ -1813,7 +1805,7 @@
       </p:sp>
       <p:sp>
         <p:nvSpPr>
-          <p:cNvPr id="5" name="Footer Placeholder 4"/>
+          <p:cNvPr id="6" name="Footer Placeholder 5"/>
           <p:cNvSpPr>
             <a:spLocks noGrp="1"/>
           </p:cNvSpPr>
@@ -1832,7 +1824,7 @@
       </p:sp>
       <p:sp>
         <p:nvSpPr>
-          <p:cNvPr id="6" name="Slide Number Placeholder 5"/>
+          <p:cNvPr id="7" name="Slide Number Placeholder 6"/>
           <p:cNvSpPr>
             <a:spLocks noGrp="1"/>
           </p:cNvSpPr>
@@ -1856,7 +1848,7 @@
     </p:spTree>
     <p:extLst>
       <p:ext uri="{BB962C8B-B14F-4D97-AF65-F5344CB8AC3E}">
-        <p14:creationId xmlns:p14="http://schemas.microsoft.com/office/powerpoint/2010/main" val="3933089470"/>
+        <p14:creationId xmlns:p14="http://schemas.microsoft.com/office/powerpoint/2010/main" val="93047567"/>
       </p:ext>
     </p:extLst>
   </p:cSld>
@@ -1868,7 +1860,7 @@
 
 <file path=ppt/slideLayouts/slideLayout14.xml><?xml version="1.0" encoding="utf-8"?>
 <p:sldLayout xmlns:a="http://schemas.openxmlformats.org/drawingml/2006/main" xmlns:r="http://schemas.openxmlformats.org/officeDocument/2006/relationships" xmlns:p="http://schemas.openxmlformats.org/presentationml/2006/main" preserve="1">
-  <p:cSld name="Quote Name Card">
+  <p:cSld name="3 Column">
     <p:spTree>
       <p:nvGrpSpPr>
         <p:cNvPr id="1" name=""/>
@@ -1883,368 +1875,126 @@
           <a:chExt cx="0" cy="0"/>
         </a:xfrm>
       </p:grpSpPr>
-      <p:pic>
-        <p:nvPicPr>
-          <p:cNvPr id="11" name="Picture 10" descr="Celestia-R1---OverlayContentHD.png"/>
-          <p:cNvPicPr>
-            <a:picLocks noChangeAspect="1"/>
-          </p:cNvPicPr>
-          <p:nvPr/>
-        </p:nvPicPr>
-        <p:blipFill>
-          <a:blip r:embed="rId2">
-            <a:extLst>
-              <a:ext uri="{28A0092B-C50C-407E-A947-70E740481C1C}">
-                <a14:useLocalDpi xmlns:a14="http://schemas.microsoft.com/office/drawing/2010/main" val="0"/>
-              </a:ext>
-            </a:extLst>
-          </a:blip>
-          <a:stretch>
-            <a:fillRect/>
-          </a:stretch>
-        </p:blipFill>
+      <p:sp>
+        <p:nvSpPr>
+          <p:cNvPr id="15" name="Title 1"/>
+          <p:cNvSpPr>
+            <a:spLocks noGrp="1"/>
+          </p:cNvSpPr>
+          <p:nvPr>
+            <p:ph type="title"/>
+          </p:nvPr>
+        </p:nvSpPr>
         <p:spPr>
           <a:xfrm>
-            <a:off x="0" y="0"/>
-            <a:ext cx="12188825" cy="6856214"/>
+            <a:off x="685802" y="685800"/>
+            <a:ext cx="10394706" cy="1151965"/>
           </a:xfrm>
-          <a:prstGeom prst="rect">
-            <a:avLst/>
-          </a:prstGeom>
         </p:spPr>
-      </p:pic>
-      <p:sp>
-        <p:nvSpPr>
-          <p:cNvPr id="13" name="TextBox 12"/>
-          <p:cNvSpPr txBox="1"/>
-          <p:nvPr/>
+        <p:txBody>
+          <a:bodyPr/>
+          <a:lstStyle>
+            <a:lvl1pPr algn="ctr">
+              <a:defRPr/>
+            </a:lvl1pPr>
+          </a:lstStyle>
+          <a:p>
+            <a:r>
+              <a:rPr lang="en-US"/>
+              <a:t>Click to edit Master title style</a:t>
+            </a:r>
+            <a:endParaRPr lang="en-US" dirty="0"/>
+          </a:p>
+        </p:txBody>
+      </p:sp>
+      <p:sp>
+        <p:nvSpPr>
+          <p:cNvPr id="7" name="Text Placeholder 2"/>
+          <p:cNvSpPr>
+            <a:spLocks noGrp="1"/>
+          </p:cNvSpPr>
+          <p:nvPr>
+            <p:ph type="body" idx="1"/>
+          </p:nvPr>
         </p:nvSpPr>
         <p:spPr>
           <a:xfrm>
-            <a:off x="10237867" y="2743200"/>
-            <a:ext cx="609600" cy="584776"/>
+            <a:off x="685802" y="2063395"/>
+            <a:ext cx="3310128" cy="576262"/>
           </a:xfrm>
-          <a:prstGeom prst="rect">
-            <a:avLst/>
-          </a:prstGeom>
         </p:spPr>
         <p:txBody>
-          <a:bodyPr vert="horz" lIns="91440" tIns="45720" rIns="91440" bIns="45720" rtlCol="0" anchor="ctr">
+          <a:bodyPr anchor="b">
             <a:noAutofit/>
           </a:bodyPr>
           <a:lstStyle>
-            <a:lvl1pPr>
-              <a:spcBef>
-                <a:spcPct val="0"/>
-              </a:spcBef>
-              <a:buNone/>
-              <a:defRPr sz="3200" b="0" cap="all">
-                <a:ln w="3175" cmpd="sng">
-                  <a:noFill/>
-                </a:ln>
-                <a:effectLst>
-                  <a:glow rad="38100">
-                    <a:schemeClr val="bg1">
-                      <a:lumMod val="65000"/>
-                      <a:lumOff val="35000"/>
-                      <a:alpha val="40000"/>
-                    </a:schemeClr>
-                  </a:glow>
-                  <a:outerShdw blurRad="28575" dist="38100" dir="14040000" algn="tl" rotWithShape="0">
-                    <a:srgbClr val="000000">
-                      <a:alpha val="25000"/>
-                    </a:srgbClr>
-                  </a:outerShdw>
-                </a:effectLst>
-              </a:defRPr>
-            </a:lvl1pPr>
-            <a:lvl2pPr>
-              <a:defRPr>
+            <a:lvl1pPr marL="0" indent="0" algn="ctr">
+              <a:lnSpc>
+                <a:spcPct val="90000"/>
+              </a:lnSpc>
+              <a:buNone/>
+              <a:defRPr sz="2400" b="0">
                 <a:solidFill>
-                  <a:schemeClr val="tx2"/>
-                </a:solidFill>
-              </a:defRPr>
-            </a:lvl2pPr>
-            <a:lvl3pPr>
-              <a:defRPr>
-                <a:solidFill>
-                  <a:schemeClr val="tx2"/>
-                </a:solidFill>
-              </a:defRPr>
-            </a:lvl3pPr>
-            <a:lvl4pPr>
-              <a:defRPr>
-                <a:solidFill>
-                  <a:schemeClr val="tx2"/>
-                </a:solidFill>
-              </a:defRPr>
-            </a:lvl4pPr>
-            <a:lvl5pPr>
-              <a:defRPr>
-                <a:solidFill>
-                  <a:schemeClr val="tx2"/>
-                </a:solidFill>
-              </a:defRPr>
-            </a:lvl5pPr>
-            <a:lvl6pPr>
-              <a:defRPr>
-                <a:solidFill>
-                  <a:schemeClr val="tx2"/>
-                </a:solidFill>
-              </a:defRPr>
-            </a:lvl6pPr>
-            <a:lvl7pPr>
-              <a:defRPr>
-                <a:solidFill>
-                  <a:schemeClr val="tx2"/>
-                </a:solidFill>
-              </a:defRPr>
-            </a:lvl7pPr>
-            <a:lvl8pPr>
-              <a:defRPr>
-                <a:solidFill>
-                  <a:schemeClr val="tx2"/>
-                </a:solidFill>
-              </a:defRPr>
-            </a:lvl8pPr>
-            <a:lvl9pPr>
-              <a:defRPr>
-                <a:solidFill>
-                  <a:schemeClr val="tx2"/>
-                </a:solidFill>
-              </a:defRPr>
-            </a:lvl9pPr>
-          </a:lstStyle>
-          <a:p>
-            <a:pPr lvl="0" algn="r"/>
-            <a:r>
-              <a:rPr lang="en-US" sz="8000" dirty="0">
-                <a:solidFill>
-                  <a:schemeClr val="tx1"/>
-                </a:solidFill>
-                <a:effectLst/>
-              </a:rPr>
-              <a:t>”</a:t>
-            </a:r>
-          </a:p>
-        </p:txBody>
-      </p:sp>
-      <p:sp>
-        <p:nvSpPr>
-          <p:cNvPr id="14" name="TextBox 13"/>
-          <p:cNvSpPr txBox="1"/>
-          <p:nvPr/>
-        </p:nvSpPr>
-        <p:spPr>
-          <a:xfrm>
-            <a:off x="488275" y="823337"/>
-            <a:ext cx="609600" cy="584776"/>
-          </a:xfrm>
-          <a:prstGeom prst="rect">
-            <a:avLst/>
-          </a:prstGeom>
-        </p:spPr>
-        <p:txBody>
-          <a:bodyPr vert="horz" lIns="91440" tIns="45720" rIns="91440" bIns="45720" rtlCol="0" anchor="ctr">
-            <a:noAutofit/>
-          </a:bodyPr>
-          <a:lstStyle>
-            <a:lvl1pPr>
-              <a:spcBef>
-                <a:spcPct val="0"/>
-              </a:spcBef>
-              <a:buNone/>
-              <a:defRPr sz="3200" b="0" cap="all">
-                <a:ln w="3175" cmpd="sng">
-                  <a:noFill/>
-                </a:ln>
-                <a:effectLst>
-                  <a:glow rad="38100">
-                    <a:schemeClr val="bg1">
-                      <a:lumMod val="65000"/>
-                      <a:lumOff val="35000"/>
-                      <a:alpha val="40000"/>
-                    </a:schemeClr>
-                  </a:glow>
-                  <a:outerShdw blurRad="28575" dist="38100" dir="14040000" algn="tl" rotWithShape="0">
-                    <a:srgbClr val="000000">
-                      <a:alpha val="25000"/>
-                    </a:srgbClr>
-                  </a:outerShdw>
-                </a:effectLst>
-              </a:defRPr>
-            </a:lvl1pPr>
-            <a:lvl2pPr>
-              <a:defRPr>
-                <a:solidFill>
-                  <a:schemeClr val="tx2"/>
-                </a:solidFill>
-              </a:defRPr>
-            </a:lvl2pPr>
-            <a:lvl3pPr>
-              <a:defRPr>
-                <a:solidFill>
-                  <a:schemeClr val="tx2"/>
-                </a:solidFill>
-              </a:defRPr>
-            </a:lvl3pPr>
-            <a:lvl4pPr>
-              <a:defRPr>
-                <a:solidFill>
-                  <a:schemeClr val="tx2"/>
-                </a:solidFill>
-              </a:defRPr>
-            </a:lvl4pPr>
-            <a:lvl5pPr>
-              <a:defRPr>
-                <a:solidFill>
-                  <a:schemeClr val="tx2"/>
-                </a:solidFill>
-              </a:defRPr>
-            </a:lvl5pPr>
-            <a:lvl6pPr>
-              <a:defRPr>
-                <a:solidFill>
-                  <a:schemeClr val="tx2"/>
-                </a:solidFill>
-              </a:defRPr>
-            </a:lvl6pPr>
-            <a:lvl7pPr>
-              <a:defRPr>
-                <a:solidFill>
-                  <a:schemeClr val="tx2"/>
-                </a:solidFill>
-              </a:defRPr>
-            </a:lvl7pPr>
-            <a:lvl8pPr>
-              <a:defRPr>
-                <a:solidFill>
-                  <a:schemeClr val="tx2"/>
-                </a:solidFill>
-              </a:defRPr>
-            </a:lvl8pPr>
-            <a:lvl9pPr>
-              <a:defRPr>
-                <a:solidFill>
-                  <a:schemeClr val="tx2"/>
-                </a:solidFill>
-              </a:defRPr>
-            </a:lvl9pPr>
-          </a:lstStyle>
-          <a:p>
-            <a:pPr lvl="0" algn="r"/>
-            <a:r>
-              <a:rPr lang="en-US" sz="8000" dirty="0">
-                <a:solidFill>
-                  <a:schemeClr val="tx1"/>
-                </a:solidFill>
-                <a:effectLst/>
-              </a:rPr>
-              <a:t>“</a:t>
-            </a:r>
-          </a:p>
-        </p:txBody>
-      </p:sp>
-      <p:sp>
-        <p:nvSpPr>
-          <p:cNvPr id="16" name="Title 1"/>
-          <p:cNvSpPr>
-            <a:spLocks noGrp="1"/>
-          </p:cNvSpPr>
-          <p:nvPr>
-            <p:ph type="title"/>
-          </p:nvPr>
-        </p:nvSpPr>
-        <p:spPr>
-          <a:xfrm>
-            <a:off x="992267" y="609601"/>
-            <a:ext cx="9550399" cy="2743199"/>
-          </a:xfrm>
-        </p:spPr>
-        <p:txBody>
-          <a:bodyPr anchor="ctr">
-            <a:normAutofit/>
-          </a:bodyPr>
-          <a:lstStyle>
-            <a:lvl1pPr algn="l">
-              <a:defRPr sz="3200" b="0" cap="none">
-                <a:solidFill>
-                  <a:schemeClr val="tx1"/>
+                  <a:schemeClr val="accent1"/>
                 </a:solidFill>
               </a:defRPr>
             </a:lvl1pPr>
+            <a:lvl2pPr marL="457200" indent="0">
+              <a:buNone/>
+              <a:defRPr sz="2000" b="1"/>
+            </a:lvl2pPr>
+            <a:lvl3pPr marL="914400" indent="0">
+              <a:buNone/>
+              <a:defRPr sz="1800" b="1"/>
+            </a:lvl3pPr>
+            <a:lvl4pPr marL="1371600" indent="0">
+              <a:buNone/>
+              <a:defRPr sz="1600" b="1"/>
+            </a:lvl4pPr>
+            <a:lvl5pPr marL="1828800" indent="0">
+              <a:buNone/>
+              <a:defRPr sz="1600" b="1"/>
+            </a:lvl5pPr>
+            <a:lvl6pPr marL="2286000" indent="0">
+              <a:buNone/>
+              <a:defRPr sz="1600" b="1"/>
+            </a:lvl6pPr>
+            <a:lvl7pPr marL="2743200" indent="0">
+              <a:buNone/>
+              <a:defRPr sz="1600" b="1"/>
+            </a:lvl7pPr>
+            <a:lvl8pPr marL="3200400" indent="0">
+              <a:buNone/>
+              <a:defRPr sz="1600" b="1"/>
+            </a:lvl8pPr>
+            <a:lvl9pPr marL="3657600" indent="0">
+              <a:buNone/>
+              <a:defRPr sz="1600" b="1"/>
+            </a:lvl9pPr>
           </a:lstStyle>
           <a:p>
-            <a:r>
-              <a:rPr lang="en-US"/>
-              <a:t>Click to edit Master title style</a:t>
-            </a:r>
-            <a:endParaRPr lang="en-US" dirty="0"/>
-          </a:p>
-        </p:txBody>
-      </p:sp>
-      <p:sp>
-        <p:nvSpPr>
-          <p:cNvPr id="10" name="Text Placeholder 9"/>
-          <p:cNvSpPr>
-            <a:spLocks noGrp="1"/>
-          </p:cNvSpPr>
-          <p:nvPr>
-            <p:ph type="body" sz="quarter" idx="13"/>
+            <a:pPr lvl="0"/>
+            <a:r>
+              <a:rPr lang="en-US"/>
+              <a:t>Click to edit Master text styles</a:t>
+            </a:r>
+          </a:p>
+        </p:txBody>
+      </p:sp>
+      <p:sp>
+        <p:nvSpPr>
+          <p:cNvPr id="8" name="Text Placeholder 3"/>
+          <p:cNvSpPr>
+            <a:spLocks noGrp="1"/>
+          </p:cNvSpPr>
+          <p:nvPr>
+            <p:ph type="body" sz="half" idx="15"/>
           </p:nvPr>
         </p:nvSpPr>
         <p:spPr>
           <a:xfrm>
-            <a:off x="685800" y="3886200"/>
-            <a:ext cx="10135436" cy="889000"/>
-          </a:xfrm>
-        </p:spPr>
-        <p:txBody>
-          <a:bodyPr vert="horz" lIns="91440" tIns="45720" rIns="91440" bIns="45720" rtlCol="0" anchor="b">
-            <a:normAutofit/>
-          </a:bodyPr>
-          <a:lstStyle>
-            <a:lvl1pPr>
-              <a:buNone/>
-              <a:defRPr lang="en-US" sz="2400" b="0" cap="none" dirty="0">
-                <a:ln w="3175" cmpd="sng">
-                  <a:noFill/>
-                </a:ln>
-                <a:solidFill>
-                  <a:schemeClr val="tx1"/>
-                </a:solidFill>
-                <a:effectLst/>
-              </a:defRPr>
-            </a:lvl1pPr>
-          </a:lstStyle>
-          <a:p>
-            <a:pPr marL="0" lvl="0">
-              <a:spcBef>
-                <a:spcPct val="0"/>
-              </a:spcBef>
-              <a:buNone/>
-            </a:pPr>
-            <a:r>
-              <a:rPr lang="en-US"/>
-              <a:t>Click to edit Master text styles</a:t>
-            </a:r>
-          </a:p>
-        </p:txBody>
-      </p:sp>
-      <p:sp>
-        <p:nvSpPr>
-          <p:cNvPr id="3" name="Text Placeholder 2"/>
-          <p:cNvSpPr>
-            <a:spLocks noGrp="1"/>
-          </p:cNvSpPr>
-          <p:nvPr>
-            <p:ph type="body" idx="1"/>
-          </p:nvPr>
-        </p:nvSpPr>
-        <p:spPr>
-          <a:xfrm>
-            <a:off x="685799" y="4775200"/>
-            <a:ext cx="10135436" cy="1016000"/>
+            <a:off x="685802" y="2639658"/>
+            <a:ext cx="3310128" cy="2734928"/>
           </a:xfrm>
         </p:spPr>
         <p:txBody>
@@ -2252,93 +2002,256 @@
             <a:normAutofit/>
           </a:bodyPr>
           <a:lstStyle>
-            <a:lvl1pPr marL="0" indent="0" algn="l">
-              <a:buNone/>
-              <a:defRPr sz="1800">
+            <a:lvl1pPr marL="0" indent="0" algn="ctr">
+              <a:buNone/>
+              <a:defRPr sz="1400"/>
+            </a:lvl1pPr>
+            <a:lvl2pPr marL="457200" indent="0">
+              <a:buNone/>
+              <a:defRPr sz="1200"/>
+            </a:lvl2pPr>
+            <a:lvl3pPr marL="914400" indent="0">
+              <a:buNone/>
+              <a:defRPr sz="1000"/>
+            </a:lvl3pPr>
+            <a:lvl4pPr marL="1371600" indent="0">
+              <a:buNone/>
+              <a:defRPr sz="900"/>
+            </a:lvl4pPr>
+            <a:lvl5pPr marL="1828800" indent="0">
+              <a:buNone/>
+              <a:defRPr sz="900"/>
+            </a:lvl5pPr>
+            <a:lvl6pPr marL="2286000" indent="0">
+              <a:buNone/>
+              <a:defRPr sz="900"/>
+            </a:lvl6pPr>
+            <a:lvl7pPr marL="2743200" indent="0">
+              <a:buNone/>
+              <a:defRPr sz="900"/>
+            </a:lvl7pPr>
+            <a:lvl8pPr marL="3200400" indent="0">
+              <a:buNone/>
+              <a:defRPr sz="900"/>
+            </a:lvl8pPr>
+            <a:lvl9pPr marL="3657600" indent="0">
+              <a:buNone/>
+              <a:defRPr sz="900"/>
+            </a:lvl9pPr>
+          </a:lstStyle>
+          <a:p>
+            <a:pPr lvl="0"/>
+            <a:r>
+              <a:rPr lang="en-US"/>
+              <a:t>Click to edit Master text styles</a:t>
+            </a:r>
+          </a:p>
+        </p:txBody>
+      </p:sp>
+      <p:sp>
+        <p:nvSpPr>
+          <p:cNvPr id="9" name="Text Placeholder 4"/>
+          <p:cNvSpPr>
+            <a:spLocks noGrp="1"/>
+          </p:cNvSpPr>
+          <p:nvPr>
+            <p:ph type="body" sz="quarter" idx="3"/>
+          </p:nvPr>
+        </p:nvSpPr>
+        <p:spPr>
+          <a:xfrm>
+            <a:off x="4234622" y="2063395"/>
+            <a:ext cx="3310128" cy="576262"/>
+          </a:xfrm>
+        </p:spPr>
+        <p:txBody>
+          <a:bodyPr anchor="b">
+            <a:noAutofit/>
+          </a:bodyPr>
+          <a:lstStyle>
+            <a:lvl1pPr marL="0" indent="0" algn="ctr">
+              <a:lnSpc>
+                <a:spcPct val="90000"/>
+              </a:lnSpc>
+              <a:buNone/>
+              <a:defRPr sz="2400" b="0">
                 <a:solidFill>
-                  <a:schemeClr val="tx1"/>
+                  <a:schemeClr val="accent1"/>
                 </a:solidFill>
               </a:defRPr>
             </a:lvl1pPr>
             <a:lvl2pPr marL="457200" indent="0">
               <a:buNone/>
-              <a:defRPr sz="1800">
+              <a:defRPr sz="2000" b="1"/>
+            </a:lvl2pPr>
+            <a:lvl3pPr marL="914400" indent="0">
+              <a:buNone/>
+              <a:defRPr sz="1800" b="1"/>
+            </a:lvl3pPr>
+            <a:lvl4pPr marL="1371600" indent="0">
+              <a:buNone/>
+              <a:defRPr sz="1600" b="1"/>
+            </a:lvl4pPr>
+            <a:lvl5pPr marL="1828800" indent="0">
+              <a:buNone/>
+              <a:defRPr sz="1600" b="1"/>
+            </a:lvl5pPr>
+            <a:lvl6pPr marL="2286000" indent="0">
+              <a:buNone/>
+              <a:defRPr sz="1600" b="1"/>
+            </a:lvl6pPr>
+            <a:lvl7pPr marL="2743200" indent="0">
+              <a:buNone/>
+              <a:defRPr sz="1600" b="1"/>
+            </a:lvl7pPr>
+            <a:lvl8pPr marL="3200400" indent="0">
+              <a:buNone/>
+              <a:defRPr sz="1600" b="1"/>
+            </a:lvl8pPr>
+            <a:lvl9pPr marL="3657600" indent="0">
+              <a:buNone/>
+              <a:defRPr sz="1600" b="1"/>
+            </a:lvl9pPr>
+          </a:lstStyle>
+          <a:p>
+            <a:pPr lvl="0"/>
+            <a:r>
+              <a:rPr lang="en-US"/>
+              <a:t>Click to edit Master text styles</a:t>
+            </a:r>
+          </a:p>
+        </p:txBody>
+      </p:sp>
+      <p:sp>
+        <p:nvSpPr>
+          <p:cNvPr id="10" name="Text Placeholder 3"/>
+          <p:cNvSpPr>
+            <a:spLocks noGrp="1"/>
+          </p:cNvSpPr>
+          <p:nvPr>
+            <p:ph type="body" sz="half" idx="16"/>
+          </p:nvPr>
+        </p:nvSpPr>
+        <p:spPr>
+          <a:xfrm>
+            <a:off x="4234621" y="2639658"/>
+            <a:ext cx="3310128" cy="2734928"/>
+          </a:xfrm>
+        </p:spPr>
+        <p:txBody>
+          <a:bodyPr anchor="t">
+            <a:normAutofit/>
+          </a:bodyPr>
+          <a:lstStyle>
+            <a:lvl1pPr marL="0" indent="0" algn="ctr">
+              <a:buNone/>
+              <a:defRPr sz="1400"/>
+            </a:lvl1pPr>
+            <a:lvl2pPr marL="457200" indent="0">
+              <a:buNone/>
+              <a:defRPr sz="1200"/>
+            </a:lvl2pPr>
+            <a:lvl3pPr marL="914400" indent="0">
+              <a:buNone/>
+              <a:defRPr sz="1000"/>
+            </a:lvl3pPr>
+            <a:lvl4pPr marL="1371600" indent="0">
+              <a:buNone/>
+              <a:defRPr sz="900"/>
+            </a:lvl4pPr>
+            <a:lvl5pPr marL="1828800" indent="0">
+              <a:buNone/>
+              <a:defRPr sz="900"/>
+            </a:lvl5pPr>
+            <a:lvl6pPr marL="2286000" indent="0">
+              <a:buNone/>
+              <a:defRPr sz="900"/>
+            </a:lvl6pPr>
+            <a:lvl7pPr marL="2743200" indent="0">
+              <a:buNone/>
+              <a:defRPr sz="900"/>
+            </a:lvl7pPr>
+            <a:lvl8pPr marL="3200400" indent="0">
+              <a:buNone/>
+              <a:defRPr sz="900"/>
+            </a:lvl8pPr>
+            <a:lvl9pPr marL="3657600" indent="0">
+              <a:buNone/>
+              <a:defRPr sz="900"/>
+            </a:lvl9pPr>
+          </a:lstStyle>
+          <a:p>
+            <a:pPr lvl="0"/>
+            <a:r>
+              <a:rPr lang="en-US"/>
+              <a:t>Click to edit Master text styles</a:t>
+            </a:r>
+          </a:p>
+        </p:txBody>
+      </p:sp>
+      <p:sp>
+        <p:nvSpPr>
+          <p:cNvPr id="11" name="Text Placeholder 4"/>
+          <p:cNvSpPr>
+            <a:spLocks noGrp="1"/>
+          </p:cNvSpPr>
+          <p:nvPr>
+            <p:ph type="body" sz="quarter" idx="13"/>
+          </p:nvPr>
+        </p:nvSpPr>
+        <p:spPr>
+          <a:xfrm>
+            <a:off x="7770380" y="2063395"/>
+            <a:ext cx="3310128" cy="576262"/>
+          </a:xfrm>
+        </p:spPr>
+        <p:txBody>
+          <a:bodyPr anchor="b">
+            <a:noAutofit/>
+          </a:bodyPr>
+          <a:lstStyle>
+            <a:lvl1pPr marL="0" indent="0" algn="ctr">
+              <a:lnSpc>
+                <a:spcPct val="90000"/>
+              </a:lnSpc>
+              <a:buNone/>
+              <a:defRPr sz="2400" b="0">
                 <a:solidFill>
-                  <a:schemeClr val="tx1">
-                    <a:tint val="75000"/>
-                  </a:schemeClr>
+                  <a:schemeClr val="accent1"/>
                 </a:solidFill>
               </a:defRPr>
+            </a:lvl1pPr>
+            <a:lvl2pPr marL="457200" indent="0">
+              <a:buNone/>
+              <a:defRPr sz="2000" b="1"/>
             </a:lvl2pPr>
             <a:lvl3pPr marL="914400" indent="0">
               <a:buNone/>
-              <a:defRPr sz="1600">
-                <a:solidFill>
-                  <a:schemeClr val="tx1">
-                    <a:tint val="75000"/>
-                  </a:schemeClr>
-                </a:solidFill>
-              </a:defRPr>
+              <a:defRPr sz="1800" b="1"/>
             </a:lvl3pPr>
             <a:lvl4pPr marL="1371600" indent="0">
               <a:buNone/>
-              <a:defRPr sz="1400">
-                <a:solidFill>
-                  <a:schemeClr val="tx1">
-                    <a:tint val="75000"/>
-                  </a:schemeClr>
-                </a:solidFill>
-              </a:defRPr>
+              <a:defRPr sz="1600" b="1"/>
             </a:lvl4pPr>
             <a:lvl5pPr marL="1828800" indent="0">
               <a:buNone/>
-              <a:defRPr sz="1400">
-                <a:solidFill>
-                  <a:schemeClr val="tx1">
-                    <a:tint val="75000"/>
-                  </a:schemeClr>
-                </a:solidFill>
-              </a:defRPr>
+              <a:defRPr sz="1600" b="1"/>
             </a:lvl5pPr>
             <a:lvl6pPr marL="2286000" indent="0">
               <a:buNone/>
-              <a:defRPr sz="1400">
-                <a:solidFill>
-                  <a:schemeClr val="tx1">
-                    <a:tint val="75000"/>
-                  </a:schemeClr>
-                </a:solidFill>
-              </a:defRPr>
+              <a:defRPr sz="1600" b="1"/>
             </a:lvl6pPr>
             <a:lvl7pPr marL="2743200" indent="0">
               <a:buNone/>
-              <a:defRPr sz="1400">
-                <a:solidFill>
-                  <a:schemeClr val="tx1">
-                    <a:tint val="75000"/>
-                  </a:schemeClr>
-                </a:solidFill>
-              </a:defRPr>
+              <a:defRPr sz="1600" b="1"/>
             </a:lvl7pPr>
             <a:lvl8pPr marL="3200400" indent="0">
               <a:buNone/>
-              <a:defRPr sz="1400">
-                <a:solidFill>
-                  <a:schemeClr val="tx1">
-                    <a:tint val="75000"/>
-                  </a:schemeClr>
-                </a:solidFill>
-              </a:defRPr>
+              <a:defRPr sz="1600" b="1"/>
             </a:lvl8pPr>
             <a:lvl9pPr marL="3657600" indent="0">
               <a:buNone/>
-              <a:defRPr sz="1400">
-                <a:solidFill>
-                  <a:schemeClr val="tx1">
-                    <a:tint val="75000"/>
-                  </a:schemeClr>
-                </a:solidFill>
-              </a:defRPr>
+              <a:defRPr sz="1600" b="1"/>
             </a:lvl9pPr>
           </a:lstStyle>
           <a:p>
@@ -2352,7 +2265,74 @@
       </p:sp>
       <p:sp>
         <p:nvSpPr>
-          <p:cNvPr id="4" name="Date Placeholder 3"/>
+          <p:cNvPr id="12" name="Text Placeholder 3"/>
+          <p:cNvSpPr>
+            <a:spLocks noGrp="1"/>
+          </p:cNvSpPr>
+          <p:nvPr>
+            <p:ph type="body" sz="half" idx="17"/>
+          </p:nvPr>
+        </p:nvSpPr>
+        <p:spPr>
+          <a:xfrm>
+            <a:off x="7770380" y="2639658"/>
+            <a:ext cx="3310128" cy="2734928"/>
+          </a:xfrm>
+        </p:spPr>
+        <p:txBody>
+          <a:bodyPr anchor="t">
+            <a:normAutofit/>
+          </a:bodyPr>
+          <a:lstStyle>
+            <a:lvl1pPr marL="0" indent="0" algn="ctr">
+              <a:buNone/>
+              <a:defRPr sz="1400"/>
+            </a:lvl1pPr>
+            <a:lvl2pPr marL="457200" indent="0">
+              <a:buNone/>
+              <a:defRPr sz="1200"/>
+            </a:lvl2pPr>
+            <a:lvl3pPr marL="914400" indent="0">
+              <a:buNone/>
+              <a:defRPr sz="1000"/>
+            </a:lvl3pPr>
+            <a:lvl4pPr marL="1371600" indent="0">
+              <a:buNone/>
+              <a:defRPr sz="900"/>
+            </a:lvl4pPr>
+            <a:lvl5pPr marL="1828800" indent="0">
+              <a:buNone/>
+              <a:defRPr sz="900"/>
+            </a:lvl5pPr>
+            <a:lvl6pPr marL="2286000" indent="0">
+              <a:buNone/>
+              <a:defRPr sz="900"/>
+            </a:lvl6pPr>
+            <a:lvl7pPr marL="2743200" indent="0">
+              <a:buNone/>
+              <a:defRPr sz="900"/>
+            </a:lvl7pPr>
+            <a:lvl8pPr marL="3200400" indent="0">
+              <a:buNone/>
+              <a:defRPr sz="900"/>
+            </a:lvl8pPr>
+            <a:lvl9pPr marL="3657600" indent="0">
+              <a:buNone/>
+              <a:defRPr sz="900"/>
+            </a:lvl9pPr>
+          </a:lstStyle>
+          <a:p>
+            <a:pPr lvl="0"/>
+            <a:r>
+              <a:rPr lang="en-US"/>
+              <a:t>Click to edit Master text styles</a:t>
+            </a:r>
+          </a:p>
+        </p:txBody>
+      </p:sp>
+      <p:sp>
+        <p:nvSpPr>
+          <p:cNvPr id="3" name="Date Placeholder 2"/>
           <p:cNvSpPr>
             <a:spLocks noGrp="1"/>
           </p:cNvSpPr>
@@ -2367,7 +2347,7 @@
           <a:p>
             <a:fld id="{C211B184-D47F-4E51-8576-FD3DF6A93EE9}" type="datetimeFigureOut">
               <a:rPr lang="en-US" smtClean="0"/>
-              <a:t>1/24/2020</a:t>
+              <a:t>1/25/2020</a:t>
             </a:fld>
             <a:endParaRPr lang="en-US"/>
           </a:p>
@@ -2375,7 +2355,7 @@
       </p:sp>
       <p:sp>
         <p:nvSpPr>
-          <p:cNvPr id="5" name="Footer Placeholder 4"/>
+          <p:cNvPr id="4" name="Footer Placeholder 3"/>
           <p:cNvSpPr>
             <a:spLocks noGrp="1"/>
           </p:cNvSpPr>
@@ -2394,7 +2374,7 @@
       </p:sp>
       <p:sp>
         <p:nvSpPr>
-          <p:cNvPr id="6" name="Slide Number Placeholder 5"/>
+          <p:cNvPr id="5" name="Slide Number Placeholder 4"/>
           <p:cNvSpPr>
             <a:spLocks noGrp="1"/>
           </p:cNvSpPr>
@@ -2418,7 +2398,7 @@
     </p:spTree>
     <p:extLst>
       <p:ext uri="{BB962C8B-B14F-4D97-AF65-F5344CB8AC3E}">
-        <p14:creationId xmlns:p14="http://schemas.microsoft.com/office/powerpoint/2010/main" val="2120466624"/>
+        <p14:creationId xmlns:p14="http://schemas.microsoft.com/office/powerpoint/2010/main" val="1723036926"/>
       </p:ext>
     </p:extLst>
   </p:cSld>
@@ -2430,7 +2410,7 @@
 
 <file path=ppt/slideLayouts/slideLayout15.xml><?xml version="1.0" encoding="utf-8"?>
 <p:sldLayout xmlns:a="http://schemas.openxmlformats.org/drawingml/2006/main" xmlns:r="http://schemas.openxmlformats.org/officeDocument/2006/relationships" xmlns:p="http://schemas.openxmlformats.org/presentationml/2006/main" preserve="1">
-  <p:cSld name="True or False">
+  <p:cSld name="3 Picture Column">
     <p:spTree>
       <p:nvGrpSpPr>
         <p:cNvPr id="1" name=""/>
@@ -2445,227 +2425,543 @@
           <a:chExt cx="0" cy="0"/>
         </a:xfrm>
       </p:grpSpPr>
-      <p:pic>
-        <p:nvPicPr>
-          <p:cNvPr id="8" name="Picture 7" descr="Celestia-R1---OverlayContentHD.png"/>
-          <p:cNvPicPr>
-            <a:picLocks noChangeAspect="1"/>
-          </p:cNvPicPr>
-          <p:nvPr/>
-        </p:nvPicPr>
-        <p:blipFill>
-          <a:blip r:embed="rId2">
-            <a:extLst>
-              <a:ext uri="{28A0092B-C50C-407E-A947-70E740481C1C}">
-                <a14:useLocalDpi xmlns:a14="http://schemas.microsoft.com/office/drawing/2010/main" val="0"/>
-              </a:ext>
-            </a:extLst>
-          </a:blip>
-          <a:stretch>
-            <a:fillRect/>
-          </a:stretch>
-        </p:blipFill>
+      <p:sp>
+        <p:nvSpPr>
+          <p:cNvPr id="30" name="Title 1"/>
+          <p:cNvSpPr>
+            <a:spLocks noGrp="1"/>
+          </p:cNvSpPr>
+          <p:nvPr>
+            <p:ph type="title"/>
+          </p:nvPr>
+        </p:nvSpPr>
         <p:spPr>
           <a:xfrm>
-            <a:off x="0" y="0"/>
-            <a:ext cx="12188825" cy="6856214"/>
+            <a:off x="685801" y="685800"/>
+            <a:ext cx="10396882" cy="1151965"/>
           </a:xfrm>
-          <a:prstGeom prst="rect">
-            <a:avLst/>
-          </a:prstGeom>
         </p:spPr>
-      </p:pic>
-      <p:sp>
-        <p:nvSpPr>
-          <p:cNvPr id="2" name="Title 1"/>
-          <p:cNvSpPr>
-            <a:spLocks noGrp="1"/>
-          </p:cNvSpPr>
-          <p:nvPr>
-            <p:ph type="title"/>
+        <p:txBody>
+          <a:bodyPr/>
+          <a:lstStyle>
+            <a:lvl1pPr algn="ctr">
+              <a:defRPr/>
+            </a:lvl1pPr>
+          </a:lstStyle>
+          <a:p>
+            <a:r>
+              <a:rPr lang="en-US"/>
+              <a:t>Click to edit Master title style</a:t>
+            </a:r>
+            <a:endParaRPr lang="en-US" dirty="0"/>
+          </a:p>
+        </p:txBody>
+      </p:sp>
+      <p:sp>
+        <p:nvSpPr>
+          <p:cNvPr id="19" name="Text Placeholder 2"/>
+          <p:cNvSpPr>
+            <a:spLocks noGrp="1"/>
+          </p:cNvSpPr>
+          <p:nvPr>
+            <p:ph type="body" idx="1"/>
           </p:nvPr>
         </p:nvSpPr>
         <p:spPr>
           <a:xfrm>
-            <a:off x="685801" y="609601"/>
-            <a:ext cx="10131427" cy="2743199"/>
+            <a:off x="691840" y="3813025"/>
+            <a:ext cx="3310128" cy="576262"/>
           </a:xfrm>
         </p:spPr>
         <p:txBody>
-          <a:bodyPr vert="horz" lIns="91440" tIns="45720" rIns="91440" bIns="45720" rtlCol="0" anchor="ctr">
-            <a:normAutofit/>
+          <a:bodyPr anchor="b">
+            <a:noAutofit/>
           </a:bodyPr>
           <a:lstStyle>
-            <a:lvl1pPr>
-              <a:defRPr lang="en-US" b="0" dirty="0"/>
+            <a:lvl1pPr marL="0" indent="0" algn="ctr">
+              <a:lnSpc>
+                <a:spcPct val="90000"/>
+              </a:lnSpc>
+              <a:buNone/>
+              <a:defRPr sz="2200" b="0">
+                <a:solidFill>
+                  <a:schemeClr val="accent1"/>
+                </a:solidFill>
+              </a:defRPr>
             </a:lvl1pPr>
+            <a:lvl2pPr marL="457200" indent="0">
+              <a:buNone/>
+              <a:defRPr sz="2000" b="1"/>
+            </a:lvl2pPr>
+            <a:lvl3pPr marL="914400" indent="0">
+              <a:buNone/>
+              <a:defRPr sz="1800" b="1"/>
+            </a:lvl3pPr>
+            <a:lvl4pPr marL="1371600" indent="0">
+              <a:buNone/>
+              <a:defRPr sz="1600" b="1"/>
+            </a:lvl4pPr>
+            <a:lvl5pPr marL="1828800" indent="0">
+              <a:buNone/>
+              <a:defRPr sz="1600" b="1"/>
+            </a:lvl5pPr>
+            <a:lvl6pPr marL="2286000" indent="0">
+              <a:buNone/>
+              <a:defRPr sz="1600" b="1"/>
+            </a:lvl6pPr>
+            <a:lvl7pPr marL="2743200" indent="0">
+              <a:buNone/>
+              <a:defRPr sz="1600" b="1"/>
+            </a:lvl7pPr>
+            <a:lvl8pPr marL="3200400" indent="0">
+              <a:buNone/>
+              <a:defRPr sz="1600" b="1"/>
+            </a:lvl8pPr>
+            <a:lvl9pPr marL="3657600" indent="0">
+              <a:buNone/>
+              <a:defRPr sz="1600" b="1"/>
+            </a:lvl9pPr>
           </a:lstStyle>
           <a:p>
-            <a:pPr marL="0" lvl="0"/>
-            <a:r>
-              <a:rPr lang="en-US"/>
-              <a:t>Click to edit Master title style</a:t>
-            </a:r>
-            <a:endParaRPr lang="en-US" dirty="0"/>
-          </a:p>
-        </p:txBody>
-      </p:sp>
-      <p:sp>
-        <p:nvSpPr>
-          <p:cNvPr id="10" name="Text Placeholder 9"/>
-          <p:cNvSpPr>
-            <a:spLocks noGrp="1"/>
-          </p:cNvSpPr>
-          <p:nvPr>
-            <p:ph type="body" sz="quarter" idx="13"/>
+            <a:pPr lvl="0"/>
+            <a:r>
+              <a:rPr lang="en-US"/>
+              <a:t>Click to edit Master text styles</a:t>
+            </a:r>
+          </a:p>
+        </p:txBody>
+      </p:sp>
+      <p:sp>
+        <p:nvSpPr>
+          <p:cNvPr id="20" name="Picture Placeholder 2"/>
+          <p:cNvSpPr>
+            <a:spLocks noGrp="1" noChangeAspect="1"/>
+          </p:cNvSpPr>
+          <p:nvPr>
+            <p:ph type="pic" idx="15"/>
           </p:nvPr>
         </p:nvSpPr>
         <p:spPr>
           <a:xfrm>
-            <a:off x="685801" y="3505200"/>
-            <a:ext cx="10131428" cy="838200"/>
+            <a:off x="685780" y="2063395"/>
+            <a:ext cx="3310128" cy="1536725"/>
           </a:xfrm>
-        </p:spPr>
-        <p:txBody>
-          <a:bodyPr vert="horz" lIns="91440" tIns="45720" rIns="91440" bIns="45720" rtlCol="0" anchor="b">
-            <a:normAutofit/>
-          </a:bodyPr>
-          <a:lstStyle>
-            <a:lvl1pPr>
-              <a:buNone/>
-              <a:defRPr lang="en-US" sz="2800" b="0" cap="none" dirty="0">
-                <a:ln w="3175" cmpd="sng">
-                  <a:noFill/>
-                </a:ln>
-                <a:solidFill>
-                  <a:schemeClr val="tx1"/>
-                </a:solidFill>
-                <a:effectLst/>
-              </a:defRPr>
-            </a:lvl1pPr>
-          </a:lstStyle>
-          <a:p>
-            <a:pPr marL="0" lvl="0">
-              <a:spcBef>
-                <a:spcPct val="0"/>
-              </a:spcBef>
-              <a:buNone/>
-            </a:pPr>
-            <a:r>
-              <a:rPr lang="en-US"/>
-              <a:t>Click to edit Master text styles</a:t>
-            </a:r>
-          </a:p>
-        </p:txBody>
-      </p:sp>
-      <p:sp>
-        <p:nvSpPr>
-          <p:cNvPr id="3" name="Text Placeholder 2"/>
-          <p:cNvSpPr>
-            <a:spLocks noGrp="1"/>
-          </p:cNvSpPr>
-          <p:nvPr>
-            <p:ph type="body" idx="1"/>
-          </p:nvPr>
-        </p:nvSpPr>
-        <p:spPr>
-          <a:xfrm>
-            <a:off x="685800" y="4343400"/>
-            <a:ext cx="10131428" cy="1447800"/>
-          </a:xfrm>
+          <a:prstGeom prst="roundRect">
+            <a:avLst>
+              <a:gd name="adj" fmla="val 0"/>
+            </a:avLst>
+          </a:prstGeom>
+          <a:ln w="57150" cmpd="thinThick">
+            <a:solidFill>
+              <a:schemeClr val="bg1">
+                <a:lumMod val="50000"/>
+              </a:schemeClr>
+            </a:solidFill>
+            <a:miter lim="800000"/>
+          </a:ln>
         </p:spPr>
         <p:txBody>
           <a:bodyPr anchor="t">
             <a:normAutofit/>
           </a:bodyPr>
           <a:lstStyle>
-            <a:lvl1pPr marL="0" indent="0" algn="l">
-              <a:buNone/>
-              <a:defRPr sz="1800">
+            <a:lvl1pPr marL="0" indent="0" algn="ctr">
+              <a:buNone/>
+              <a:defRPr sz="1600"/>
+            </a:lvl1pPr>
+            <a:lvl2pPr marL="457200" indent="0">
+              <a:buNone/>
+              <a:defRPr sz="1600"/>
+            </a:lvl2pPr>
+            <a:lvl3pPr marL="914400" indent="0">
+              <a:buNone/>
+              <a:defRPr sz="1600"/>
+            </a:lvl3pPr>
+            <a:lvl4pPr marL="1371600" indent="0">
+              <a:buNone/>
+              <a:defRPr sz="1600"/>
+            </a:lvl4pPr>
+            <a:lvl5pPr marL="1828800" indent="0">
+              <a:buNone/>
+              <a:defRPr sz="1600"/>
+            </a:lvl5pPr>
+            <a:lvl6pPr marL="2286000" indent="0">
+              <a:buNone/>
+              <a:defRPr sz="1600"/>
+            </a:lvl6pPr>
+            <a:lvl7pPr marL="2743200" indent="0">
+              <a:buNone/>
+              <a:defRPr sz="1600"/>
+            </a:lvl7pPr>
+            <a:lvl8pPr marL="3200400" indent="0">
+              <a:buNone/>
+              <a:defRPr sz="1600"/>
+            </a:lvl8pPr>
+            <a:lvl9pPr marL="3657600" indent="0">
+              <a:buNone/>
+              <a:defRPr sz="1600"/>
+            </a:lvl9pPr>
+          </a:lstStyle>
+          <a:p>
+            <a:r>
+              <a:rPr lang="en-US"/>
+              <a:t>Click icon to add picture</a:t>
+            </a:r>
+            <a:endParaRPr lang="en-US" dirty="0"/>
+          </a:p>
+        </p:txBody>
+      </p:sp>
+      <p:sp>
+        <p:nvSpPr>
+          <p:cNvPr id="21" name="Text Placeholder 3"/>
+          <p:cNvSpPr>
+            <a:spLocks noGrp="1"/>
+          </p:cNvSpPr>
+          <p:nvPr>
+            <p:ph type="body" sz="half" idx="18"/>
+          </p:nvPr>
+        </p:nvSpPr>
+        <p:spPr>
+          <a:xfrm>
+            <a:off x="691840" y="4389287"/>
+            <a:ext cx="3310128" cy="985299"/>
+          </a:xfrm>
+        </p:spPr>
+        <p:txBody>
+          <a:bodyPr anchor="t">
+            <a:normAutofit/>
+          </a:bodyPr>
+          <a:lstStyle>
+            <a:lvl1pPr marL="0" indent="0" algn="ctr">
+              <a:buNone/>
+              <a:defRPr sz="1400"/>
+            </a:lvl1pPr>
+            <a:lvl2pPr marL="457200" indent="0">
+              <a:buNone/>
+              <a:defRPr sz="1200"/>
+            </a:lvl2pPr>
+            <a:lvl3pPr marL="914400" indent="0">
+              <a:buNone/>
+              <a:defRPr sz="1000"/>
+            </a:lvl3pPr>
+            <a:lvl4pPr marL="1371600" indent="0">
+              <a:buNone/>
+              <a:defRPr sz="900"/>
+            </a:lvl4pPr>
+            <a:lvl5pPr marL="1828800" indent="0">
+              <a:buNone/>
+              <a:defRPr sz="900"/>
+            </a:lvl5pPr>
+            <a:lvl6pPr marL="2286000" indent="0">
+              <a:buNone/>
+              <a:defRPr sz="900"/>
+            </a:lvl6pPr>
+            <a:lvl7pPr marL="2743200" indent="0">
+              <a:buNone/>
+              <a:defRPr sz="900"/>
+            </a:lvl7pPr>
+            <a:lvl8pPr marL="3200400" indent="0">
+              <a:buNone/>
+              <a:defRPr sz="900"/>
+            </a:lvl8pPr>
+            <a:lvl9pPr marL="3657600" indent="0">
+              <a:buNone/>
+              <a:defRPr sz="900"/>
+            </a:lvl9pPr>
+          </a:lstStyle>
+          <a:p>
+            <a:pPr lvl="0"/>
+            <a:r>
+              <a:rPr lang="en-US"/>
+              <a:t>Click to edit Master text styles</a:t>
+            </a:r>
+          </a:p>
+        </p:txBody>
+      </p:sp>
+      <p:sp>
+        <p:nvSpPr>
+          <p:cNvPr id="22" name="Text Placeholder 4"/>
+          <p:cNvSpPr>
+            <a:spLocks noGrp="1"/>
+          </p:cNvSpPr>
+          <p:nvPr>
+            <p:ph type="body" sz="quarter" idx="3"/>
+          </p:nvPr>
+        </p:nvSpPr>
+        <p:spPr>
+          <a:xfrm>
+            <a:off x="4237410" y="3813025"/>
+            <a:ext cx="3310128" cy="576262"/>
+          </a:xfrm>
+        </p:spPr>
+        <p:txBody>
+          <a:bodyPr anchor="b">
+            <a:noAutofit/>
+          </a:bodyPr>
+          <a:lstStyle>
+            <a:lvl1pPr marL="0" indent="0" algn="ctr">
+              <a:lnSpc>
+                <a:spcPct val="90000"/>
+              </a:lnSpc>
+              <a:buNone/>
+              <a:defRPr sz="2200" b="0">
                 <a:solidFill>
-                  <a:schemeClr val="tx1"/>
+                  <a:schemeClr val="accent1"/>
                 </a:solidFill>
               </a:defRPr>
             </a:lvl1pPr>
             <a:lvl2pPr marL="457200" indent="0">
               <a:buNone/>
-              <a:defRPr sz="1800">
+              <a:defRPr sz="2000" b="1"/>
+            </a:lvl2pPr>
+            <a:lvl3pPr marL="914400" indent="0">
+              <a:buNone/>
+              <a:defRPr sz="1800" b="1"/>
+            </a:lvl3pPr>
+            <a:lvl4pPr marL="1371600" indent="0">
+              <a:buNone/>
+              <a:defRPr sz="1600" b="1"/>
+            </a:lvl4pPr>
+            <a:lvl5pPr marL="1828800" indent="0">
+              <a:buNone/>
+              <a:defRPr sz="1600" b="1"/>
+            </a:lvl5pPr>
+            <a:lvl6pPr marL="2286000" indent="0">
+              <a:buNone/>
+              <a:defRPr sz="1600" b="1"/>
+            </a:lvl6pPr>
+            <a:lvl7pPr marL="2743200" indent="0">
+              <a:buNone/>
+              <a:defRPr sz="1600" b="1"/>
+            </a:lvl7pPr>
+            <a:lvl8pPr marL="3200400" indent="0">
+              <a:buNone/>
+              <a:defRPr sz="1600" b="1"/>
+            </a:lvl8pPr>
+            <a:lvl9pPr marL="3657600" indent="0">
+              <a:buNone/>
+              <a:defRPr sz="1600" b="1"/>
+            </a:lvl9pPr>
+          </a:lstStyle>
+          <a:p>
+            <a:pPr lvl="0"/>
+            <a:r>
+              <a:rPr lang="en-US"/>
+              <a:t>Click to edit Master text styles</a:t>
+            </a:r>
+          </a:p>
+        </p:txBody>
+      </p:sp>
+      <p:sp>
+        <p:nvSpPr>
+          <p:cNvPr id="23" name="Picture Placeholder 2"/>
+          <p:cNvSpPr>
+            <a:spLocks noGrp="1" noChangeAspect="1"/>
+          </p:cNvSpPr>
+          <p:nvPr>
+            <p:ph type="pic" idx="21"/>
+          </p:nvPr>
+        </p:nvSpPr>
+        <p:spPr>
+          <a:xfrm>
+            <a:off x="4235999" y="2063395"/>
+            <a:ext cx="3310128" cy="1535237"/>
+          </a:xfrm>
+          <a:prstGeom prst="roundRect">
+            <a:avLst>
+              <a:gd name="adj" fmla="val 0"/>
+            </a:avLst>
+          </a:prstGeom>
+          <a:ln w="57150" cmpd="thinThick">
+            <a:solidFill>
+              <a:schemeClr val="bg1">
+                <a:lumMod val="50000"/>
+              </a:schemeClr>
+            </a:solidFill>
+            <a:miter lim="800000"/>
+          </a:ln>
+        </p:spPr>
+        <p:txBody>
+          <a:bodyPr anchor="t">
+            <a:normAutofit/>
+          </a:bodyPr>
+          <a:lstStyle>
+            <a:lvl1pPr marL="0" indent="0" algn="ctr">
+              <a:buNone/>
+              <a:defRPr sz="1600"/>
+            </a:lvl1pPr>
+            <a:lvl2pPr marL="457200" indent="0">
+              <a:buNone/>
+              <a:defRPr sz="1600"/>
+            </a:lvl2pPr>
+            <a:lvl3pPr marL="914400" indent="0">
+              <a:buNone/>
+              <a:defRPr sz="1600"/>
+            </a:lvl3pPr>
+            <a:lvl4pPr marL="1371600" indent="0">
+              <a:buNone/>
+              <a:defRPr sz="1600"/>
+            </a:lvl4pPr>
+            <a:lvl5pPr marL="1828800" indent="0">
+              <a:buNone/>
+              <a:defRPr sz="1600"/>
+            </a:lvl5pPr>
+            <a:lvl6pPr marL="2286000" indent="0">
+              <a:buNone/>
+              <a:defRPr sz="1600"/>
+            </a:lvl6pPr>
+            <a:lvl7pPr marL="2743200" indent="0">
+              <a:buNone/>
+              <a:defRPr sz="1600"/>
+            </a:lvl7pPr>
+            <a:lvl8pPr marL="3200400" indent="0">
+              <a:buNone/>
+              <a:defRPr sz="1600"/>
+            </a:lvl8pPr>
+            <a:lvl9pPr marL="3657600" indent="0">
+              <a:buNone/>
+              <a:defRPr sz="1600"/>
+            </a:lvl9pPr>
+          </a:lstStyle>
+          <a:p>
+            <a:r>
+              <a:rPr lang="en-US"/>
+              <a:t>Click icon to add picture</a:t>
+            </a:r>
+            <a:endParaRPr lang="en-US" dirty="0"/>
+          </a:p>
+        </p:txBody>
+      </p:sp>
+      <p:sp>
+        <p:nvSpPr>
+          <p:cNvPr id="24" name="Text Placeholder 3"/>
+          <p:cNvSpPr>
+            <a:spLocks noGrp="1"/>
+          </p:cNvSpPr>
+          <p:nvPr>
+            <p:ph type="body" sz="half" idx="19"/>
+          </p:nvPr>
+        </p:nvSpPr>
+        <p:spPr>
+          <a:xfrm>
+            <a:off x="4235999" y="4389286"/>
+            <a:ext cx="3310128" cy="985300"/>
+          </a:xfrm>
+        </p:spPr>
+        <p:txBody>
+          <a:bodyPr anchor="t">
+            <a:normAutofit/>
+          </a:bodyPr>
+          <a:lstStyle>
+            <a:lvl1pPr marL="0" indent="0" algn="ctr">
+              <a:buNone/>
+              <a:defRPr sz="1400"/>
+            </a:lvl1pPr>
+            <a:lvl2pPr marL="457200" indent="0">
+              <a:buNone/>
+              <a:defRPr sz="1200"/>
+            </a:lvl2pPr>
+            <a:lvl3pPr marL="914400" indent="0">
+              <a:buNone/>
+              <a:defRPr sz="1000"/>
+            </a:lvl3pPr>
+            <a:lvl4pPr marL="1371600" indent="0">
+              <a:buNone/>
+              <a:defRPr sz="900"/>
+            </a:lvl4pPr>
+            <a:lvl5pPr marL="1828800" indent="0">
+              <a:buNone/>
+              <a:defRPr sz="900"/>
+            </a:lvl5pPr>
+            <a:lvl6pPr marL="2286000" indent="0">
+              <a:buNone/>
+              <a:defRPr sz="900"/>
+            </a:lvl6pPr>
+            <a:lvl7pPr marL="2743200" indent="0">
+              <a:buNone/>
+              <a:defRPr sz="900"/>
+            </a:lvl7pPr>
+            <a:lvl8pPr marL="3200400" indent="0">
+              <a:buNone/>
+              <a:defRPr sz="900"/>
+            </a:lvl8pPr>
+            <a:lvl9pPr marL="3657600" indent="0">
+              <a:buNone/>
+              <a:defRPr sz="900"/>
+            </a:lvl9pPr>
+          </a:lstStyle>
+          <a:p>
+            <a:pPr lvl="0"/>
+            <a:r>
+              <a:rPr lang="en-US"/>
+              <a:t>Click to edit Master text styles</a:t>
+            </a:r>
+          </a:p>
+        </p:txBody>
+      </p:sp>
+      <p:sp>
+        <p:nvSpPr>
+          <p:cNvPr id="25" name="Text Placeholder 4"/>
+          <p:cNvSpPr>
+            <a:spLocks noGrp="1"/>
+          </p:cNvSpPr>
+          <p:nvPr>
+            <p:ph type="body" sz="quarter" idx="13"/>
+          </p:nvPr>
+        </p:nvSpPr>
+        <p:spPr>
+          <a:xfrm>
+            <a:off x="7768944" y="3813025"/>
+            <a:ext cx="3310128" cy="576262"/>
+          </a:xfrm>
+        </p:spPr>
+        <p:txBody>
+          <a:bodyPr anchor="b">
+            <a:noAutofit/>
+          </a:bodyPr>
+          <a:lstStyle>
+            <a:lvl1pPr marL="0" indent="0" algn="ctr">
+              <a:lnSpc>
+                <a:spcPct val="90000"/>
+              </a:lnSpc>
+              <a:buNone/>
+              <a:defRPr sz="2200" b="0">
                 <a:solidFill>
-                  <a:schemeClr val="tx1">
-                    <a:tint val="75000"/>
-                  </a:schemeClr>
+                  <a:schemeClr val="accent1"/>
                 </a:solidFill>
               </a:defRPr>
+            </a:lvl1pPr>
+            <a:lvl2pPr marL="457200" indent="0">
+              <a:buNone/>
+              <a:defRPr sz="2000" b="1"/>
             </a:lvl2pPr>
             <a:lvl3pPr marL="914400" indent="0">
               <a:buNone/>
-              <a:defRPr sz="1600">
-                <a:solidFill>
-                  <a:schemeClr val="tx1">
-                    <a:tint val="75000"/>
-                  </a:schemeClr>
-                </a:solidFill>
-              </a:defRPr>
+              <a:defRPr sz="1800" b="1"/>
             </a:lvl3pPr>
             <a:lvl4pPr marL="1371600" indent="0">
               <a:buNone/>
-              <a:defRPr sz="1400">
-                <a:solidFill>
-                  <a:schemeClr val="tx1">
-                    <a:tint val="75000"/>
-                  </a:schemeClr>
-                </a:solidFill>
-              </a:defRPr>
+              <a:defRPr sz="1600" b="1"/>
             </a:lvl4pPr>
             <a:lvl5pPr marL="1828800" indent="0">
               <a:buNone/>
-              <a:defRPr sz="1400">
-                <a:solidFill>
-                  <a:schemeClr val="tx1">
-                    <a:tint val="75000"/>
-                  </a:schemeClr>
-                </a:solidFill>
-              </a:defRPr>
+              <a:defRPr sz="1600" b="1"/>
             </a:lvl5pPr>
             <a:lvl6pPr marL="2286000" indent="0">
               <a:buNone/>
-              <a:defRPr sz="1400">
-                <a:solidFill>
-                  <a:schemeClr val="tx1">
-                    <a:tint val="75000"/>
-                  </a:schemeClr>
-                </a:solidFill>
-              </a:defRPr>
+              <a:defRPr sz="1600" b="1"/>
             </a:lvl6pPr>
             <a:lvl7pPr marL="2743200" indent="0">
               <a:buNone/>
-              <a:defRPr sz="1400">
-                <a:solidFill>
-                  <a:schemeClr val="tx1">
-                    <a:tint val="75000"/>
-                  </a:schemeClr>
-                </a:solidFill>
-              </a:defRPr>
+              <a:defRPr sz="1600" b="1"/>
             </a:lvl7pPr>
             <a:lvl8pPr marL="3200400" indent="0">
               <a:buNone/>
-              <a:defRPr sz="1400">
-                <a:solidFill>
-                  <a:schemeClr val="tx1">
-                    <a:tint val="75000"/>
-                  </a:schemeClr>
-                </a:solidFill>
-              </a:defRPr>
+              <a:defRPr sz="1600" b="1"/>
             </a:lvl8pPr>
             <a:lvl9pPr marL="3657600" indent="0">
               <a:buNone/>
-              <a:defRPr sz="1400">
-                <a:solidFill>
-                  <a:schemeClr val="tx1">
-                    <a:tint val="75000"/>
-                  </a:schemeClr>
-                </a:solidFill>
-              </a:defRPr>
+              <a:defRPr sz="1600" b="1"/>
             </a:lvl9pPr>
           </a:lstStyle>
           <a:p>
@@ -2679,7 +2975,154 @@
       </p:sp>
       <p:sp>
         <p:nvSpPr>
-          <p:cNvPr id="4" name="Date Placeholder 3"/>
+          <p:cNvPr id="26" name="Picture Placeholder 2"/>
+          <p:cNvSpPr>
+            <a:spLocks noGrp="1" noChangeAspect="1"/>
+          </p:cNvSpPr>
+          <p:nvPr>
+            <p:ph type="pic" idx="22"/>
+          </p:nvPr>
+        </p:nvSpPr>
+        <p:spPr>
+          <a:xfrm>
+            <a:off x="7768819" y="2063394"/>
+            <a:ext cx="3310128" cy="1537196"/>
+          </a:xfrm>
+          <a:prstGeom prst="roundRect">
+            <a:avLst>
+              <a:gd name="adj" fmla="val 0"/>
+            </a:avLst>
+          </a:prstGeom>
+          <a:ln w="57150" cmpd="thinThick">
+            <a:solidFill>
+              <a:schemeClr val="bg1">
+                <a:lumMod val="50000"/>
+              </a:schemeClr>
+            </a:solidFill>
+            <a:miter lim="800000"/>
+          </a:ln>
+        </p:spPr>
+        <p:txBody>
+          <a:bodyPr anchor="t">
+            <a:normAutofit/>
+          </a:bodyPr>
+          <a:lstStyle>
+            <a:lvl1pPr marL="0" indent="0" algn="ctr">
+              <a:buNone/>
+              <a:defRPr sz="1600"/>
+            </a:lvl1pPr>
+            <a:lvl2pPr marL="457200" indent="0">
+              <a:buNone/>
+              <a:defRPr sz="1600"/>
+            </a:lvl2pPr>
+            <a:lvl3pPr marL="914400" indent="0">
+              <a:buNone/>
+              <a:defRPr sz="1600"/>
+            </a:lvl3pPr>
+            <a:lvl4pPr marL="1371600" indent="0">
+              <a:buNone/>
+              <a:defRPr sz="1600"/>
+            </a:lvl4pPr>
+            <a:lvl5pPr marL="1828800" indent="0">
+              <a:buNone/>
+              <a:defRPr sz="1600"/>
+            </a:lvl5pPr>
+            <a:lvl6pPr marL="2286000" indent="0">
+              <a:buNone/>
+              <a:defRPr sz="1600"/>
+            </a:lvl6pPr>
+            <a:lvl7pPr marL="2743200" indent="0">
+              <a:buNone/>
+              <a:defRPr sz="1600"/>
+            </a:lvl7pPr>
+            <a:lvl8pPr marL="3200400" indent="0">
+              <a:buNone/>
+              <a:defRPr sz="1600"/>
+            </a:lvl8pPr>
+            <a:lvl9pPr marL="3657600" indent="0">
+              <a:buNone/>
+              <a:defRPr sz="1600"/>
+            </a:lvl9pPr>
+          </a:lstStyle>
+          <a:p>
+            <a:r>
+              <a:rPr lang="en-US"/>
+              <a:t>Click icon to add picture</a:t>
+            </a:r>
+            <a:endParaRPr lang="en-US" dirty="0"/>
+          </a:p>
+        </p:txBody>
+      </p:sp>
+      <p:sp>
+        <p:nvSpPr>
+          <p:cNvPr id="27" name="Text Placeholder 3"/>
+          <p:cNvSpPr>
+            <a:spLocks noGrp="1"/>
+          </p:cNvSpPr>
+          <p:nvPr>
+            <p:ph type="body" sz="half" idx="20"/>
+          </p:nvPr>
+        </p:nvSpPr>
+        <p:spPr>
+          <a:xfrm>
+            <a:off x="7768819" y="4389284"/>
+            <a:ext cx="3310128" cy="985302"/>
+          </a:xfrm>
+        </p:spPr>
+        <p:txBody>
+          <a:bodyPr anchor="t">
+            <a:normAutofit/>
+          </a:bodyPr>
+          <a:lstStyle>
+            <a:lvl1pPr marL="0" indent="0" algn="ctr">
+              <a:buNone/>
+              <a:defRPr sz="1400"/>
+            </a:lvl1pPr>
+            <a:lvl2pPr marL="457200" indent="0">
+              <a:buNone/>
+              <a:defRPr sz="1200"/>
+            </a:lvl2pPr>
+            <a:lvl3pPr marL="914400" indent="0">
+              <a:buNone/>
+              <a:defRPr sz="1000"/>
+            </a:lvl3pPr>
+            <a:lvl4pPr marL="1371600" indent="0">
+              <a:buNone/>
+              <a:defRPr sz="900"/>
+            </a:lvl4pPr>
+            <a:lvl5pPr marL="1828800" indent="0">
+              <a:buNone/>
+              <a:defRPr sz="900"/>
+            </a:lvl5pPr>
+            <a:lvl6pPr marL="2286000" indent="0">
+              <a:buNone/>
+              <a:defRPr sz="900"/>
+            </a:lvl6pPr>
+            <a:lvl7pPr marL="2743200" indent="0">
+              <a:buNone/>
+              <a:defRPr sz="900"/>
+            </a:lvl7pPr>
+            <a:lvl8pPr marL="3200400" indent="0">
+              <a:buNone/>
+              <a:defRPr sz="900"/>
+            </a:lvl8pPr>
+            <a:lvl9pPr marL="3657600" indent="0">
+              <a:buNone/>
+              <a:defRPr sz="900"/>
+            </a:lvl9pPr>
+          </a:lstStyle>
+          <a:p>
+            <a:pPr lvl="0"/>
+            <a:r>
+              <a:rPr lang="en-US"/>
+              <a:t>Click to edit Master text styles</a:t>
+            </a:r>
+          </a:p>
+        </p:txBody>
+      </p:sp>
+      <p:sp>
+        <p:nvSpPr>
+          <p:cNvPr id="3" name="Date Placeholder 2"/>
           <p:cNvSpPr>
             <a:spLocks noGrp="1"/>
           </p:cNvSpPr>
@@ -2694,7 +3137,7 @@
           <a:p>
             <a:fld id="{C211B184-D47F-4E51-8576-FD3DF6A93EE9}" type="datetimeFigureOut">
               <a:rPr lang="en-US" smtClean="0"/>
-              <a:t>1/24/2020</a:t>
+              <a:t>1/25/2020</a:t>
             </a:fld>
             <a:endParaRPr lang="en-US"/>
           </a:p>
@@ -2702,7 +3145,7 @@
       </p:sp>
       <p:sp>
         <p:nvSpPr>
-          <p:cNvPr id="5" name="Footer Placeholder 4"/>
+          <p:cNvPr id="4" name="Footer Placeholder 3"/>
           <p:cNvSpPr>
             <a:spLocks noGrp="1"/>
           </p:cNvSpPr>
@@ -2721,7 +3164,7 @@
       </p:sp>
       <p:sp>
         <p:nvSpPr>
-          <p:cNvPr id="6" name="Slide Number Placeholder 5"/>
+          <p:cNvPr id="5" name="Slide Number Placeholder 4"/>
           <p:cNvSpPr>
             <a:spLocks noGrp="1"/>
           </p:cNvSpPr>
@@ -2745,7 +3188,7 @@
     </p:spTree>
     <p:extLst>
       <p:ext uri="{BB962C8B-B14F-4D97-AF65-F5344CB8AC3E}">
-        <p14:creationId xmlns:p14="http://schemas.microsoft.com/office/powerpoint/2010/main" val="3019393346"/>
+        <p14:creationId xmlns:p14="http://schemas.microsoft.com/office/powerpoint/2010/main" val="4157721541"/>
       </p:ext>
     </p:extLst>
   </p:cSld>
@@ -2772,47 +3215,49 @@
           <a:chExt cx="0" cy="0"/>
         </a:xfrm>
       </p:grpSpPr>
-      <p:pic>
-        <p:nvPicPr>
-          <p:cNvPr id="7" name="Picture 6" descr="Celestia-R1---OverlayContentHD.png"/>
-          <p:cNvPicPr>
-            <a:picLocks noChangeAspect="1"/>
-          </p:cNvPicPr>
-          <p:nvPr/>
-        </p:nvPicPr>
-        <p:blipFill>
-          <a:blip r:embed="rId2">
-            <a:extLst>
-              <a:ext uri="{28A0092B-C50C-407E-A947-70E740481C1C}">
-                <a14:useLocalDpi xmlns:a14="http://schemas.microsoft.com/office/drawing/2010/main" val="0"/>
-              </a:ext>
-            </a:extLst>
-          </a:blip>
-          <a:stretch>
-            <a:fillRect/>
-          </a:stretch>
-        </p:blipFill>
+      <p:sp>
+        <p:nvSpPr>
+          <p:cNvPr id="2" name="Title 1"/>
+          <p:cNvSpPr>
+            <a:spLocks noGrp="1"/>
+          </p:cNvSpPr>
+          <p:nvPr>
+            <p:ph type="title"/>
+          </p:nvPr>
+        </p:nvSpPr>
+        <p:spPr/>
+        <p:txBody>
+          <a:bodyPr/>
+          <a:lstStyle>
+            <a:lvl1pPr algn="r">
+              <a:defRPr/>
+            </a:lvl1pPr>
+          </a:lstStyle>
+          <a:p>
+            <a:r>
+              <a:rPr lang="en-US"/>
+              <a:t>Click to edit Master title style</a:t>
+            </a:r>
+            <a:endParaRPr lang="en-US" dirty="0"/>
+          </a:p>
+        </p:txBody>
+      </p:sp>
+      <p:sp>
+        <p:nvSpPr>
+          <p:cNvPr id="11" name="Vertical Text Placeholder 2"/>
+          <p:cNvSpPr>
+            <a:spLocks noGrp="1"/>
+          </p:cNvSpPr>
+          <p:nvPr>
+            <p:ph type="body" orient="vert" sz="quarter" idx="13"/>
+          </p:nvPr>
+        </p:nvSpPr>
         <p:spPr>
           <a:xfrm>
-            <a:off x="0" y="0"/>
-            <a:ext cx="12188825" cy="6856214"/>
+            <a:off x="685800" y="2063396"/>
+            <a:ext cx="10394707" cy="3311190"/>
           </a:xfrm>
-          <a:prstGeom prst="rect">
-            <a:avLst/>
-          </a:prstGeom>
         </p:spPr>
-      </p:pic>
-      <p:sp>
-        <p:nvSpPr>
-          <p:cNvPr id="3" name="Vertical Text Placeholder 2"/>
-          <p:cNvSpPr>
-            <a:spLocks noGrp="1"/>
-          </p:cNvSpPr>
-          <p:nvPr>
-            <p:ph type="body" orient="vert" idx="1"/>
-          </p:nvPr>
-        </p:nvSpPr>
-        <p:spPr/>
         <p:txBody>
           <a:bodyPr vert="eaVert" anchor="t"/>
           <a:lstStyle/>
@@ -2871,7 +3316,7 @@
           <a:p>
             <a:fld id="{C211B184-D47F-4E51-8576-FD3DF6A93EE9}" type="datetimeFigureOut">
               <a:rPr lang="en-US" smtClean="0"/>
-              <a:t>1/24/2020</a:t>
+              <a:t>1/25/2020</a:t>
             </a:fld>
             <a:endParaRPr lang="en-US"/>
           </a:p>
@@ -2919,38 +3364,10 @@
           </a:p>
         </p:txBody>
       </p:sp>
-      <p:sp>
-        <p:nvSpPr>
-          <p:cNvPr id="8" name="Title 1"/>
-          <p:cNvSpPr>
-            <a:spLocks noGrp="1"/>
-          </p:cNvSpPr>
-          <p:nvPr>
-            <p:ph type="title"/>
-          </p:nvPr>
-        </p:nvSpPr>
-        <p:spPr>
-          <a:xfrm>
-            <a:off x="685801" y="609600"/>
-            <a:ext cx="10131425" cy="1456267"/>
-          </a:xfrm>
-        </p:spPr>
-        <p:txBody>
-          <a:bodyPr/>
-          <a:lstStyle/>
-          <a:p>
-            <a:r>
-              <a:rPr lang="en-US"/>
-              <a:t>Click to edit Master title style</a:t>
-            </a:r>
-            <a:endParaRPr lang="en-US" dirty="0"/>
-          </a:p>
-        </p:txBody>
-      </p:sp>
     </p:spTree>
     <p:extLst>
       <p:ext uri="{BB962C8B-B14F-4D97-AF65-F5344CB8AC3E}">
-        <p14:creationId xmlns:p14="http://schemas.microsoft.com/office/powerpoint/2010/main" val="2819082214"/>
+        <p14:creationId xmlns:p14="http://schemas.microsoft.com/office/powerpoint/2010/main" val="3383671232"/>
       </p:ext>
     </p:extLst>
   </p:cSld>
@@ -2977,81 +3394,55 @@
           <a:chExt cx="0" cy="0"/>
         </a:xfrm>
       </p:grpSpPr>
-      <p:pic>
-        <p:nvPicPr>
-          <p:cNvPr id="7" name="Picture 6" descr="Celestia-R1---OverlayContentHD.png"/>
-          <p:cNvPicPr>
-            <a:picLocks noChangeAspect="1"/>
-          </p:cNvPicPr>
-          <p:nvPr/>
-        </p:nvPicPr>
-        <p:blipFill>
-          <a:blip r:embed="rId2">
-            <a:extLst>
-              <a:ext uri="{28A0092B-C50C-407E-A947-70E740481C1C}">
-                <a14:useLocalDpi xmlns:a14="http://schemas.microsoft.com/office/drawing/2010/main" val="0"/>
-              </a:ext>
-            </a:extLst>
-          </a:blip>
-          <a:stretch>
-            <a:fillRect/>
-          </a:stretch>
-        </p:blipFill>
+      <p:sp>
+        <p:nvSpPr>
+          <p:cNvPr id="2" name="Vertical Title 1"/>
+          <p:cNvSpPr>
+            <a:spLocks noGrp="1"/>
+          </p:cNvSpPr>
+          <p:nvPr>
+            <p:ph type="title" orient="vert"/>
+          </p:nvPr>
+        </p:nvSpPr>
         <p:spPr>
           <a:xfrm>
-            <a:off x="0" y="0"/>
-            <a:ext cx="12188825" cy="6856214"/>
+            <a:off x="8815862" y="685800"/>
+            <a:ext cx="2264646" cy="4688785"/>
           </a:xfrm>
-          <a:prstGeom prst="rect">
-            <a:avLst/>
-          </a:prstGeom>
         </p:spPr>
-      </p:pic>
-      <p:sp>
-        <p:nvSpPr>
-          <p:cNvPr id="2" name="Vertical Title 1"/>
-          <p:cNvSpPr>
-            <a:spLocks noGrp="1"/>
-          </p:cNvSpPr>
-          <p:nvPr>
-            <p:ph type="title" orient="vert"/>
+        <p:txBody>
+          <a:bodyPr vert="eaVert"/>
+          <a:lstStyle>
+            <a:lvl1pPr algn="l">
+              <a:defRPr/>
+            </a:lvl1pPr>
+          </a:lstStyle>
+          <a:p>
+            <a:r>
+              <a:rPr lang="en-US"/>
+              <a:t>Click to edit Master title style</a:t>
+            </a:r>
+            <a:endParaRPr lang="en-US" dirty="0"/>
+          </a:p>
+        </p:txBody>
+      </p:sp>
+      <p:sp>
+        <p:nvSpPr>
+          <p:cNvPr id="8" name="Vertical Text Placeholder 2"/>
+          <p:cNvSpPr>
+            <a:spLocks noGrp="1"/>
+          </p:cNvSpPr>
+          <p:nvPr>
+            <p:ph type="body" orient="vert" sz="quarter" idx="13"/>
           </p:nvPr>
         </p:nvSpPr>
         <p:spPr>
           <a:xfrm>
-            <a:off x="8658675" y="609599"/>
-            <a:ext cx="2158552" cy="5181601"/>
+            <a:off x="685800" y="685800"/>
+            <a:ext cx="7904431" cy="4688785"/>
           </a:xfrm>
         </p:spPr>
         <p:txBody>
-          <a:bodyPr vert="eaVert"/>
-          <a:lstStyle/>
-          <a:p>
-            <a:r>
-              <a:rPr lang="en-US"/>
-              <a:t>Click to edit Master title style</a:t>
-            </a:r>
-            <a:endParaRPr lang="en-US" dirty="0"/>
-          </a:p>
-        </p:txBody>
-      </p:sp>
-      <p:sp>
-        <p:nvSpPr>
-          <p:cNvPr id="3" name="Vertical Text Placeholder 2"/>
-          <p:cNvSpPr>
-            <a:spLocks noGrp="1"/>
-          </p:cNvSpPr>
-          <p:nvPr>
-            <p:ph type="body" orient="vert" idx="1"/>
-          </p:nvPr>
-        </p:nvSpPr>
-        <p:spPr>
-          <a:xfrm>
-            <a:off x="685800" y="609600"/>
-            <a:ext cx="7832116" cy="5181600"/>
-          </a:xfrm>
-        </p:spPr>
-        <p:txBody>
           <a:bodyPr vert="eaVert" anchor="t"/>
           <a:lstStyle/>
           <a:p>
@@ -3109,7 +3500,7 @@
           <a:p>
             <a:fld id="{C211B184-D47F-4E51-8576-FD3DF6A93EE9}" type="datetimeFigureOut">
               <a:rPr lang="en-US" smtClean="0"/>
-              <a:t>1/24/2020</a:t>
+              <a:t>1/25/2020</a:t>
             </a:fld>
             <a:endParaRPr lang="en-US"/>
           </a:p>
@@ -3160,7 +3551,187 @@
     </p:spTree>
     <p:extLst>
       <p:ext uri="{BB962C8B-B14F-4D97-AF65-F5344CB8AC3E}">
-        <p14:creationId xmlns:p14="http://schemas.microsoft.com/office/powerpoint/2010/main" val="998772733"/>
+        <p14:creationId xmlns:p14="http://schemas.microsoft.com/office/powerpoint/2010/main" val="3509453813"/>
+      </p:ext>
+    </p:extLst>
+  </p:cSld>
+  <p:clrMapOvr>
+    <a:masterClrMapping/>
+  </p:clrMapOvr>
+</p:sldLayout>
+</file>
+
+<file path=ppt/slideLayouts/slideLayout18.xml><?xml version="1.0" encoding="utf-8"?>
+<p:sldLayout xmlns:a="http://schemas.openxmlformats.org/drawingml/2006/main" xmlns:r="http://schemas.openxmlformats.org/officeDocument/2006/relationships" xmlns:p="http://schemas.openxmlformats.org/presentationml/2006/main" type="obj">
+  <p:cSld name="1_Title and Content">
+    <p:spTree>
+      <p:nvGrpSpPr>
+        <p:cNvPr id="1" name=""/>
+        <p:cNvGrpSpPr/>
+        <p:nvPr/>
+      </p:nvGrpSpPr>
+      <p:grpSpPr>
+        <a:xfrm>
+          <a:off x="0" y="0"/>
+          <a:ext cx="0" cy="0"/>
+          <a:chOff x="0" y="0"/>
+          <a:chExt cx="0" cy="0"/>
+        </a:xfrm>
+      </p:grpSpPr>
+      <p:sp>
+        <p:nvSpPr>
+          <p:cNvPr id="2" name="Title 1"/>
+          <p:cNvSpPr>
+            <a:spLocks noGrp="1"/>
+          </p:cNvSpPr>
+          <p:nvPr>
+            <p:ph type="title"/>
+          </p:nvPr>
+        </p:nvSpPr>
+        <p:spPr>
+          <a:xfrm>
+            <a:off x="2592925" y="624110"/>
+            <a:ext cx="8911687" cy="1280890"/>
+          </a:xfrm>
+        </p:spPr>
+        <p:txBody>
+          <a:bodyPr/>
+          <a:lstStyle/>
+          <a:p>
+            <a:r>
+              <a:rPr lang="en-US"/>
+              <a:t>Click to edit Master title style</a:t>
+            </a:r>
+            <a:endParaRPr lang="en-US" dirty="0"/>
+          </a:p>
+        </p:txBody>
+      </p:sp>
+      <p:sp>
+        <p:nvSpPr>
+          <p:cNvPr id="3" name="Content Placeholder 2"/>
+          <p:cNvSpPr>
+            <a:spLocks noGrp="1"/>
+          </p:cNvSpPr>
+          <p:nvPr>
+            <p:ph idx="1"/>
+          </p:nvPr>
+        </p:nvSpPr>
+        <p:spPr>
+          <a:xfrm>
+            <a:off x="2589212" y="2133600"/>
+            <a:ext cx="8915400" cy="3777622"/>
+          </a:xfrm>
+        </p:spPr>
+        <p:txBody>
+          <a:bodyPr/>
+          <a:lstStyle/>
+          <a:p>
+            <a:pPr lvl="0"/>
+            <a:r>
+              <a:rPr lang="en-US"/>
+              <a:t>Click to edit Master text styles</a:t>
+            </a:r>
+          </a:p>
+          <a:p>
+            <a:pPr lvl="1"/>
+            <a:r>
+              <a:rPr lang="en-US"/>
+              <a:t>Second level</a:t>
+            </a:r>
+          </a:p>
+          <a:p>
+            <a:pPr lvl="2"/>
+            <a:r>
+              <a:rPr lang="en-US"/>
+              <a:t>Third level</a:t>
+            </a:r>
+          </a:p>
+          <a:p>
+            <a:pPr lvl="3"/>
+            <a:r>
+              <a:rPr lang="en-US"/>
+              <a:t>Fourth level</a:t>
+            </a:r>
+          </a:p>
+          <a:p>
+            <a:pPr lvl="4"/>
+            <a:r>
+              <a:rPr lang="en-US"/>
+              <a:t>Fifth level</a:t>
+            </a:r>
+            <a:endParaRPr lang="en-US" dirty="0"/>
+          </a:p>
+        </p:txBody>
+      </p:sp>
+      <p:sp>
+        <p:nvSpPr>
+          <p:cNvPr id="4" name="Date Placeholder 3"/>
+          <p:cNvSpPr>
+            <a:spLocks noGrp="1"/>
+          </p:cNvSpPr>
+          <p:nvPr>
+            <p:ph type="dt" sz="half" idx="10"/>
+          </p:nvPr>
+        </p:nvSpPr>
+        <p:spPr/>
+        <p:txBody>
+          <a:bodyPr/>
+          <a:lstStyle/>
+          <a:p>
+            <a:fld id="{C211B184-D47F-4E51-8576-FD3DF6A93EE9}" type="datetimeFigureOut">
+              <a:rPr lang="en-US" smtClean="0"/>
+              <a:t>1/25/2020</a:t>
+            </a:fld>
+            <a:endParaRPr lang="en-US"/>
+          </a:p>
+        </p:txBody>
+      </p:sp>
+      <p:sp>
+        <p:nvSpPr>
+          <p:cNvPr id="5" name="Footer Placeholder 4"/>
+          <p:cNvSpPr>
+            <a:spLocks noGrp="1"/>
+          </p:cNvSpPr>
+          <p:nvPr>
+            <p:ph type="ftr" sz="quarter" idx="11"/>
+          </p:nvPr>
+        </p:nvSpPr>
+        <p:spPr/>
+        <p:txBody>
+          <a:bodyPr/>
+          <a:lstStyle/>
+          <a:p>
+            <a:endParaRPr lang="en-US"/>
+          </a:p>
+        </p:txBody>
+      </p:sp>
+      <p:sp>
+        <p:nvSpPr>
+          <p:cNvPr id="6" name="Slide Number Placeholder 5"/>
+          <p:cNvSpPr>
+            <a:spLocks noGrp="1"/>
+          </p:cNvSpPr>
+          <p:nvPr>
+            <p:ph type="sldNum" sz="quarter" idx="12"/>
+          </p:nvPr>
+        </p:nvSpPr>
+        <p:spPr/>
+        <p:txBody>
+          <a:bodyPr/>
+          <a:lstStyle/>
+          <a:p>
+            <a:fld id="{3B6B49C4-D292-4EE6-A5C6-2F57226420BC}" type="slidenum">
+              <a:rPr lang="en-US" smtClean="0"/>
+              <a:t>‹#›</a:t>
+            </a:fld>
+            <a:endParaRPr lang="en-US"/>
+          </a:p>
+        </p:txBody>
+      </p:sp>
+    </p:spTree>
+    <p:extLst>
+      <p:ext uri="{BB962C8B-B14F-4D97-AF65-F5344CB8AC3E}">
+        <p14:creationId xmlns:p14="http://schemas.microsoft.com/office/powerpoint/2010/main" val="1826054370"/>
       </p:ext>
     </p:extLst>
   </p:cSld>
@@ -3187,72 +3758,47 @@
           <a:chExt cx="0" cy="0"/>
         </a:xfrm>
       </p:grpSpPr>
-      <p:pic>
-        <p:nvPicPr>
-          <p:cNvPr id="7" name="Picture 6" descr="Celestia-R1---OverlayContentHD.png"/>
-          <p:cNvPicPr>
-            <a:picLocks noChangeAspect="1"/>
-          </p:cNvPicPr>
-          <p:nvPr/>
-        </p:nvPicPr>
-        <p:blipFill>
-          <a:blip r:embed="rId2">
-            <a:extLst>
-              <a:ext uri="{28A0092B-C50C-407E-A947-70E740481C1C}">
-                <a14:useLocalDpi xmlns:a14="http://schemas.microsoft.com/office/drawing/2010/main" val="0"/>
-              </a:ext>
-            </a:extLst>
-          </a:blip>
-          <a:stretch>
-            <a:fillRect/>
-          </a:stretch>
-        </p:blipFill>
+      <p:sp>
+        <p:nvSpPr>
+          <p:cNvPr id="2" name="Title 1"/>
+          <p:cNvSpPr>
+            <a:spLocks noGrp="1"/>
+          </p:cNvSpPr>
+          <p:nvPr>
+            <p:ph type="title"/>
+          </p:nvPr>
+        </p:nvSpPr>
+        <p:spPr/>
+        <p:txBody>
+          <a:bodyPr/>
+          <a:lstStyle/>
+          <a:p>
+            <a:r>
+              <a:rPr lang="en-US"/>
+              <a:t>Click to edit Master title style</a:t>
+            </a:r>
+            <a:endParaRPr lang="en-US" dirty="0"/>
+          </a:p>
+        </p:txBody>
+      </p:sp>
+      <p:sp>
+        <p:nvSpPr>
+          <p:cNvPr id="12" name="Content Placeholder 2"/>
+          <p:cNvSpPr>
+            <a:spLocks noGrp="1"/>
+          </p:cNvSpPr>
+          <p:nvPr>
+            <p:ph sz="quarter" idx="13"/>
+          </p:nvPr>
+        </p:nvSpPr>
         <p:spPr>
           <a:xfrm>
-            <a:off x="0" y="0"/>
-            <a:ext cx="12188825" cy="6856214"/>
+            <a:off x="685800" y="2063396"/>
+            <a:ext cx="10394707" cy="3311189"/>
           </a:xfrm>
-          <a:prstGeom prst="rect">
-            <a:avLst/>
-          </a:prstGeom>
         </p:spPr>
-      </p:pic>
-      <p:sp>
-        <p:nvSpPr>
-          <p:cNvPr id="2" name="Title 1"/>
-          <p:cNvSpPr>
-            <a:spLocks noGrp="1"/>
-          </p:cNvSpPr>
-          <p:nvPr>
-            <p:ph type="title"/>
-          </p:nvPr>
-        </p:nvSpPr>
-        <p:spPr/>
-        <p:txBody>
-          <a:bodyPr/>
-          <a:lstStyle/>
-          <a:p>
-            <a:r>
-              <a:rPr lang="en-US"/>
-              <a:t>Click to edit Master title style</a:t>
-            </a:r>
-            <a:endParaRPr lang="en-US" dirty="0"/>
-          </a:p>
-        </p:txBody>
-      </p:sp>
-      <p:sp>
-        <p:nvSpPr>
-          <p:cNvPr id="3" name="Content Placeholder 2"/>
-          <p:cNvSpPr>
-            <a:spLocks noGrp="1"/>
-          </p:cNvSpPr>
-          <p:nvPr>
-            <p:ph idx="1"/>
-          </p:nvPr>
-        </p:nvSpPr>
-        <p:spPr/>
-        <p:txBody>
-          <a:bodyPr anchor="ctr"/>
+        <p:txBody>
+          <a:bodyPr/>
           <a:lstStyle/>
           <a:p>
             <a:pPr lvl="0"/>
@@ -3309,7 +3855,7 @@
           <a:p>
             <a:fld id="{C211B184-D47F-4E51-8576-FD3DF6A93EE9}" type="datetimeFigureOut">
               <a:rPr lang="en-US" smtClean="0"/>
-              <a:t>1/24/2020</a:t>
+              <a:t>1/25/2020</a:t>
             </a:fld>
             <a:endParaRPr lang="en-US"/>
           </a:p>
@@ -3360,7 +3906,7 @@
     </p:spTree>
     <p:extLst>
       <p:ext uri="{BB962C8B-B14F-4D97-AF65-F5344CB8AC3E}">
-        <p14:creationId xmlns:p14="http://schemas.microsoft.com/office/powerpoint/2010/main" val="4041525557"/>
+        <p14:creationId xmlns:p14="http://schemas.microsoft.com/office/powerpoint/2010/main" val="248511979"/>
       </p:ext>
     </p:extLst>
   </p:cSld>
@@ -3387,82 +3933,54 @@
           <a:chExt cx="0" cy="0"/>
         </a:xfrm>
       </p:grpSpPr>
-      <p:pic>
-        <p:nvPicPr>
-          <p:cNvPr id="7" name="Picture 6" descr="Celestia-R1---OverlayContentHD.png"/>
-          <p:cNvPicPr>
-            <a:picLocks noChangeAspect="1"/>
-          </p:cNvPicPr>
-          <p:nvPr/>
-        </p:nvPicPr>
-        <p:blipFill>
-          <a:blip r:embed="rId2">
-            <a:extLst>
-              <a:ext uri="{28A0092B-C50C-407E-A947-70E740481C1C}">
-                <a14:useLocalDpi xmlns:a14="http://schemas.microsoft.com/office/drawing/2010/main" val="0"/>
-              </a:ext>
-            </a:extLst>
-          </a:blip>
-          <a:stretch>
-            <a:fillRect/>
-          </a:stretch>
-        </p:blipFill>
+      <p:sp>
+        <p:nvSpPr>
+          <p:cNvPr id="2" name="Title 1"/>
+          <p:cNvSpPr>
+            <a:spLocks noGrp="1"/>
+          </p:cNvSpPr>
+          <p:nvPr>
+            <p:ph type="title"/>
+          </p:nvPr>
+        </p:nvSpPr>
         <p:spPr>
           <a:xfrm>
-            <a:off x="0" y="0"/>
-            <a:ext cx="12188825" cy="6856214"/>
+            <a:off x="685801" y="685800"/>
+            <a:ext cx="10394707" cy="3193487"/>
           </a:xfrm>
-          <a:prstGeom prst="rect">
-            <a:avLst/>
-          </a:prstGeom>
         </p:spPr>
-      </p:pic>
-      <p:sp>
-        <p:nvSpPr>
-          <p:cNvPr id="2" name="Title 1"/>
-          <p:cNvSpPr>
-            <a:spLocks noGrp="1"/>
-          </p:cNvSpPr>
-          <p:nvPr>
-            <p:ph type="title"/>
+        <p:txBody>
+          <a:bodyPr anchor="b">
+            <a:normAutofit/>
+          </a:bodyPr>
+          <a:lstStyle>
+            <a:lvl1pPr algn="l">
+              <a:defRPr sz="5400"/>
+            </a:lvl1pPr>
+          </a:lstStyle>
+          <a:p>
+            <a:r>
+              <a:rPr lang="en-US"/>
+              <a:t>Click to edit Master title style</a:t>
+            </a:r>
+            <a:endParaRPr lang="en-US" dirty="0"/>
+          </a:p>
+        </p:txBody>
+      </p:sp>
+      <p:sp>
+        <p:nvSpPr>
+          <p:cNvPr id="3" name="Text Placeholder 2"/>
+          <p:cNvSpPr>
+            <a:spLocks noGrp="1"/>
+          </p:cNvSpPr>
+          <p:nvPr>
+            <p:ph type="body" idx="1"/>
           </p:nvPr>
         </p:nvSpPr>
         <p:spPr>
           <a:xfrm>
-            <a:off x="685800" y="3308581"/>
-            <a:ext cx="10131427" cy="1468800"/>
-          </a:xfrm>
-        </p:spPr>
-        <p:txBody>
-          <a:bodyPr anchor="b"/>
-          <a:lstStyle>
-            <a:lvl1pPr algn="l">
-              <a:defRPr sz="4000" b="0" cap="all"/>
-            </a:lvl1pPr>
-          </a:lstStyle>
-          <a:p>
-            <a:r>
-              <a:rPr lang="en-US"/>
-              <a:t>Click to edit Master title style</a:t>
-            </a:r>
-            <a:endParaRPr lang="en-US" dirty="0"/>
-          </a:p>
-        </p:txBody>
-      </p:sp>
-      <p:sp>
-        <p:nvSpPr>
-          <p:cNvPr id="3" name="Text Placeholder 2"/>
-          <p:cNvSpPr>
-            <a:spLocks noGrp="1"/>
-          </p:cNvSpPr>
-          <p:nvPr>
-            <p:ph type="body" idx="1"/>
-          </p:nvPr>
-        </p:nvSpPr>
-        <p:spPr>
-          <a:xfrm>
-            <a:off x="685799" y="4777381"/>
-            <a:ext cx="10131428" cy="860400"/>
+            <a:off x="685801" y="3742267"/>
+            <a:ext cx="10394707" cy="1639614"/>
           </a:xfrm>
         </p:spPr>
         <p:txBody>
@@ -3472,15 +3990,17 @@
           <a:lstStyle>
             <a:lvl1pPr marL="0" indent="0" algn="l">
               <a:buNone/>
-              <a:defRPr sz="2000" cap="all">
+              <a:defRPr sz="2000">
                 <a:solidFill>
-                  <a:schemeClr val="tx1"/>
+                  <a:schemeClr val="bg1">
+                    <a:lumMod val="50000"/>
+                  </a:schemeClr>
                 </a:solidFill>
               </a:defRPr>
             </a:lvl1pPr>
             <a:lvl2pPr marL="457200" indent="0">
               <a:buNone/>
-              <a:defRPr sz="1800">
+              <a:defRPr sz="2000">
                 <a:solidFill>
                   <a:schemeClr val="tx1">
                     <a:tint val="75000"/>
@@ -3490,7 +4010,7 @@
             </a:lvl2pPr>
             <a:lvl3pPr marL="914400" indent="0">
               <a:buNone/>
-              <a:defRPr sz="1600">
+              <a:defRPr sz="1800">
                 <a:solidFill>
                   <a:schemeClr val="tx1">
                     <a:tint val="75000"/>
@@ -3500,7 +4020,7 @@
             </a:lvl3pPr>
             <a:lvl4pPr marL="1371600" indent="0">
               <a:buNone/>
-              <a:defRPr sz="1400">
+              <a:defRPr sz="1600">
                 <a:solidFill>
                   <a:schemeClr val="tx1">
                     <a:tint val="75000"/>
@@ -3510,7 +4030,7 @@
             </a:lvl4pPr>
             <a:lvl5pPr marL="1828800" indent="0">
               <a:buNone/>
-              <a:defRPr sz="1400">
+              <a:defRPr sz="1600">
                 <a:solidFill>
                   <a:schemeClr val="tx1">
                     <a:tint val="75000"/>
@@ -3520,7 +4040,7 @@
             </a:lvl5pPr>
             <a:lvl6pPr marL="2286000" indent="0">
               <a:buNone/>
-              <a:defRPr sz="1400">
+              <a:defRPr sz="1600">
                 <a:solidFill>
                   <a:schemeClr val="tx1">
                     <a:tint val="75000"/>
@@ -3530,7 +4050,7 @@
             </a:lvl6pPr>
             <a:lvl7pPr marL="2743200" indent="0">
               <a:buNone/>
-              <a:defRPr sz="1400">
+              <a:defRPr sz="1600">
                 <a:solidFill>
                   <a:schemeClr val="tx1">
                     <a:tint val="75000"/>
@@ -3540,7 +4060,7 @@
             </a:lvl7pPr>
             <a:lvl8pPr marL="3200400" indent="0">
               <a:buNone/>
-              <a:defRPr sz="1400">
+              <a:defRPr sz="1600">
                 <a:solidFill>
                   <a:schemeClr val="tx1">
                     <a:tint val="75000"/>
@@ -3550,7 +4070,7 @@
             </a:lvl8pPr>
             <a:lvl9pPr marL="3657600" indent="0">
               <a:buNone/>
-              <a:defRPr sz="1400">
+              <a:defRPr sz="1600">
                 <a:solidFill>
                   <a:schemeClr val="tx1">
                     <a:tint val="75000"/>
@@ -3585,7 +4105,7 @@
           <a:p>
             <a:fld id="{C211B184-D47F-4E51-8576-FD3DF6A93EE9}" type="datetimeFigureOut">
               <a:rPr lang="en-US" smtClean="0"/>
-              <a:t>1/24/2020</a:t>
+              <a:t>1/25/2020</a:t>
             </a:fld>
             <a:endParaRPr lang="en-US"/>
           </a:p>
@@ -3636,7 +4156,7 @@
     </p:spTree>
     <p:extLst>
       <p:ext uri="{BB962C8B-B14F-4D97-AF65-F5344CB8AC3E}">
-        <p14:creationId xmlns:p14="http://schemas.microsoft.com/office/powerpoint/2010/main" val="1492164967"/>
+        <p14:creationId xmlns:p14="http://schemas.microsoft.com/office/powerpoint/2010/main" val="2058949067"/>
       </p:ext>
     </p:extLst>
   </p:cSld>
@@ -3663,47 +4183,22 @@
           <a:chExt cx="0" cy="0"/>
         </a:xfrm>
       </p:grpSpPr>
-      <p:pic>
-        <p:nvPicPr>
-          <p:cNvPr id="8" name="Picture 7" descr="Celestia-R1---OverlayContentHD.png"/>
-          <p:cNvPicPr>
-            <a:picLocks noChangeAspect="1"/>
-          </p:cNvPicPr>
-          <p:nvPr/>
-        </p:nvPicPr>
-        <p:blipFill>
-          <a:blip r:embed="rId2">
-            <a:extLst>
-              <a:ext uri="{28A0092B-C50C-407E-A947-70E740481C1C}">
-                <a14:useLocalDpi xmlns:a14="http://schemas.microsoft.com/office/drawing/2010/main" val="0"/>
-              </a:ext>
-            </a:extLst>
-          </a:blip>
-          <a:stretch>
-            <a:fillRect/>
-          </a:stretch>
-        </p:blipFill>
+      <p:sp>
+        <p:nvSpPr>
+          <p:cNvPr id="14" name="Title 1"/>
+          <p:cNvSpPr>
+            <a:spLocks noGrp="1"/>
+          </p:cNvSpPr>
+          <p:nvPr>
+            <p:ph type="title"/>
+          </p:nvPr>
+        </p:nvSpPr>
         <p:spPr>
           <a:xfrm>
-            <a:off x="0" y="0"/>
-            <a:ext cx="12188825" cy="6856214"/>
+            <a:off x="685801" y="685800"/>
+            <a:ext cx="10396882" cy="1158140"/>
           </a:xfrm>
-          <a:prstGeom prst="rect">
-            <a:avLst/>
-          </a:prstGeom>
         </p:spPr>
-      </p:pic>
-      <p:sp>
-        <p:nvSpPr>
-          <p:cNvPr id="2" name="Title 1"/>
-          <p:cNvSpPr>
-            <a:spLocks noGrp="1"/>
-          </p:cNvSpPr>
-          <p:nvPr>
-            <p:ph type="title"/>
-          </p:nvPr>
-        </p:nvSpPr>
-        <p:spPr/>
         <p:txBody>
           <a:bodyPr/>
           <a:lstStyle/>
@@ -3718,24 +4213,22 @@
       </p:sp>
       <p:sp>
         <p:nvSpPr>
-          <p:cNvPr id="3" name="Content Placeholder 2"/>
-          <p:cNvSpPr>
-            <a:spLocks noGrp="1"/>
-          </p:cNvSpPr>
-          <p:nvPr>
-            <p:ph sz="half" idx="1"/>
+          <p:cNvPr id="12" name="Content Placeholder 2"/>
+          <p:cNvSpPr>
+            <a:spLocks noGrp="1"/>
+          </p:cNvSpPr>
+          <p:nvPr>
+            <p:ph sz="quarter" idx="13"/>
           </p:nvPr>
         </p:nvSpPr>
         <p:spPr>
           <a:xfrm>
-            <a:off x="685802" y="2142067"/>
-            <a:ext cx="4995334" cy="3649134"/>
+            <a:off x="685800" y="2063396"/>
+            <a:ext cx="5088714" cy="3311189"/>
           </a:xfrm>
         </p:spPr>
         <p:txBody>
-          <a:bodyPr>
-            <a:normAutofit/>
-          </a:bodyPr>
+          <a:bodyPr anchor="t"/>
           <a:lstStyle/>
           <a:p>
             <a:pPr lvl="0"/>
@@ -3777,24 +4270,22 @@
       </p:sp>
       <p:sp>
         <p:nvSpPr>
-          <p:cNvPr id="4" name="Content Placeholder 3"/>
-          <p:cNvSpPr>
-            <a:spLocks noGrp="1"/>
-          </p:cNvSpPr>
-          <p:nvPr>
-            <p:ph sz="half" idx="2"/>
+          <p:cNvPr id="13" name="Content Placeholder 3"/>
+          <p:cNvSpPr>
+            <a:spLocks noGrp="1"/>
+          </p:cNvSpPr>
+          <p:nvPr>
+            <p:ph sz="quarter" idx="14"/>
           </p:nvPr>
         </p:nvSpPr>
         <p:spPr>
           <a:xfrm>
-            <a:off x="5821895" y="2142067"/>
-            <a:ext cx="4995332" cy="3649133"/>
+            <a:off x="5993971" y="2063396"/>
+            <a:ext cx="5086538" cy="3311189"/>
           </a:xfrm>
         </p:spPr>
         <p:txBody>
-          <a:bodyPr>
-            <a:normAutofit/>
-          </a:bodyPr>
+          <a:bodyPr anchor="t"/>
           <a:lstStyle/>
           <a:p>
             <a:pPr lvl="0"/>
@@ -3851,7 +4342,7 @@
           <a:p>
             <a:fld id="{C211B184-D47F-4E51-8576-FD3DF6A93EE9}" type="datetimeFigureOut">
               <a:rPr lang="en-US" smtClean="0"/>
-              <a:t>1/24/2020</a:t>
+              <a:t>1/25/2020</a:t>
             </a:fld>
             <a:endParaRPr lang="en-US"/>
           </a:p>
@@ -3902,7 +4393,7 @@
     </p:spTree>
     <p:extLst>
       <p:ext uri="{BB962C8B-B14F-4D97-AF65-F5344CB8AC3E}">
-        <p14:creationId xmlns:p14="http://schemas.microsoft.com/office/powerpoint/2010/main" val="3109506006"/>
+        <p14:creationId xmlns:p14="http://schemas.microsoft.com/office/powerpoint/2010/main" val="3449482993"/>
       </p:ext>
     </p:extLst>
   </p:cSld>
@@ -3931,45 +4422,46 @@
       </p:grpSpPr>
       <p:sp>
         <p:nvSpPr>
-          <p:cNvPr id="2" name="Title 1"/>
+          <p:cNvPr id="14" name="Title 1"/>
           <p:cNvSpPr>
             <a:spLocks noGrp="1"/>
           </p:cNvSpPr>
           <p:nvPr>
             <p:ph type="title"/>
-          </p:nvPr>
-        </p:nvSpPr>
-        <p:spPr/>
-        <p:txBody>
-          <a:bodyPr/>
-          <a:lstStyle>
-            <a:lvl1pPr>
-              <a:defRPr/>
-            </a:lvl1pPr>
-          </a:lstStyle>
-          <a:p>
-            <a:r>
-              <a:rPr lang="en-US"/>
-              <a:t>Click to edit Master title style</a:t>
-            </a:r>
-            <a:endParaRPr lang="en-US" dirty="0"/>
-          </a:p>
-        </p:txBody>
-      </p:sp>
-      <p:sp>
-        <p:nvSpPr>
-          <p:cNvPr id="3" name="Text Placeholder 2"/>
-          <p:cNvSpPr>
-            <a:spLocks noGrp="1"/>
-          </p:cNvSpPr>
-          <p:nvPr>
-            <p:ph type="body" idx="1"/>
           </p:nvPr>
         </p:nvSpPr>
         <p:spPr>
           <a:xfrm>
-            <a:off x="973670" y="2218267"/>
-            <a:ext cx="4709054" cy="576262"/>
+            <a:off x="685801" y="685800"/>
+            <a:ext cx="10394707" cy="1158140"/>
+          </a:xfrm>
+        </p:spPr>
+        <p:txBody>
+          <a:bodyPr/>
+          <a:lstStyle/>
+          <a:p>
+            <a:r>
+              <a:rPr lang="en-US"/>
+              <a:t>Click to edit Master title style</a:t>
+            </a:r>
+            <a:endParaRPr lang="en-US" dirty="0"/>
+          </a:p>
+        </p:txBody>
+      </p:sp>
+      <p:sp>
+        <p:nvSpPr>
+          <p:cNvPr id="3" name="Text Placeholder 2"/>
+          <p:cNvSpPr>
+            <a:spLocks noGrp="1"/>
+          </p:cNvSpPr>
+          <p:nvPr>
+            <p:ph type="body" idx="1"/>
+          </p:nvPr>
+        </p:nvSpPr>
+        <p:spPr>
+          <a:xfrm>
+            <a:off x="918356" y="2063396"/>
+            <a:ext cx="4856158" cy="679994"/>
           </a:xfrm>
         </p:spPr>
         <p:txBody>
@@ -3978,8 +4470,15 @@
           </a:bodyPr>
           <a:lstStyle>
             <a:lvl1pPr marL="0" indent="0">
-              <a:buNone/>
-              <a:defRPr sz="2800" b="0"/>
+              <a:lnSpc>
+                <a:spcPct val="90000"/>
+              </a:lnSpc>
+              <a:buNone/>
+              <a:defRPr sz="2600" b="0">
+                <a:solidFill>
+                  <a:schemeClr val="accent1"/>
+                </a:solidFill>
+              </a:defRPr>
             </a:lvl1pPr>
             <a:lvl2pPr marL="457200" indent="0">
               <a:buNone/>
@@ -4025,24 +4524,22 @@
       </p:sp>
       <p:sp>
         <p:nvSpPr>
-          <p:cNvPr id="4" name="Content Placeholder 3"/>
-          <p:cNvSpPr>
-            <a:spLocks noGrp="1"/>
-          </p:cNvSpPr>
-          <p:nvPr>
-            <p:ph sz="half" idx="2"/>
+          <p:cNvPr id="12" name="Content Placeholder 3"/>
+          <p:cNvSpPr>
+            <a:spLocks noGrp="1"/>
+          </p:cNvSpPr>
+          <p:nvPr>
+            <p:ph sz="quarter" idx="13"/>
           </p:nvPr>
         </p:nvSpPr>
         <p:spPr>
           <a:xfrm>
-            <a:off x="685801" y="2870201"/>
-            <a:ext cx="4996923" cy="2920998"/>
+            <a:off x="685802" y="2861733"/>
+            <a:ext cx="5088712" cy="2512852"/>
           </a:xfrm>
         </p:spPr>
         <p:txBody>
-          <a:bodyPr anchor="t">
-            <a:normAutofit/>
-          </a:bodyPr>
+          <a:bodyPr anchor="t"/>
           <a:lstStyle/>
           <a:p>
             <a:pPr lvl="0"/>
@@ -4094,8 +4591,8 @@
         </p:nvSpPr>
         <p:spPr>
           <a:xfrm>
-            <a:off x="6096003" y="2226734"/>
-            <a:ext cx="4722813" cy="576262"/>
+            <a:off x="6218191" y="2063396"/>
+            <a:ext cx="4864491" cy="679994"/>
           </a:xfrm>
         </p:spPr>
         <p:txBody>
@@ -4104,8 +4601,15 @@
           </a:bodyPr>
           <a:lstStyle>
             <a:lvl1pPr marL="0" indent="0">
-              <a:buNone/>
-              <a:defRPr sz="2800" b="0"/>
+              <a:lnSpc>
+                <a:spcPct val="90000"/>
+              </a:lnSpc>
+              <a:buNone/>
+              <a:defRPr sz="2600" b="0">
+                <a:solidFill>
+                  <a:schemeClr val="accent1"/>
+                </a:solidFill>
+              </a:defRPr>
             </a:lvl1pPr>
             <a:lvl2pPr marL="457200" indent="0">
               <a:buNone/>
@@ -4151,24 +4655,22 @@
       </p:sp>
       <p:sp>
         <p:nvSpPr>
-          <p:cNvPr id="6" name="Content Placeholder 5"/>
-          <p:cNvSpPr>
-            <a:spLocks noGrp="1"/>
-          </p:cNvSpPr>
-          <p:nvPr>
-            <p:ph sz="quarter" idx="4"/>
+          <p:cNvPr id="13" name="Content Placeholder 5"/>
+          <p:cNvSpPr>
+            <a:spLocks noGrp="1"/>
+          </p:cNvSpPr>
+          <p:nvPr>
+            <p:ph sz="quarter" idx="14"/>
           </p:nvPr>
         </p:nvSpPr>
         <p:spPr>
           <a:xfrm>
-            <a:off x="5823483" y="2870201"/>
-            <a:ext cx="4995334" cy="2920998"/>
+            <a:off x="5993969" y="2861733"/>
+            <a:ext cx="5088713" cy="2512852"/>
           </a:xfrm>
         </p:spPr>
         <p:txBody>
-          <a:bodyPr anchor="t">
-            <a:normAutofit/>
-          </a:bodyPr>
+          <a:bodyPr anchor="t"/>
           <a:lstStyle/>
           <a:p>
             <a:pPr lvl="0"/>
@@ -4225,7 +4727,7 @@
           <a:p>
             <a:fld id="{C211B184-D47F-4E51-8576-FD3DF6A93EE9}" type="datetimeFigureOut">
               <a:rPr lang="en-US" smtClean="0"/>
-              <a:t>1/24/2020</a:t>
+              <a:t>1/25/2020</a:t>
             </a:fld>
             <a:endParaRPr lang="en-US"/>
           </a:p>
@@ -4276,7 +4778,7 @@
     </p:spTree>
     <p:extLst>
       <p:ext uri="{BB962C8B-B14F-4D97-AF65-F5344CB8AC3E}">
-        <p14:creationId xmlns:p14="http://schemas.microsoft.com/office/powerpoint/2010/main" val="1129559044"/>
+        <p14:creationId xmlns:p14="http://schemas.microsoft.com/office/powerpoint/2010/main" val="2144634058"/>
       </p:ext>
     </p:extLst>
   </p:cSld>
@@ -4303,36 +4805,6 @@
           <a:chExt cx="0" cy="0"/>
         </a:xfrm>
       </p:grpSpPr>
-      <p:pic>
-        <p:nvPicPr>
-          <p:cNvPr id="6" name="Picture 5" descr="Celestia-R1---OverlayContentHD.png"/>
-          <p:cNvPicPr>
-            <a:picLocks noChangeAspect="1"/>
-          </p:cNvPicPr>
-          <p:nvPr/>
-        </p:nvPicPr>
-        <p:blipFill>
-          <a:blip r:embed="rId2">
-            <a:extLst>
-              <a:ext uri="{28A0092B-C50C-407E-A947-70E740481C1C}">
-                <a14:useLocalDpi xmlns:a14="http://schemas.microsoft.com/office/drawing/2010/main" val="0"/>
-              </a:ext>
-            </a:extLst>
-          </a:blip>
-          <a:stretch>
-            <a:fillRect/>
-          </a:stretch>
-        </p:blipFill>
-        <p:spPr>
-          <a:xfrm>
-            <a:off x="0" y="0"/>
-            <a:ext cx="12188825" cy="6856214"/>
-          </a:xfrm>
-          <a:prstGeom prst="rect">
-            <a:avLst/>
-          </a:prstGeom>
-        </p:spPr>
-      </p:pic>
       <p:sp>
         <p:nvSpPr>
           <p:cNvPr id="2" name="Title 1"/>
@@ -4373,7 +4845,7 @@
           <a:p>
             <a:fld id="{C211B184-D47F-4E51-8576-FD3DF6A93EE9}" type="datetimeFigureOut">
               <a:rPr lang="en-US" smtClean="0"/>
-              <a:t>1/24/2020</a:t>
+              <a:t>1/25/2020</a:t>
             </a:fld>
             <a:endParaRPr lang="en-US"/>
           </a:p>
@@ -4424,7 +4896,7 @@
     </p:spTree>
     <p:extLst>
       <p:ext uri="{BB962C8B-B14F-4D97-AF65-F5344CB8AC3E}">
-        <p14:creationId xmlns:p14="http://schemas.microsoft.com/office/powerpoint/2010/main" val="879836052"/>
+        <p14:creationId xmlns:p14="http://schemas.microsoft.com/office/powerpoint/2010/main" val="1354156802"/>
       </p:ext>
     </p:extLst>
   </p:cSld>
@@ -4451,36 +4923,6 @@
           <a:chExt cx="0" cy="0"/>
         </a:xfrm>
       </p:grpSpPr>
-      <p:pic>
-        <p:nvPicPr>
-          <p:cNvPr id="5" name="Picture 4" descr="Celestia-R1---OverlayContentHD.png"/>
-          <p:cNvPicPr>
-            <a:picLocks noChangeAspect="1"/>
-          </p:cNvPicPr>
-          <p:nvPr/>
-        </p:nvPicPr>
-        <p:blipFill>
-          <a:blip r:embed="rId2">
-            <a:extLst>
-              <a:ext uri="{28A0092B-C50C-407E-A947-70E740481C1C}">
-                <a14:useLocalDpi xmlns:a14="http://schemas.microsoft.com/office/drawing/2010/main" val="0"/>
-              </a:ext>
-            </a:extLst>
-          </a:blip>
-          <a:stretch>
-            <a:fillRect/>
-          </a:stretch>
-        </p:blipFill>
-        <p:spPr>
-          <a:xfrm>
-            <a:off x="0" y="0"/>
-            <a:ext cx="12188825" cy="6856214"/>
-          </a:xfrm>
-          <a:prstGeom prst="rect">
-            <a:avLst/>
-          </a:prstGeom>
-        </p:spPr>
-      </p:pic>
       <p:sp>
         <p:nvSpPr>
           <p:cNvPr id="2" name="Date Placeholder 1"/>
@@ -4498,7 +4940,7 @@
           <a:p>
             <a:fld id="{C211B184-D47F-4E51-8576-FD3DF6A93EE9}" type="datetimeFigureOut">
               <a:rPr lang="en-US" smtClean="0"/>
-              <a:t>1/24/2020</a:t>
+              <a:t>1/25/2020</a:t>
             </a:fld>
             <a:endParaRPr lang="en-US"/>
           </a:p>
@@ -4549,7 +4991,7 @@
     </p:spTree>
     <p:extLst>
       <p:ext uri="{BB962C8B-B14F-4D97-AF65-F5344CB8AC3E}">
-        <p14:creationId xmlns:p14="http://schemas.microsoft.com/office/powerpoint/2010/main" val="1202741978"/>
+        <p14:creationId xmlns:p14="http://schemas.microsoft.com/office/powerpoint/2010/main" val="3675325487"/>
       </p:ext>
     </p:extLst>
   </p:cSld>
@@ -4576,50 +5018,20 @@
           <a:chExt cx="0" cy="0"/>
         </a:xfrm>
       </p:grpSpPr>
-      <p:pic>
-        <p:nvPicPr>
-          <p:cNvPr id="8" name="Picture 7" descr="Celestia-R1---OverlayContentHD.png"/>
-          <p:cNvPicPr>
-            <a:picLocks noChangeAspect="1"/>
-          </p:cNvPicPr>
-          <p:nvPr/>
-        </p:nvPicPr>
-        <p:blipFill>
-          <a:blip r:embed="rId2">
-            <a:extLst>
-              <a:ext uri="{28A0092B-C50C-407E-A947-70E740481C1C}">
-                <a14:useLocalDpi xmlns:a14="http://schemas.microsoft.com/office/drawing/2010/main" val="0"/>
-              </a:ext>
-            </a:extLst>
-          </a:blip>
-          <a:stretch>
-            <a:fillRect/>
-          </a:stretch>
-        </p:blipFill>
+      <p:sp>
+        <p:nvSpPr>
+          <p:cNvPr id="2" name="Title 1"/>
+          <p:cNvSpPr>
+            <a:spLocks noGrp="1"/>
+          </p:cNvSpPr>
+          <p:nvPr>
+            <p:ph type="title"/>
+          </p:nvPr>
+        </p:nvSpPr>
         <p:spPr>
           <a:xfrm>
-            <a:off x="0" y="0"/>
-            <a:ext cx="12188825" cy="6856214"/>
-          </a:xfrm>
-          <a:prstGeom prst="rect">
-            <a:avLst/>
-          </a:prstGeom>
-        </p:spPr>
-      </p:pic>
-      <p:sp>
-        <p:nvSpPr>
-          <p:cNvPr id="2" name="Title 1"/>
-          <p:cNvSpPr>
-            <a:spLocks noGrp="1"/>
-          </p:cNvSpPr>
-          <p:nvPr>
-            <p:ph type="title"/>
-          </p:nvPr>
-        </p:nvSpPr>
-        <p:spPr>
-          <a:xfrm>
-            <a:off x="685800" y="2074333"/>
-            <a:ext cx="3680885" cy="1371600"/>
+            <a:off x="693643" y="685800"/>
+            <a:ext cx="4126860" cy="2023252"/>
           </a:xfrm>
         </p:spPr>
         <p:txBody>
@@ -4627,8 +5039,8 @@
             <a:normAutofit/>
           </a:bodyPr>
           <a:lstStyle>
-            <a:lvl1pPr algn="l">
-              <a:defRPr sz="2400" b="0"/>
+            <a:lvl1pPr algn="ctr">
+              <a:defRPr sz="3600"/>
             </a:lvl1pPr>
           </a:lstStyle>
           <a:p>
@@ -4642,24 +5054,22 @@
       </p:sp>
       <p:sp>
         <p:nvSpPr>
-          <p:cNvPr id="3" name="Content Placeholder 2"/>
-          <p:cNvSpPr>
-            <a:spLocks noGrp="1"/>
-          </p:cNvSpPr>
-          <p:nvPr>
-            <p:ph idx="1"/>
+          <p:cNvPr id="10" name="Content Placeholder 2"/>
+          <p:cNvSpPr>
+            <a:spLocks noGrp="1"/>
+          </p:cNvSpPr>
+          <p:nvPr>
+            <p:ph sz="quarter" idx="13"/>
           </p:nvPr>
         </p:nvSpPr>
         <p:spPr>
           <a:xfrm>
-            <a:off x="4648201" y="609601"/>
-            <a:ext cx="6169026" cy="5181600"/>
+            <a:off x="5046132" y="685800"/>
+            <a:ext cx="6034375" cy="4688785"/>
           </a:xfrm>
         </p:spPr>
         <p:txBody>
-          <a:bodyPr anchor="ctr">
-            <a:normAutofit/>
-          </a:bodyPr>
+          <a:bodyPr/>
           <a:lstStyle/>
           <a:p>
             <a:pPr lvl="0"/>
@@ -4711,8 +5121,8 @@
         </p:nvSpPr>
         <p:spPr>
           <a:xfrm>
-            <a:off x="685800" y="3445933"/>
-            <a:ext cx="3680885" cy="1828800"/>
+            <a:off x="693642" y="2709052"/>
+            <a:ext cx="4126861" cy="2665533"/>
           </a:xfrm>
         </p:spPr>
         <p:txBody>
@@ -4720,41 +5130,41 @@
             <a:normAutofit/>
           </a:bodyPr>
           <a:lstStyle>
-            <a:lvl1pPr marL="0" indent="0">
-              <a:buNone/>
-              <a:defRPr sz="1600"/>
+            <a:lvl1pPr marL="0" indent="0" algn="ctr">
+              <a:buNone/>
+              <a:defRPr sz="1800"/>
             </a:lvl1pPr>
             <a:lvl2pPr marL="457200" indent="0">
               <a:buNone/>
-              <a:defRPr sz="1200"/>
+              <a:defRPr sz="1400"/>
             </a:lvl2pPr>
             <a:lvl3pPr marL="914400" indent="0">
               <a:buNone/>
-              <a:defRPr sz="1000"/>
+              <a:defRPr sz="1200"/>
             </a:lvl3pPr>
             <a:lvl4pPr marL="1371600" indent="0">
               <a:buNone/>
-              <a:defRPr sz="900"/>
+              <a:defRPr sz="1000"/>
             </a:lvl4pPr>
             <a:lvl5pPr marL="1828800" indent="0">
               <a:buNone/>
-              <a:defRPr sz="900"/>
+              <a:defRPr sz="1000"/>
             </a:lvl5pPr>
             <a:lvl6pPr marL="2286000" indent="0">
               <a:buNone/>
-              <a:defRPr sz="900"/>
+              <a:defRPr sz="1000"/>
             </a:lvl6pPr>
             <a:lvl7pPr marL="2743200" indent="0">
               <a:buNone/>
-              <a:defRPr sz="900"/>
+              <a:defRPr sz="1000"/>
             </a:lvl7pPr>
             <a:lvl8pPr marL="3200400" indent="0">
               <a:buNone/>
-              <a:defRPr sz="900"/>
+              <a:defRPr sz="1000"/>
             </a:lvl8pPr>
             <a:lvl9pPr marL="3657600" indent="0">
               <a:buNone/>
-              <a:defRPr sz="900"/>
+              <a:defRPr sz="1000"/>
             </a:lvl9pPr>
           </a:lstStyle>
           <a:p>
@@ -4783,7 +5193,7 @@
           <a:p>
             <a:fld id="{C211B184-D47F-4E51-8576-FD3DF6A93EE9}" type="datetimeFigureOut">
               <a:rPr lang="en-US" smtClean="0"/>
-              <a:t>1/24/2020</a:t>
+              <a:t>1/25/2020</a:t>
             </a:fld>
             <a:endParaRPr lang="en-US"/>
           </a:p>
@@ -4834,7 +5244,7 @@
     </p:spTree>
     <p:extLst>
       <p:ext uri="{BB962C8B-B14F-4D97-AF65-F5344CB8AC3E}">
-        <p14:creationId xmlns:p14="http://schemas.microsoft.com/office/powerpoint/2010/main" val="116529110"/>
+        <p14:creationId xmlns:p14="http://schemas.microsoft.com/office/powerpoint/2010/main" val="1106789027"/>
       </p:ext>
     </p:extLst>
   </p:cSld>
@@ -4861,50 +5271,20 @@
           <a:chExt cx="0" cy="0"/>
         </a:xfrm>
       </p:grpSpPr>
-      <p:pic>
-        <p:nvPicPr>
-          <p:cNvPr id="8" name="Picture 7" descr="Celestia-R1---OverlayContentHD.png"/>
-          <p:cNvPicPr>
-            <a:picLocks noChangeAspect="1"/>
-          </p:cNvPicPr>
-          <p:nvPr/>
-        </p:nvPicPr>
-        <p:blipFill>
-          <a:blip r:embed="rId2">
-            <a:extLst>
-              <a:ext uri="{28A0092B-C50C-407E-A947-70E740481C1C}">
-                <a14:useLocalDpi xmlns:a14="http://schemas.microsoft.com/office/drawing/2010/main" val="0"/>
-              </a:ext>
-            </a:extLst>
-          </a:blip>
-          <a:stretch>
-            <a:fillRect/>
-          </a:stretch>
-        </p:blipFill>
+      <p:sp>
+        <p:nvSpPr>
+          <p:cNvPr id="2" name="Title 1"/>
+          <p:cNvSpPr>
+            <a:spLocks noGrp="1"/>
+          </p:cNvSpPr>
+          <p:nvPr>
+            <p:ph type="title"/>
+          </p:nvPr>
+        </p:nvSpPr>
         <p:spPr>
           <a:xfrm>
-            <a:off x="0" y="0"/>
-            <a:ext cx="12188825" cy="6856214"/>
-          </a:xfrm>
-          <a:prstGeom prst="rect">
-            <a:avLst/>
-          </a:prstGeom>
-        </p:spPr>
-      </p:pic>
-      <p:sp>
-        <p:nvSpPr>
-          <p:cNvPr id="2" name="Title 1"/>
-          <p:cNvSpPr>
-            <a:spLocks noGrp="1"/>
-          </p:cNvSpPr>
-          <p:nvPr>
-            <p:ph type="title"/>
-          </p:nvPr>
-        </p:nvSpPr>
-        <p:spPr>
-          <a:xfrm>
-            <a:off x="685800" y="1600200"/>
-            <a:ext cx="6164653" cy="1371600"/>
+            <a:off x="685800" y="685800"/>
+            <a:ext cx="6345302" cy="2023252"/>
           </a:xfrm>
         </p:spPr>
         <p:txBody>
@@ -4912,8 +5292,8 @@
             <a:normAutofit/>
           </a:bodyPr>
           <a:lstStyle>
-            <a:lvl1pPr algn="l">
-              <a:defRPr sz="2800" b="0"/>
+            <a:lvl1pPr algn="ctr">
+              <a:defRPr sz="3600"/>
             </a:lvl1pPr>
           </a:lstStyle>
           <a:p>
@@ -4927,7 +5307,7 @@
       </p:sp>
       <p:sp>
         <p:nvSpPr>
-          <p:cNvPr id="14" name="Picture Placeholder 2"/>
+          <p:cNvPr id="3" name="Picture Placeholder 2"/>
           <p:cNvSpPr>
             <a:spLocks noGrp="1" noChangeAspect="1"/>
           </p:cNvSpPr>
@@ -4937,40 +5317,82 @@
         </p:nvSpPr>
         <p:spPr>
           <a:xfrm>
-            <a:off x="7536253" y="914400"/>
-            <a:ext cx="3280974" cy="4572000"/>
+            <a:off x="7482362" y="0"/>
+            <a:ext cx="3598146" cy="5071533"/>
           </a:xfrm>
-          <a:prstGeom prst="roundRect">
-            <a:avLst>
-              <a:gd name="adj" fmla="val 4280"/>
-            </a:avLst>
-          </a:prstGeom>
-          <a:ln w="50800" cap="sq" cmpd="dbl">
-            <a:gradFill flip="none" rotWithShape="1">
-              <a:gsLst>
-                <a:gs pos="0">
-                  <a:srgbClr val="FFFFFF"/>
-                </a:gs>
-                <a:gs pos="100000">
-                  <a:schemeClr val="tx1">
-                    <a:alpha val="0"/>
-                  </a:schemeClr>
-                </a:gs>
-              </a:gsLst>
-              <a:path path="circle">
-                <a:fillToRect l="50000" t="50000" r="50000" b="50000"/>
-              </a:path>
-              <a:tileRect/>
-            </a:gradFill>
+          <a:ln w="57150" cmpd="thinThick">
+            <a:solidFill>
+              <a:schemeClr val="bg1">
+                <a:lumMod val="50000"/>
+              </a:schemeClr>
+            </a:solidFill>
             <a:miter lim="800000"/>
           </a:ln>
-          <a:effectLst>
-            <a:outerShdw blurRad="254000" algn="tl" rotWithShape="0">
-              <a:srgbClr val="000000">
-                <a:alpha val="43000"/>
-              </a:srgbClr>
-            </a:outerShdw>
-          </a:effectLst>
+        </p:spPr>
+        <p:txBody>
+          <a:bodyPr anchor="t"/>
+          <a:lstStyle>
+            <a:lvl1pPr marL="0" indent="0" algn="ctr">
+              <a:buNone/>
+              <a:defRPr sz="3200"/>
+            </a:lvl1pPr>
+            <a:lvl2pPr marL="457200" indent="0">
+              <a:buNone/>
+              <a:defRPr sz="2800"/>
+            </a:lvl2pPr>
+            <a:lvl3pPr marL="914400" indent="0">
+              <a:buNone/>
+              <a:defRPr sz="2400"/>
+            </a:lvl3pPr>
+            <a:lvl4pPr marL="1371600" indent="0">
+              <a:buNone/>
+              <a:defRPr sz="2000"/>
+            </a:lvl4pPr>
+            <a:lvl5pPr marL="1828800" indent="0">
+              <a:buNone/>
+              <a:defRPr sz="2000"/>
+            </a:lvl5pPr>
+            <a:lvl6pPr marL="2286000" indent="0">
+              <a:buNone/>
+              <a:defRPr sz="2000"/>
+            </a:lvl6pPr>
+            <a:lvl7pPr marL="2743200" indent="0">
+              <a:buNone/>
+              <a:defRPr sz="2000"/>
+            </a:lvl7pPr>
+            <a:lvl8pPr marL="3200400" indent="0">
+              <a:buNone/>
+              <a:defRPr sz="2000"/>
+            </a:lvl8pPr>
+            <a:lvl9pPr marL="3657600" indent="0">
+              <a:buNone/>
+              <a:defRPr sz="2000"/>
+            </a:lvl9pPr>
+          </a:lstStyle>
+          <a:p>
+            <a:r>
+              <a:rPr lang="en-US"/>
+              <a:t>Click icon to add picture</a:t>
+            </a:r>
+            <a:endParaRPr lang="en-US" dirty="0"/>
+          </a:p>
+        </p:txBody>
+      </p:sp>
+      <p:sp>
+        <p:nvSpPr>
+          <p:cNvPr id="4" name="Text Placeholder 3"/>
+          <p:cNvSpPr>
+            <a:spLocks noGrp="1"/>
+          </p:cNvSpPr>
+          <p:nvPr>
+            <p:ph type="body" sz="half" idx="2"/>
+          </p:nvPr>
+        </p:nvSpPr>
+        <p:spPr>
+          <a:xfrm>
+            <a:off x="685801" y="2709052"/>
+            <a:ext cx="6345301" cy="2362481"/>
+          </a:xfrm>
         </p:spPr>
         <p:txBody>
           <a:bodyPr anchor="t">
@@ -4979,106 +5401,39 @@
           <a:lstStyle>
             <a:lvl1pPr marL="0" indent="0" algn="ctr">
               <a:buNone/>
-              <a:defRPr sz="1600"/>
-            </a:lvl1pPr>
-            <a:lvl2pPr marL="457200" indent="0">
-              <a:buNone/>
-              <a:defRPr sz="1600"/>
-            </a:lvl2pPr>
-            <a:lvl3pPr marL="914400" indent="0">
-              <a:buNone/>
-              <a:defRPr sz="1600"/>
-            </a:lvl3pPr>
-            <a:lvl4pPr marL="1371600" indent="0">
-              <a:buNone/>
-              <a:defRPr sz="1600"/>
-            </a:lvl4pPr>
-            <a:lvl5pPr marL="1828800" indent="0">
-              <a:buNone/>
-              <a:defRPr sz="1600"/>
-            </a:lvl5pPr>
-            <a:lvl6pPr marL="2286000" indent="0">
-              <a:buNone/>
-              <a:defRPr sz="1600"/>
-            </a:lvl6pPr>
-            <a:lvl7pPr marL="2743200" indent="0">
-              <a:buNone/>
-              <a:defRPr sz="1600"/>
-            </a:lvl7pPr>
-            <a:lvl8pPr marL="3200400" indent="0">
-              <a:buNone/>
-              <a:defRPr sz="1600"/>
-            </a:lvl8pPr>
-            <a:lvl9pPr marL="3657600" indent="0">
-              <a:buNone/>
-              <a:defRPr sz="1600"/>
-            </a:lvl9pPr>
-          </a:lstStyle>
-          <a:p>
-            <a:r>
-              <a:rPr lang="en-US"/>
-              <a:t>Click icon to add picture</a:t>
-            </a:r>
-            <a:endParaRPr lang="en-US" dirty="0"/>
-          </a:p>
-        </p:txBody>
-      </p:sp>
-      <p:sp>
-        <p:nvSpPr>
-          <p:cNvPr id="4" name="Text Placeholder 3"/>
-          <p:cNvSpPr>
-            <a:spLocks noGrp="1"/>
-          </p:cNvSpPr>
-          <p:nvPr>
-            <p:ph type="body" sz="half" idx="2"/>
-          </p:nvPr>
-        </p:nvSpPr>
-        <p:spPr>
-          <a:xfrm>
-            <a:off x="685800" y="2971800"/>
-            <a:ext cx="6164653" cy="1828800"/>
-          </a:xfrm>
-        </p:spPr>
-        <p:txBody>
-          <a:bodyPr anchor="t">
-            <a:normAutofit/>
-          </a:bodyPr>
-          <a:lstStyle>
-            <a:lvl1pPr marL="0" indent="0">
-              <a:buNone/>
               <a:defRPr sz="1800"/>
             </a:lvl1pPr>
             <a:lvl2pPr marL="457200" indent="0">
               <a:buNone/>
-              <a:defRPr sz="1200"/>
+              <a:defRPr sz="1400"/>
             </a:lvl2pPr>
             <a:lvl3pPr marL="914400" indent="0">
               <a:buNone/>
-              <a:defRPr sz="1000"/>
+              <a:defRPr sz="1200"/>
             </a:lvl3pPr>
             <a:lvl4pPr marL="1371600" indent="0">
               <a:buNone/>
-              <a:defRPr sz="900"/>
+              <a:defRPr sz="1000"/>
             </a:lvl4pPr>
             <a:lvl5pPr marL="1828800" indent="0">
               <a:buNone/>
-              <a:defRPr sz="900"/>
+              <a:defRPr sz="1000"/>
             </a:lvl5pPr>
             <a:lvl6pPr marL="2286000" indent="0">
               <a:buNone/>
-              <a:defRPr sz="900"/>
+              <a:defRPr sz="1000"/>
             </a:lvl6pPr>
             <a:lvl7pPr marL="2743200" indent="0">
               <a:buNone/>
-              <a:defRPr sz="900"/>
+              <a:defRPr sz="1000"/>
             </a:lvl7pPr>
             <a:lvl8pPr marL="3200400" indent="0">
               <a:buNone/>
-              <a:defRPr sz="900"/>
+              <a:defRPr sz="1000"/>
             </a:lvl8pPr>
             <a:lvl9pPr marL="3657600" indent="0">
               <a:buNone/>
-              <a:defRPr sz="900"/>
+              <a:defRPr sz="1000"/>
             </a:lvl9pPr>
           </a:lstStyle>
           <a:p>
@@ -5107,7 +5462,7 @@
           <a:p>
             <a:fld id="{C211B184-D47F-4E51-8576-FD3DF6A93EE9}" type="datetimeFigureOut">
               <a:rPr lang="en-US" smtClean="0"/>
-              <a:t>1/24/2020</a:t>
+              <a:t>1/25/2020</a:t>
             </a:fld>
             <a:endParaRPr lang="en-US"/>
           </a:p>
@@ -5128,7 +5483,7 @@
           <a:bodyPr/>
           <a:lstStyle/>
           <a:p>
-            <a:endParaRPr lang="en-US"/>
+            <a:endParaRPr lang="en-US" dirty="0"/>
           </a:p>
         </p:txBody>
       </p:sp>
@@ -5158,7 +5513,7 @@
     </p:spTree>
     <p:extLst>
       <p:ext uri="{BB962C8B-B14F-4D97-AF65-F5344CB8AC3E}">
-        <p14:creationId xmlns:p14="http://schemas.microsoft.com/office/powerpoint/2010/main" val="1512276130"/>
+        <p14:creationId xmlns:p14="http://schemas.microsoft.com/office/powerpoint/2010/main" val="276047432"/>
       </p:ext>
     </p:extLst>
   </p:cSld>
@@ -5173,7 +5528,7 @@
   <p:cSld>
     <p:bg>
       <p:bgRef idx="1003">
-        <a:schemeClr val="bg2"/>
+        <a:schemeClr val="bg1"/>
       </p:bgRef>
     </p:bg>
     <p:spTree>
@@ -5190,194 +5545,305 @@
           <a:chExt cx="0" cy="0"/>
         </a:xfrm>
       </p:grpSpPr>
-      <p:sp>
-        <p:nvSpPr>
-          <p:cNvPr id="2" name="Title Placeholder 1"/>
-          <p:cNvSpPr>
-            <a:spLocks noGrp="1"/>
-          </p:cNvSpPr>
-          <p:nvPr>
-            <p:ph type="title"/>
-          </p:nvPr>
-        </p:nvSpPr>
+      <p:pic>
+        <p:nvPicPr>
+          <p:cNvPr id="7" name="Picture 6" descr="Brickwork-HD-R1a.jpg"/>
+          <p:cNvPicPr>
+            <a:picLocks noChangeAspect="1"/>
+          </p:cNvPicPr>
+          <p:nvPr/>
+        </p:nvPicPr>
+        <p:blipFill>
+          <a:blip r:embed="rId20">
+            <a:extLst>
+              <a:ext uri="{28A0092B-C50C-407E-A947-70E740481C1C}">
+                <a14:useLocalDpi xmlns:a14="http://schemas.microsoft.com/office/drawing/2010/main" val="0"/>
+              </a:ext>
+            </a:extLst>
+          </a:blip>
+          <a:stretch>
+            <a:fillRect/>
+          </a:stretch>
+        </p:blipFill>
         <p:spPr>
           <a:xfrm>
-            <a:off x="685801" y="609600"/>
-            <a:ext cx="10131425" cy="1456267"/>
-          </a:xfrm>
-          <a:prstGeom prst="rect">
-            <a:avLst/>
-          </a:prstGeom>
-          <a:effectLst/>
-        </p:spPr>
-        <p:txBody>
-          <a:bodyPr vert="horz" lIns="91440" tIns="45720" rIns="91440" bIns="45720" rtlCol="0" anchor="ctr">
-            <a:normAutofit/>
-          </a:bodyPr>
-          <a:lstStyle/>
-          <a:p>
-            <a:r>
-              <a:rPr lang="en-US"/>
-              <a:t>Click to edit Master title style</a:t>
-            </a:r>
-            <a:endParaRPr lang="en-US" dirty="0"/>
-          </a:p>
-        </p:txBody>
-      </p:sp>
-      <p:sp>
-        <p:nvSpPr>
-          <p:cNvPr id="3" name="Text Placeholder 2"/>
-          <p:cNvSpPr>
-            <a:spLocks noGrp="1"/>
-          </p:cNvSpPr>
-          <p:nvPr>
-            <p:ph type="body" idx="1"/>
-          </p:nvPr>
-        </p:nvSpPr>
-        <p:spPr>
-          <a:xfrm>
-            <a:off x="685801" y="2142067"/>
-            <a:ext cx="10131425" cy="3649133"/>
+            <a:off x="0" y="0"/>
+            <a:ext cx="12192000" cy="6858000"/>
           </a:xfrm>
           <a:prstGeom prst="rect">
             <a:avLst/>
           </a:prstGeom>
         </p:spPr>
-        <p:txBody>
-          <a:bodyPr vert="horz" lIns="91440" tIns="45720" rIns="91440" bIns="45720" rtlCol="0" anchor="ctr">
-            <a:normAutofit/>
-          </a:bodyPr>
-          <a:lstStyle/>
-          <a:p>
-            <a:pPr lvl="0"/>
-            <a:r>
-              <a:rPr lang="en-US"/>
-              <a:t>Click to edit Master text styles</a:t>
-            </a:r>
-          </a:p>
-          <a:p>
-            <a:pPr lvl="1"/>
-            <a:r>
-              <a:rPr lang="en-US"/>
-              <a:t>Second level</a:t>
-            </a:r>
-          </a:p>
-          <a:p>
-            <a:pPr lvl="2"/>
-            <a:r>
-              <a:rPr lang="en-US"/>
-              <a:t>Third level</a:t>
-            </a:r>
-          </a:p>
-          <a:p>
-            <a:pPr lvl="3"/>
-            <a:r>
-              <a:rPr lang="en-US"/>
-              <a:t>Fourth level</a:t>
-            </a:r>
-          </a:p>
-          <a:p>
-            <a:pPr lvl="4"/>
-            <a:r>
-              <a:rPr lang="en-US"/>
-              <a:t>Fifth level</a:t>
-            </a:r>
-            <a:endParaRPr lang="en-US" dirty="0"/>
-          </a:p>
-        </p:txBody>
-      </p:sp>
-      <p:sp>
-        <p:nvSpPr>
-          <p:cNvPr id="4" name="Date Placeholder 3"/>
-          <p:cNvSpPr>
-            <a:spLocks noGrp="1"/>
-          </p:cNvSpPr>
-          <p:nvPr>
-            <p:ph type="dt" sz="half" idx="2"/>
+      </p:pic>
+      <p:grpSp>
+        <p:nvGrpSpPr>
+          <p:cNvPr id="10" name="Group 9"/>
+          <p:cNvGrpSpPr/>
+          <p:nvPr/>
+        </p:nvGrpSpPr>
+        <p:grpSpPr>
+          <a:xfrm>
+            <a:off x="-25397" y="0"/>
+            <a:ext cx="12005350" cy="6644081"/>
+            <a:chOff x="-25397" y="0"/>
+            <a:chExt cx="12005350" cy="6644081"/>
+          </a:xfrm>
+        </p:grpSpPr>
+        <p:sp useBgFill="1">
+          <p:nvSpPr>
+            <p:cNvPr id="11" name="Rectangle 10"/>
+            <p:cNvSpPr/>
+            <p:nvPr/>
+          </p:nvSpPr>
+          <p:spPr>
+            <a:xfrm>
+              <a:off x="1" y="0"/>
+              <a:ext cx="11979952" cy="6644081"/>
+            </a:xfrm>
+            <a:prstGeom prst="rect">
+              <a:avLst/>
+            </a:prstGeom>
+            <a:ln>
+              <a:noFill/>
+            </a:ln>
+            <a:effectLst>
+              <a:outerShdw blurRad="98425" dist="76200" dir="4380000" algn="tl" rotWithShape="0">
+                <a:srgbClr val="000000">
+                  <a:alpha val="68000"/>
+                </a:srgbClr>
+              </a:outerShdw>
+            </a:effectLst>
+          </p:spPr>
+          <p:style>
+            <a:lnRef idx="1">
+              <a:schemeClr val="accent1"/>
+            </a:lnRef>
+            <a:fillRef idx="3">
+              <a:schemeClr val="accent1"/>
+            </a:fillRef>
+            <a:effectRef idx="2">
+              <a:schemeClr val="accent1"/>
+            </a:effectRef>
+            <a:fontRef idx="minor">
+              <a:schemeClr val="lt1"/>
+            </a:fontRef>
+          </p:style>
+        </p:sp>
+        <p:sp>
+          <p:nvSpPr>
+            <p:cNvPr id="12" name="Freeform 11"/>
+            <p:cNvSpPr/>
+            <p:nvPr/>
+          </p:nvSpPr>
+          <p:spPr>
+            <a:xfrm>
+              <a:off x="-25397" y="0"/>
+              <a:ext cx="11773291" cy="6419514"/>
+            </a:xfrm>
+            <a:custGeom>
+              <a:avLst/>
+              <a:gdLst/>
+              <a:ahLst/>
+              <a:cxnLst/>
+              <a:rect l="l" t="t" r="r" b="b"/>
+              <a:pathLst>
+                <a:path w="11773291" h="6419514">
+                  <a:moveTo>
+                    <a:pt x="11750059" y="0"/>
+                  </a:moveTo>
+                  <a:lnTo>
+                    <a:pt x="11773291" y="6419514"/>
+                  </a:lnTo>
+                  <a:lnTo>
+                    <a:pt x="0" y="6411047"/>
+                  </a:lnTo>
+                </a:path>
+              </a:pathLst>
+            </a:custGeom>
+            <a:ln w="82550">
+              <a:solidFill>
+                <a:schemeClr val="tx1">
+                  <a:lumMod val="50000"/>
+                  <a:lumOff val="50000"/>
+                </a:schemeClr>
+              </a:solidFill>
+              <a:miter lim="800000"/>
+            </a:ln>
+          </p:spPr>
+          <p:style>
+            <a:lnRef idx="2">
+              <a:schemeClr val="accent1"/>
+            </a:lnRef>
+            <a:fillRef idx="0">
+              <a:schemeClr val="accent1"/>
+            </a:fillRef>
+            <a:effectRef idx="1">
+              <a:schemeClr val="accent1"/>
+            </a:effectRef>
+            <a:fontRef idx="minor">
+              <a:schemeClr val="tx1"/>
+            </a:fontRef>
+          </p:style>
+        </p:sp>
+        <p:sp>
+          <p:nvSpPr>
+            <p:cNvPr id="13" name="Rectangle 12"/>
+            <p:cNvSpPr/>
+            <p:nvPr/>
+          </p:nvSpPr>
+          <p:spPr>
+            <a:xfrm>
+              <a:off x="1" y="5600215"/>
+              <a:ext cx="11706512" cy="780581"/>
+            </a:xfrm>
+            <a:prstGeom prst="rect">
+              <a:avLst/>
+            </a:prstGeom>
+            <a:gradFill flip="none" rotWithShape="1">
+              <a:gsLst>
+                <a:gs pos="34000">
+                  <a:schemeClr val="accent1"/>
+                </a:gs>
+                <a:gs pos="100000">
+                  <a:schemeClr val="accent1">
+                    <a:lumMod val="50000"/>
+                  </a:schemeClr>
+                </a:gs>
+              </a:gsLst>
+              <a:path path="circle">
+                <a:fillToRect l="50000" t="50000" r="50000" b="50000"/>
+              </a:path>
+              <a:tileRect/>
+            </a:gradFill>
+            <a:ln>
+              <a:noFill/>
+            </a:ln>
+          </p:spPr>
+          <p:style>
+            <a:lnRef idx="1">
+              <a:schemeClr val="accent1"/>
+            </a:lnRef>
+            <a:fillRef idx="3">
+              <a:schemeClr val="accent1"/>
+            </a:fillRef>
+            <a:effectRef idx="2">
+              <a:schemeClr val="accent1"/>
+            </a:effectRef>
+            <a:fontRef idx="minor">
+              <a:schemeClr val="lt1"/>
+            </a:fontRef>
+          </p:style>
+        </p:sp>
+      </p:grpSp>
+      <p:sp>
+        <p:nvSpPr>
+          <p:cNvPr id="2" name="Title Placeholder 1"/>
+          <p:cNvSpPr>
+            <a:spLocks noGrp="1"/>
+          </p:cNvSpPr>
+          <p:nvPr>
+            <p:ph type="title"/>
           </p:nvPr>
         </p:nvSpPr>
         <p:spPr>
           <a:xfrm>
-            <a:off x="8589660" y="5870575"/>
-            <a:ext cx="1600200" cy="377825"/>
+            <a:off x="685801" y="685800"/>
+            <a:ext cx="10396882" cy="1151965"/>
           </a:xfrm>
           <a:prstGeom prst="rect">
             <a:avLst/>
           </a:prstGeom>
         </p:spPr>
         <p:txBody>
-          <a:bodyPr vert="horz" lIns="91440" tIns="45720" rIns="91440" bIns="45720" rtlCol="0" anchor="ctr"/>
-          <a:lstStyle>
-            <a:lvl1pPr algn="r">
-              <a:defRPr sz="1000" b="0" i="0">
-                <a:solidFill>
-                  <a:schemeClr val="tx1"/>
-                </a:solidFill>
-                <a:effectLst/>
-                <a:latin typeface="+mn-lt"/>
-              </a:defRPr>
-            </a:lvl1pPr>
-          </a:lstStyle>
-          <a:p>
-            <a:fld id="{C211B184-D47F-4E51-8576-FD3DF6A93EE9}" type="datetimeFigureOut">
-              <a:rPr lang="en-US" smtClean="0"/>
-              <a:t>1/24/2020</a:t>
-            </a:fld>
-            <a:endParaRPr lang="en-US"/>
-          </a:p>
-        </p:txBody>
-      </p:sp>
-      <p:sp>
-        <p:nvSpPr>
-          <p:cNvPr id="5" name="Footer Placeholder 4"/>
-          <p:cNvSpPr>
-            <a:spLocks noGrp="1"/>
-          </p:cNvSpPr>
-          <p:nvPr>
-            <p:ph type="ftr" sz="quarter" idx="3"/>
+          <a:bodyPr vert="horz" lIns="91440" tIns="45720" rIns="91440" bIns="45720" rtlCol="0" anchor="ctr">
+            <a:normAutofit/>
+          </a:bodyPr>
+          <a:lstStyle/>
+          <a:p>
+            <a:r>
+              <a:rPr lang="en-US"/>
+              <a:t>Click to edit Master title style</a:t>
+            </a:r>
+            <a:endParaRPr lang="en-US" dirty="0"/>
+          </a:p>
+        </p:txBody>
+      </p:sp>
+      <p:sp>
+        <p:nvSpPr>
+          <p:cNvPr id="3" name="Text Placeholder 2"/>
+          <p:cNvSpPr>
+            <a:spLocks noGrp="1"/>
+          </p:cNvSpPr>
+          <p:nvPr>
+            <p:ph type="body" idx="1"/>
           </p:nvPr>
         </p:nvSpPr>
         <p:spPr>
           <a:xfrm>
-            <a:off x="685800" y="5870575"/>
-            <a:ext cx="7827659" cy="377825"/>
+            <a:off x="685800" y="2063396"/>
+            <a:ext cx="10396883" cy="3311189"/>
           </a:xfrm>
           <a:prstGeom prst="rect">
             <a:avLst/>
           </a:prstGeom>
         </p:spPr>
         <p:txBody>
-          <a:bodyPr vert="horz" lIns="91440" tIns="45720" rIns="91440" bIns="45720" rtlCol="0" anchor="ctr"/>
-          <a:lstStyle>
-            <a:lvl1pPr algn="l">
-              <a:defRPr sz="1000" b="0" i="0">
-                <a:solidFill>
-                  <a:schemeClr val="tx1"/>
-                </a:solidFill>
-                <a:effectLst/>
-                <a:latin typeface="+mn-lt"/>
-              </a:defRPr>
-            </a:lvl1pPr>
-          </a:lstStyle>
-          <a:p>
-            <a:endParaRPr lang="en-US"/>
-          </a:p>
-        </p:txBody>
-      </p:sp>
-      <p:sp>
-        <p:nvSpPr>
-          <p:cNvPr id="6" name="Slide Number Placeholder 5"/>
-          <p:cNvSpPr>
-            <a:spLocks noGrp="1"/>
-          </p:cNvSpPr>
-          <p:nvPr>
-            <p:ph type="sldNum" sz="quarter" idx="4"/>
+          <a:bodyPr vert="horz" lIns="91440" tIns="45720" rIns="91440" bIns="45720" rtlCol="0" anchor="ctr">
+            <a:normAutofit/>
+          </a:bodyPr>
+          <a:lstStyle/>
+          <a:p>
+            <a:pPr lvl="0"/>
+            <a:r>
+              <a:rPr lang="en-US"/>
+              <a:t>Click to edit Master text styles</a:t>
+            </a:r>
+          </a:p>
+          <a:p>
+            <a:pPr lvl="1"/>
+            <a:r>
+              <a:rPr lang="en-US"/>
+              <a:t>Second level</a:t>
+            </a:r>
+          </a:p>
+          <a:p>
+            <a:pPr lvl="2"/>
+            <a:r>
+              <a:rPr lang="en-US"/>
+              <a:t>Third level</a:t>
+            </a:r>
+          </a:p>
+          <a:p>
+            <a:pPr lvl="3"/>
+            <a:r>
+              <a:rPr lang="en-US"/>
+              <a:t>Fourth level</a:t>
+            </a:r>
+          </a:p>
+          <a:p>
+            <a:pPr lvl="4"/>
+            <a:r>
+              <a:rPr lang="en-US"/>
+              <a:t>Fifth level</a:t>
+            </a:r>
+            <a:endParaRPr lang="en-US" dirty="0"/>
+          </a:p>
+        </p:txBody>
+      </p:sp>
+      <p:sp>
+        <p:nvSpPr>
+          <p:cNvPr id="4" name="Date Placeholder 3"/>
+          <p:cNvSpPr>
+            <a:spLocks noGrp="1"/>
+          </p:cNvSpPr>
+          <p:nvPr>
+            <p:ph type="dt" sz="half" idx="2"/>
           </p:nvPr>
         </p:nvSpPr>
         <p:spPr>
           <a:xfrm>
-            <a:off x="10266060" y="5870575"/>
-            <a:ext cx="551167" cy="377825"/>
+            <a:off x="7298083" y="5757334"/>
+            <a:ext cx="3784600" cy="498470"/>
           </a:xfrm>
           <a:prstGeom prst="rect">
             <a:avLst/>
@@ -5387,12 +5853,90 @@
           <a:bodyPr vert="horz" lIns="91440" tIns="45720" rIns="91440" bIns="45720" rtlCol="0" anchor="ctr"/>
           <a:lstStyle>
             <a:lvl1pPr algn="r">
-              <a:defRPr sz="1000" b="0" i="0">
+              <a:defRPr sz="3200" cap="all" baseline="0">
                 <a:solidFill>
-                  <a:schemeClr val="tx1"/>
+                  <a:schemeClr val="accent1">
+                    <a:lumMod val="50000"/>
+                  </a:schemeClr>
                 </a:solidFill>
-                <a:effectLst/>
-                <a:latin typeface="+mn-lt"/>
+              </a:defRPr>
+            </a:lvl1pPr>
+          </a:lstStyle>
+          <a:p>
+            <a:fld id="{C211B184-D47F-4E51-8576-FD3DF6A93EE9}" type="datetimeFigureOut">
+              <a:rPr lang="en-US" smtClean="0"/>
+              <a:t>1/25/2020</a:t>
+            </a:fld>
+            <a:endParaRPr lang="en-US"/>
+          </a:p>
+        </p:txBody>
+      </p:sp>
+      <p:sp>
+        <p:nvSpPr>
+          <p:cNvPr id="5" name="Footer Placeholder 4"/>
+          <p:cNvSpPr>
+            <a:spLocks noGrp="1"/>
+          </p:cNvSpPr>
+          <p:nvPr>
+            <p:ph type="ftr" sz="quarter" idx="3"/>
+          </p:nvPr>
+        </p:nvSpPr>
+        <p:spPr>
+          <a:xfrm>
+            <a:off x="685801" y="5757334"/>
+            <a:ext cx="5499719" cy="498470"/>
+          </a:xfrm>
+          <a:prstGeom prst="rect">
+            <a:avLst/>
+          </a:prstGeom>
+        </p:spPr>
+        <p:txBody>
+          <a:bodyPr vert="horz" lIns="91440" tIns="45720" rIns="91440" bIns="45720" rtlCol="0" anchor="ctr"/>
+          <a:lstStyle>
+            <a:lvl1pPr algn="l">
+              <a:defRPr sz="3200" cap="all" baseline="0">
+                <a:solidFill>
+                  <a:schemeClr val="accent1">
+                    <a:lumMod val="50000"/>
+                  </a:schemeClr>
+                </a:solidFill>
+              </a:defRPr>
+            </a:lvl1pPr>
+          </a:lstStyle>
+          <a:p>
+            <a:endParaRPr lang="en-US"/>
+          </a:p>
+        </p:txBody>
+      </p:sp>
+      <p:sp>
+        <p:nvSpPr>
+          <p:cNvPr id="6" name="Slide Number Placeholder 5"/>
+          <p:cNvSpPr>
+            <a:spLocks noGrp="1"/>
+          </p:cNvSpPr>
+          <p:nvPr>
+            <p:ph type="sldNum" sz="quarter" idx="4"/>
+          </p:nvPr>
+        </p:nvSpPr>
+        <p:spPr>
+          <a:xfrm>
+            <a:off x="6287121" y="5757334"/>
+            <a:ext cx="907186" cy="498470"/>
+          </a:xfrm>
+          <a:prstGeom prst="rect">
+            <a:avLst/>
+          </a:prstGeom>
+        </p:spPr>
+        <p:txBody>
+          <a:bodyPr vert="horz" lIns="91440" tIns="45720" rIns="91440" bIns="45720" rtlCol="0" anchor="ctr"/>
+          <a:lstStyle>
+            <a:lvl1pPr algn="ctr">
+              <a:defRPr sz="3200" cap="all" baseline="0">
+                <a:solidFill>
+                  <a:schemeClr val="accent1">
+                    <a:lumMod val="50000"/>
+                  </a:schemeClr>
+                </a:solidFill>
               </a:defRPr>
             </a:lvl1pPr>
           </a:lstStyle>
@@ -5408,43 +5952,44 @@
     </p:spTree>
     <p:extLst>
       <p:ext uri="{BB962C8B-B14F-4D97-AF65-F5344CB8AC3E}">
-        <p14:creationId xmlns:p14="http://schemas.microsoft.com/office/powerpoint/2010/main" val="826197778"/>
+        <p14:creationId xmlns:p14="http://schemas.microsoft.com/office/powerpoint/2010/main" val="1982921092"/>
       </p:ext>
     </p:extLst>
   </p:cSld>
-  <p:clrMap bg1="dk1" tx1="lt1" bg2="dk2" tx2="lt2" accent1="accent1" accent2="accent2" accent3="accent3" accent4="accent4" accent5="accent5" accent6="accent6" hlink="hlink" folHlink="folHlink"/>
+  <p:clrMap bg1="lt1" tx1="dk1" bg2="lt2" tx2="dk2" accent1="accent1" accent2="accent2" accent3="accent3" accent4="accent4" accent5="accent5" accent6="accent6" hlink="hlink" folHlink="folHlink"/>
   <p:sldLayoutIdLst>
-    <p:sldLayoutId id="2147483696" r:id="rId1"/>
-    <p:sldLayoutId id="2147483697" r:id="rId2"/>
-    <p:sldLayoutId id="2147483698" r:id="rId3"/>
-    <p:sldLayoutId id="2147483699" r:id="rId4"/>
-    <p:sldLayoutId id="2147483700" r:id="rId5"/>
-    <p:sldLayoutId id="2147483701" r:id="rId6"/>
-    <p:sldLayoutId id="2147483702" r:id="rId7"/>
-    <p:sldLayoutId id="2147483703" r:id="rId8"/>
-    <p:sldLayoutId id="2147483704" r:id="rId9"/>
-    <p:sldLayoutId id="2147483705" r:id="rId10"/>
-    <p:sldLayoutId id="2147483706" r:id="rId11"/>
-    <p:sldLayoutId id="2147483707" r:id="rId12"/>
-    <p:sldLayoutId id="2147483708" r:id="rId13"/>
-    <p:sldLayoutId id="2147483709" r:id="rId14"/>
-    <p:sldLayoutId id="2147483710" r:id="rId15"/>
-    <p:sldLayoutId id="2147483711" r:id="rId16"/>
-    <p:sldLayoutId id="2147483712" r:id="rId17"/>
+    <p:sldLayoutId id="2147483773" r:id="rId1"/>
+    <p:sldLayoutId id="2147483774" r:id="rId2"/>
+    <p:sldLayoutId id="2147483775" r:id="rId3"/>
+    <p:sldLayoutId id="2147483776" r:id="rId4"/>
+    <p:sldLayoutId id="2147483777" r:id="rId5"/>
+    <p:sldLayoutId id="2147483778" r:id="rId6"/>
+    <p:sldLayoutId id="2147483779" r:id="rId7"/>
+    <p:sldLayoutId id="2147483780" r:id="rId8"/>
+    <p:sldLayoutId id="2147483781" r:id="rId9"/>
+    <p:sldLayoutId id="2147483782" r:id="rId10"/>
+    <p:sldLayoutId id="2147483783" r:id="rId11"/>
+    <p:sldLayoutId id="2147483784" r:id="rId12"/>
+    <p:sldLayoutId id="2147483785" r:id="rId13"/>
+    <p:sldLayoutId id="2147483786" r:id="rId14"/>
+    <p:sldLayoutId id="2147483787" r:id="rId15"/>
+    <p:sldLayoutId id="2147483788" r:id="rId16"/>
+    <p:sldLayoutId id="2147483789" r:id="rId17"/>
+    <p:sldLayoutId id="2147483790" r:id="rId18"/>
   </p:sldLayoutIdLst>
   <p:txStyles>
     <p:titleStyle>
-      <a:lvl1pPr algn="l" defTabSz="457200" rtl="0" eaLnBrk="1" latinLnBrk="0" hangingPunct="1">
+      <a:lvl1pPr algn="l" defTabSz="914400" rtl="0" eaLnBrk="1" latinLnBrk="0" hangingPunct="1">
+        <a:lnSpc>
+          <a:spcPct val="90000"/>
+        </a:lnSpc>
         <a:spcBef>
           <a:spcPct val="0"/>
         </a:spcBef>
         <a:buNone/>
-        <a:defRPr sz="3600" kern="1200" cap="all">
-          <a:ln w="3175" cmpd="sng">
-            <a:noFill/>
-          </a:ln>
+        <a:defRPr sz="5400" kern="1200" cap="all" baseline="0">
           <a:solidFill>
-            <a:schemeClr val="tx1"/>
+            <a:schemeClr val="accent1"/>
           </a:solidFill>
           <a:effectLst/>
           <a:latin typeface="+mj-lt"/>
@@ -5452,78 +5997,22 @@
           <a:cs typeface="+mj-cs"/>
         </a:defRPr>
       </a:lvl1pPr>
-      <a:lvl2pPr eaLnBrk="1" hangingPunct="1">
-        <a:defRPr>
-          <a:solidFill>
-            <a:schemeClr val="tx2"/>
-          </a:solidFill>
-        </a:defRPr>
-      </a:lvl2pPr>
-      <a:lvl3pPr eaLnBrk="1" hangingPunct="1">
-        <a:defRPr>
-          <a:solidFill>
-            <a:schemeClr val="tx2"/>
-          </a:solidFill>
-        </a:defRPr>
-      </a:lvl3pPr>
-      <a:lvl4pPr eaLnBrk="1" hangingPunct="1">
-        <a:defRPr>
-          <a:solidFill>
-            <a:schemeClr val="tx2"/>
-          </a:solidFill>
-        </a:defRPr>
-      </a:lvl4pPr>
-      <a:lvl5pPr eaLnBrk="1" hangingPunct="1">
-        <a:defRPr>
-          <a:solidFill>
-            <a:schemeClr val="tx2"/>
-          </a:solidFill>
-        </a:defRPr>
-      </a:lvl5pPr>
-      <a:lvl6pPr eaLnBrk="1" hangingPunct="1">
-        <a:defRPr>
-          <a:solidFill>
-            <a:schemeClr val="tx2"/>
-          </a:solidFill>
-        </a:defRPr>
-      </a:lvl6pPr>
-      <a:lvl7pPr eaLnBrk="1" hangingPunct="1">
-        <a:defRPr>
-          <a:solidFill>
-            <a:schemeClr val="tx2"/>
-          </a:solidFill>
-        </a:defRPr>
-      </a:lvl7pPr>
-      <a:lvl8pPr eaLnBrk="1" hangingPunct="1">
-        <a:defRPr>
-          <a:solidFill>
-            <a:schemeClr val="tx2"/>
-          </a:solidFill>
-        </a:defRPr>
-      </a:lvl8pPr>
-      <a:lvl9pPr eaLnBrk="1" hangingPunct="1">
-        <a:defRPr>
-          <a:solidFill>
-            <a:schemeClr val="tx2"/>
-          </a:solidFill>
-        </a:defRPr>
-      </a:lvl9pPr>
     </p:titleStyle>
     <p:bodyStyle>
-      <a:lvl1pPr marL="285750" indent="-285750" algn="l" defTabSz="457200" rtl="0" eaLnBrk="1" latinLnBrk="0" hangingPunct="1">
+      <a:lvl1pPr marL="228600" indent="-228600" algn="l" defTabSz="914400" rtl="0" eaLnBrk="1" latinLnBrk="0" hangingPunct="1">
+        <a:lnSpc>
+          <a:spcPct val="120000"/>
+        </a:lnSpc>
         <a:spcBef>
-          <a:spcPts val="0"/>
+          <a:spcPts val="1000"/>
         </a:spcBef>
-        <a:spcAft>
-          <a:spcPts val="1000"/>
-        </a:spcAft>
         <a:buClr>
-          <a:schemeClr val="tx1"/>
+          <a:schemeClr val="accent1"/>
         </a:buClr>
-        <a:buSzPct val="100000"/>
-        <a:buFont typeface="Arial"/>
+        <a:buSzPct val="160000"/>
+        <a:buFont typeface="Arial" panose="020B0604020202020204" pitchFamily="34" charset="0"/>
         <a:buChar char="•"/>
-        <a:defRPr sz="1800" kern="1200" cap="none">
+        <a:defRPr sz="2000" kern="1200" cap="all" baseline="0">
           <a:solidFill>
             <a:schemeClr val="tx1"/>
           </a:solidFill>
@@ -5533,20 +6022,20 @@
           <a:cs typeface="+mn-cs"/>
         </a:defRPr>
       </a:lvl1pPr>
-      <a:lvl2pPr marL="742950" indent="-285750" algn="l" defTabSz="457200" rtl="0" eaLnBrk="1" latinLnBrk="0" hangingPunct="1">
+      <a:lvl2pPr marL="685800" indent="-228600" algn="l" defTabSz="914400" rtl="0" eaLnBrk="1" latinLnBrk="0" hangingPunct="1">
+        <a:lnSpc>
+          <a:spcPct val="120000"/>
+        </a:lnSpc>
         <a:spcBef>
-          <a:spcPts val="0"/>
+          <a:spcPts val="500"/>
         </a:spcBef>
-        <a:spcAft>
-          <a:spcPts val="1000"/>
-        </a:spcAft>
         <a:buClr>
-          <a:schemeClr val="tx1"/>
+          <a:schemeClr val="accent1"/>
         </a:buClr>
-        <a:buSzPct val="100000"/>
-        <a:buFont typeface="Arial"/>
+        <a:buSzPct val="160000"/>
+        <a:buFont typeface="Arial" panose="020B0604020202020204" pitchFamily="34" charset="0"/>
         <a:buChar char="•"/>
-        <a:defRPr sz="1600" kern="1200" cap="none">
+        <a:defRPr sz="1800" kern="1200" cap="all" baseline="0">
           <a:solidFill>
             <a:schemeClr val="tx1"/>
           </a:solidFill>
@@ -5556,20 +6045,20 @@
           <a:cs typeface="+mn-cs"/>
         </a:defRPr>
       </a:lvl2pPr>
-      <a:lvl3pPr marL="1200150" indent="-285750" algn="l" defTabSz="457200" rtl="0" eaLnBrk="1" latinLnBrk="0" hangingPunct="1">
+      <a:lvl3pPr marL="1143000" indent="-228600" algn="l" defTabSz="914400" rtl="0" eaLnBrk="1" latinLnBrk="0" hangingPunct="1">
+        <a:lnSpc>
+          <a:spcPct val="120000"/>
+        </a:lnSpc>
         <a:spcBef>
-          <a:spcPts val="0"/>
+          <a:spcPts val="500"/>
         </a:spcBef>
-        <a:spcAft>
-          <a:spcPts val="1000"/>
-        </a:spcAft>
         <a:buClr>
-          <a:schemeClr val="tx1"/>
+          <a:schemeClr val="accent1"/>
         </a:buClr>
-        <a:buSzPct val="100000"/>
-        <a:buFont typeface="Arial"/>
+        <a:buSzPct val="160000"/>
+        <a:buFont typeface="Arial" panose="020B0604020202020204" pitchFamily="34" charset="0"/>
         <a:buChar char="•"/>
-        <a:defRPr sz="1400" kern="1200" cap="none">
+        <a:defRPr sz="1600" kern="1200" cap="all" baseline="0">
           <a:solidFill>
             <a:schemeClr val="tx1"/>
           </a:solidFill>
@@ -5579,20 +6068,20 @@
           <a:cs typeface="+mn-cs"/>
         </a:defRPr>
       </a:lvl3pPr>
-      <a:lvl4pPr marL="1543050" indent="-171450" algn="l" defTabSz="457200" rtl="0" eaLnBrk="1" latinLnBrk="0" hangingPunct="1">
+      <a:lvl4pPr marL="1600200" indent="-228600" algn="l" defTabSz="914400" rtl="0" eaLnBrk="1" latinLnBrk="0" hangingPunct="1">
+        <a:lnSpc>
+          <a:spcPct val="120000"/>
+        </a:lnSpc>
         <a:spcBef>
-          <a:spcPts val="0"/>
+          <a:spcPts val="500"/>
         </a:spcBef>
-        <a:spcAft>
-          <a:spcPts val="1000"/>
-        </a:spcAft>
         <a:buClr>
-          <a:schemeClr val="tx1"/>
+          <a:schemeClr val="accent1"/>
         </a:buClr>
-        <a:buSzPct val="100000"/>
-        <a:buFont typeface="Arial"/>
+        <a:buSzPct val="160000"/>
+        <a:buFont typeface="Arial" panose="020B0604020202020204" pitchFamily="34" charset="0"/>
         <a:buChar char="•"/>
-        <a:defRPr sz="1200" kern="1200" cap="none">
+        <a:defRPr sz="1400" kern="1200" cap="all" baseline="0">
           <a:solidFill>
             <a:schemeClr val="tx1"/>
           </a:solidFill>
@@ -5602,20 +6091,20 @@
           <a:cs typeface="+mn-cs"/>
         </a:defRPr>
       </a:lvl4pPr>
-      <a:lvl5pPr marL="2000250" indent="-171450" algn="l" defTabSz="457200" rtl="0" eaLnBrk="1" latinLnBrk="0" hangingPunct="1">
+      <a:lvl5pPr marL="2057400" indent="-228600" algn="l" defTabSz="914400" rtl="0" eaLnBrk="1" latinLnBrk="0" hangingPunct="1">
+        <a:lnSpc>
+          <a:spcPct val="120000"/>
+        </a:lnSpc>
         <a:spcBef>
-          <a:spcPts val="0"/>
+          <a:spcPts val="500"/>
         </a:spcBef>
-        <a:spcAft>
-          <a:spcPts val="1000"/>
-        </a:spcAft>
         <a:buClr>
-          <a:schemeClr val="tx1"/>
+          <a:schemeClr val="accent1"/>
         </a:buClr>
-        <a:buSzPct val="100000"/>
-        <a:buFont typeface="Arial"/>
+        <a:buSzPct val="160000"/>
+        <a:buFont typeface="Arial" panose="020B0604020202020204" pitchFamily="34" charset="0"/>
         <a:buChar char="•"/>
-        <a:defRPr sz="1200" kern="1200" cap="none">
+        <a:defRPr sz="1400" kern="1200" cap="all" baseline="0">
           <a:solidFill>
             <a:schemeClr val="tx1"/>
           </a:solidFill>
@@ -5625,20 +6114,20 @@
           <a:cs typeface="+mn-cs"/>
         </a:defRPr>
       </a:lvl5pPr>
-      <a:lvl6pPr marL="2514600" indent="-228600" algn="l" defTabSz="457200" rtl="0" eaLnBrk="1" latinLnBrk="0" hangingPunct="1">
+      <a:lvl6pPr marL="2514600" indent="-228600" algn="l" defTabSz="914400" rtl="0" eaLnBrk="1" latinLnBrk="0" hangingPunct="1">
+        <a:lnSpc>
+          <a:spcPct val="120000"/>
+        </a:lnSpc>
         <a:spcBef>
-          <a:spcPts val="0"/>
+          <a:spcPts val="500"/>
         </a:spcBef>
-        <a:spcAft>
-          <a:spcPts val="1000"/>
-        </a:spcAft>
         <a:buClr>
-          <a:schemeClr val="tx1"/>
+          <a:schemeClr val="accent1"/>
         </a:buClr>
-        <a:buSzPct val="100000"/>
-        <a:buFont typeface="Arial"/>
+        <a:buSzPct val="160000"/>
+        <a:buFont typeface="Arial" panose="020B0604020202020204" pitchFamily="34" charset="0"/>
         <a:buChar char="•"/>
-        <a:defRPr sz="1200" kern="1200" cap="none">
+        <a:defRPr sz="1400" kern="1200" cap="all" baseline="0">
           <a:solidFill>
             <a:schemeClr val="tx1"/>
           </a:solidFill>
@@ -5648,20 +6137,20 @@
           <a:cs typeface="+mn-cs"/>
         </a:defRPr>
       </a:lvl6pPr>
-      <a:lvl7pPr marL="2971800" indent="-228600" algn="l" defTabSz="457200" rtl="0" eaLnBrk="1" latinLnBrk="0" hangingPunct="1">
+      <a:lvl7pPr marL="2971800" indent="-228600" algn="l" defTabSz="914400" rtl="0" eaLnBrk="1" latinLnBrk="0" hangingPunct="1">
+        <a:lnSpc>
+          <a:spcPct val="120000"/>
+        </a:lnSpc>
         <a:spcBef>
-          <a:spcPts val="0"/>
+          <a:spcPts val="500"/>
         </a:spcBef>
-        <a:spcAft>
-          <a:spcPts val="1000"/>
-        </a:spcAft>
         <a:buClr>
-          <a:schemeClr val="tx1"/>
+          <a:schemeClr val="accent1"/>
         </a:buClr>
-        <a:buSzPct val="100000"/>
-        <a:buFont typeface="Arial"/>
+        <a:buSzPct val="160000"/>
+        <a:buFont typeface="Arial" panose="020B0604020202020204" pitchFamily="34" charset="0"/>
         <a:buChar char="•"/>
-        <a:defRPr sz="1200" kern="1200" cap="none">
+        <a:defRPr sz="1400" kern="1200" cap="all" baseline="0">
           <a:solidFill>
             <a:schemeClr val="tx1"/>
           </a:solidFill>
@@ -5671,20 +6160,20 @@
           <a:cs typeface="+mn-cs"/>
         </a:defRPr>
       </a:lvl7pPr>
-      <a:lvl8pPr marL="3429000" indent="-228600" algn="l" defTabSz="457200" rtl="0" eaLnBrk="1" latinLnBrk="0" hangingPunct="1">
+      <a:lvl8pPr marL="3429000" indent="-228600" algn="l" defTabSz="914400" rtl="0" eaLnBrk="1" latinLnBrk="0" hangingPunct="1">
+        <a:lnSpc>
+          <a:spcPct val="120000"/>
+        </a:lnSpc>
         <a:spcBef>
-          <a:spcPts val="0"/>
+          <a:spcPts val="500"/>
         </a:spcBef>
-        <a:spcAft>
-          <a:spcPts val="1000"/>
-        </a:spcAft>
         <a:buClr>
-          <a:schemeClr val="tx1"/>
+          <a:schemeClr val="accent1"/>
         </a:buClr>
-        <a:buSzPct val="100000"/>
-        <a:buFont typeface="Arial"/>
+        <a:buSzPct val="160000"/>
+        <a:buFont typeface="Arial" panose="020B0604020202020204" pitchFamily="34" charset="0"/>
         <a:buChar char="•"/>
-        <a:defRPr sz="1200" kern="1200" cap="none">
+        <a:defRPr sz="1400" kern="1200" cap="all" baseline="0">
           <a:solidFill>
             <a:schemeClr val="tx1"/>
           </a:solidFill>
@@ -5694,20 +6183,20 @@
           <a:cs typeface="+mn-cs"/>
         </a:defRPr>
       </a:lvl8pPr>
-      <a:lvl9pPr marL="3886200" indent="-228600" algn="l" defTabSz="457200" rtl="0" eaLnBrk="1" latinLnBrk="0" hangingPunct="1">
+      <a:lvl9pPr marL="3886200" indent="-228600" algn="l" defTabSz="914400" rtl="0" eaLnBrk="1" latinLnBrk="0" hangingPunct="1">
+        <a:lnSpc>
+          <a:spcPct val="120000"/>
+        </a:lnSpc>
         <a:spcBef>
-          <a:spcPts val="0"/>
+          <a:spcPts val="500"/>
         </a:spcBef>
-        <a:spcAft>
-          <a:spcPts val="1000"/>
-        </a:spcAft>
         <a:buClr>
-          <a:schemeClr val="tx1"/>
+          <a:schemeClr val="accent1"/>
         </a:buClr>
-        <a:buSzPct val="100000"/>
-        <a:buFont typeface="Arial"/>
+        <a:buSzPct val="160000"/>
+        <a:buFont typeface="Arial" panose="020B0604020202020204" pitchFamily="34" charset="0"/>
         <a:buChar char="•"/>
-        <a:defRPr sz="1200" kern="1200" cap="none">
+        <a:defRPr sz="1400" kern="1200" cap="all" baseline="0">
           <a:solidFill>
             <a:schemeClr val="tx1"/>
           </a:solidFill>
@@ -5722,7 +6211,7 @@
       <a:defPPr>
         <a:defRPr lang="en-US"/>
       </a:defPPr>
-      <a:lvl1pPr marL="0" algn="l" defTabSz="457200" rtl="0" eaLnBrk="1" latinLnBrk="0" hangingPunct="1">
+      <a:lvl1pPr marL="0" algn="l" defTabSz="914400" rtl="0" eaLnBrk="1" latinLnBrk="0" hangingPunct="1">
         <a:defRPr sz="1800" kern="1200">
           <a:solidFill>
             <a:schemeClr val="tx1"/>
@@ -5732,7 +6221,7 @@
           <a:cs typeface="+mn-cs"/>
         </a:defRPr>
       </a:lvl1pPr>
-      <a:lvl2pPr marL="457200" algn="l" defTabSz="457200" rtl="0" eaLnBrk="1" latinLnBrk="0" hangingPunct="1">
+      <a:lvl2pPr marL="457200" algn="l" defTabSz="914400" rtl="0" eaLnBrk="1" latinLnBrk="0" hangingPunct="1">
         <a:defRPr sz="1800" kern="1200">
           <a:solidFill>
             <a:schemeClr val="tx1"/>
@@ -5742,7 +6231,7 @@
           <a:cs typeface="+mn-cs"/>
         </a:defRPr>
       </a:lvl2pPr>
-      <a:lvl3pPr marL="914400" algn="l" defTabSz="457200" rtl="0" eaLnBrk="1" latinLnBrk="0" hangingPunct="1">
+      <a:lvl3pPr marL="914400" algn="l" defTabSz="914400" rtl="0" eaLnBrk="1" latinLnBrk="0" hangingPunct="1">
         <a:defRPr sz="1800" kern="1200">
           <a:solidFill>
             <a:schemeClr val="tx1"/>
@@ -5752,7 +6241,7 @@
           <a:cs typeface="+mn-cs"/>
         </a:defRPr>
       </a:lvl3pPr>
-      <a:lvl4pPr marL="1371600" algn="l" defTabSz="457200" rtl="0" eaLnBrk="1" latinLnBrk="0" hangingPunct="1">
+      <a:lvl4pPr marL="1371600" algn="l" defTabSz="914400" rtl="0" eaLnBrk="1" latinLnBrk="0" hangingPunct="1">
         <a:defRPr sz="1800" kern="1200">
           <a:solidFill>
             <a:schemeClr val="tx1"/>
@@ -5762,7 +6251,7 @@
           <a:cs typeface="+mn-cs"/>
         </a:defRPr>
       </a:lvl4pPr>
-      <a:lvl5pPr marL="1828800" algn="l" defTabSz="457200" rtl="0" eaLnBrk="1" latinLnBrk="0" hangingPunct="1">
+      <a:lvl5pPr marL="1828800" algn="l" defTabSz="914400" rtl="0" eaLnBrk="1" latinLnBrk="0" hangingPunct="1">
         <a:defRPr sz="1800" kern="1200">
           <a:solidFill>
             <a:schemeClr val="tx1"/>
@@ -5772,7 +6261,7 @@
           <a:cs typeface="+mn-cs"/>
         </a:defRPr>
       </a:lvl5pPr>
-      <a:lvl6pPr marL="2286000" algn="l" defTabSz="457200" rtl="0" eaLnBrk="1" latinLnBrk="0" hangingPunct="1">
+      <a:lvl6pPr marL="2286000" algn="l" defTabSz="914400" rtl="0" eaLnBrk="1" latinLnBrk="0" hangingPunct="1">
         <a:defRPr sz="1800" kern="1200">
           <a:solidFill>
             <a:schemeClr val="tx1"/>
@@ -5782,7 +6271,7 @@
           <a:cs typeface="+mn-cs"/>
         </a:defRPr>
       </a:lvl6pPr>
-      <a:lvl7pPr marL="2743200" algn="l" defTabSz="457200" rtl="0" eaLnBrk="1" latinLnBrk="0" hangingPunct="1">
+      <a:lvl7pPr marL="2743200" algn="l" defTabSz="914400" rtl="0" eaLnBrk="1" latinLnBrk="0" hangingPunct="1">
         <a:defRPr sz="1800" kern="1200">
           <a:solidFill>
             <a:schemeClr val="tx1"/>
@@ -5792,7 +6281,7 @@
           <a:cs typeface="+mn-cs"/>
         </a:defRPr>
       </a:lvl7pPr>
-      <a:lvl8pPr marL="3200400" algn="l" defTabSz="457200" rtl="0" eaLnBrk="1" latinLnBrk="0" hangingPunct="1">
+      <a:lvl8pPr marL="3200400" algn="l" defTabSz="914400" rtl="0" eaLnBrk="1" latinLnBrk="0" hangingPunct="1">
         <a:defRPr sz="1800" kern="1200">
           <a:solidFill>
             <a:schemeClr val="tx1"/>
@@ -5802,7 +6291,7 @@
           <a:cs typeface="+mn-cs"/>
         </a:defRPr>
       </a:lvl8pPr>
-      <a:lvl9pPr marL="3657600" algn="l" defTabSz="457200" rtl="0" eaLnBrk="1" latinLnBrk="0" hangingPunct="1">
+      <a:lvl9pPr marL="3657600" algn="l" defTabSz="914400" rtl="0" eaLnBrk="1" latinLnBrk="0" hangingPunct="1">
         <a:defRPr sz="1800" kern="1200">
           <a:solidFill>
             <a:schemeClr val="tx1"/>
@@ -5852,7 +6341,9 @@
         </p:nvSpPr>
         <p:spPr/>
         <p:txBody>
-          <a:bodyPr/>
+          <a:bodyPr>
+            <a:normAutofit/>
+          </a:bodyPr>
           <a:lstStyle/>
           <a:p>
             <a:r>
@@ -5957,15 +6448,7 @@
           <a:p>
             <a:r>
               <a:rPr lang="en-US" dirty="0"/>
-              <a:t>Table of </a:t>
-            </a:r>
-            <a:r>
-              <a:rPr lang="en-US" dirty="0" err="1"/>
-              <a:t>contens</a:t>
-            </a:r>
-            <a:r>
-              <a:rPr lang="en-US" dirty="0"/>
-              <a:t> </a:t>
+              <a:t>Table of contents </a:t>
             </a:r>
           </a:p>
         </p:txBody>
@@ -6131,7 +6614,13 @@
           <a:bodyPr/>
           <a:lstStyle/>
           <a:p>
-            <a:endParaRPr lang="en-US"/>
+            <a:pPr marL="0" indent="0">
+              <a:buNone/>
+            </a:pPr>
+            <a:r>
+              <a:rPr lang="en-US" dirty="0"/>
+              <a:t>Version control is a system that records changes to a file or set of files  over time so that you can recall specific versions later.</a:t>
+            </a:r>
           </a:p>
         </p:txBody>
       </p:sp>
@@ -6214,7 +6703,10 @@
           <a:bodyPr/>
           <a:lstStyle/>
           <a:p>
-            <a:endParaRPr lang="en-US"/>
+            <a:pPr marL="0" indent="0">
+              <a:buNone/>
+            </a:pPr>
+            <a:endParaRPr lang="en-US" dirty="0"/>
           </a:p>
         </p:txBody>
       </p:sp>
@@ -6463,9 +6955,9 @@
 </file>
 
 <file path=ppt/theme/theme1.xml><?xml version="1.0" encoding="utf-8"?>
-<a:theme xmlns:a="http://schemas.openxmlformats.org/drawingml/2006/main" name="Celestial">
+<a:theme xmlns:a="http://schemas.openxmlformats.org/drawingml/2006/main" name="Main Event">
   <a:themeElements>
-    <a:clrScheme name="Celestial">
+    <a:clrScheme name="Main Event">
       <a:dk1>
         <a:sysClr val="windowText" lastClr="000000"/>
       </a:dk1>
@@ -6473,39 +6965,39 @@
         <a:sysClr val="window" lastClr="FFFFFF"/>
       </a:lt1>
       <a:dk2>
-        <a:srgbClr val="18276C"/>
+        <a:srgbClr val="424242"/>
       </a:dk2>
       <a:lt2>
-        <a:srgbClr val="EBEBEB"/>
+        <a:srgbClr val="C8C8C8"/>
       </a:lt2>
       <a:accent1>
-        <a:srgbClr val="AC3EC1"/>
+        <a:srgbClr val="B80E0F"/>
       </a:accent1>
       <a:accent2>
-        <a:srgbClr val="477BD1"/>
+        <a:srgbClr val="A6987D"/>
       </a:accent2>
       <a:accent3>
-        <a:srgbClr val="46B298"/>
+        <a:srgbClr val="7F9A71"/>
       </a:accent3>
       <a:accent4>
-        <a:srgbClr val="90BA4C"/>
+        <a:srgbClr val="64969F"/>
       </a:accent4>
       <a:accent5>
-        <a:srgbClr val="DD9D31"/>
+        <a:srgbClr val="9B75B2"/>
       </a:accent5>
       <a:accent6>
-        <a:srgbClr val="E25247"/>
+        <a:srgbClr val="80737A"/>
       </a:accent6>
       <a:hlink>
-        <a:srgbClr val="C573D2"/>
+        <a:srgbClr val="F21213"/>
       </a:hlink>
       <a:folHlink>
-        <a:srgbClr val="CCAEE8"/>
+        <a:srgbClr val="B6A394"/>
       </a:folHlink>
     </a:clrScheme>
-    <a:fontScheme name="Celestial">
+    <a:fontScheme name="Main Event">
       <a:majorFont>
-        <a:latin typeface="Calibri Light" panose="020F0302020204030204"/>
+        <a:latin typeface="Impact" panose="020B0806030902050204"/>
         <a:ea typeface=""/>
         <a:cs typeface=""/>
         <a:font script="Jpan" typeface="ＭＳ Ｐゴシック"/>
@@ -6540,7 +7032,7 @@
         <a:font script="Geor" typeface="Sylfaen"/>
       </a:majorFont>
       <a:minorFont>
-        <a:latin typeface="Calibri" panose="020F0502020204030204"/>
+        <a:latin typeface="Impact" panose="020B0806030902050204"/>
         <a:ea typeface=""/>
         <a:cs typeface=""/>
         <a:font script="Jpan" typeface="ＭＳ Ｐゴシック"/>
@@ -6575,60 +7067,47 @@
         <a:font script="Geor" typeface="Sylfaen"/>
       </a:minorFont>
     </a:fontScheme>
-    <a:fmtScheme name="Celestial">
+    <a:fmtScheme name="Main Event">
       <a:fillStyleLst>
         <a:solidFill>
           <a:schemeClr val="phClr"/>
         </a:solidFill>
-        <a:gradFill rotWithShape="1">
-          <a:gsLst>
-            <a:gs pos="0">
-              <a:schemeClr val="phClr">
-                <a:tint val="70000"/>
-                <a:lumMod val="110000"/>
-              </a:schemeClr>
-            </a:gs>
-            <a:gs pos="100000">
-              <a:schemeClr val="phClr">
-                <a:tint val="82000"/>
-                <a:alpha val="74000"/>
-              </a:schemeClr>
-            </a:gs>
-          </a:gsLst>
-          <a:lin ang="5400000" scaled="0"/>
-        </a:gradFill>
-        <a:gradFill rotWithShape="1">
-          <a:gsLst>
-            <a:gs pos="0">
-              <a:schemeClr val="phClr">
-                <a:tint val="98000"/>
-                <a:lumMod val="100000"/>
-              </a:schemeClr>
-            </a:gs>
-            <a:gs pos="100000">
+        <a:solidFill>
+          <a:schemeClr val="phClr">
+            <a:tint val="69000"/>
+            <a:satMod val="105000"/>
+            <a:lumMod val="110000"/>
+          </a:schemeClr>
+        </a:solidFill>
+        <a:blipFill>
+          <a:blip xmlns:r="http://schemas.openxmlformats.org/officeDocument/2006/relationships" r:embed="rId1">
+            <a:duotone>
               <a:schemeClr val="phClr">
                 <a:shade val="88000"/>
                 <a:lumMod val="88000"/>
               </a:schemeClr>
-            </a:gs>
-          </a:gsLst>
-          <a:lin ang="5400000" scaled="1"/>
-        </a:gradFill>
+              <a:schemeClr val="phClr"/>
+            </a:duotone>
+          </a:blip>
+          <a:tile tx="0" ty="0" sx="100000" sy="100000" flip="none" algn="tl"/>
+        </a:blipFill>
       </a:fillStyleLst>
       <a:lnStyleLst>
-        <a:ln w="9525" cap="rnd" cmpd="sng" algn="ctr">
+        <a:ln w="9525" cap="flat" cmpd="sng" algn="ctr">
+          <a:solidFill>
+            <a:schemeClr val="phClr">
+              <a:shade val="60000"/>
+            </a:schemeClr>
+          </a:solidFill>
+          <a:prstDash val="solid"/>
+        </a:ln>
+        <a:ln w="19050" cap="flat" cmpd="sng" algn="ctr">
           <a:solidFill>
             <a:schemeClr val="phClr"/>
           </a:solidFill>
           <a:prstDash val="solid"/>
         </a:ln>
-        <a:ln w="19050" cap="rnd" cmpd="sng" algn="ctr">
-          <a:solidFill>
-            <a:schemeClr val="phClr"/>
-          </a:solidFill>
-          <a:prstDash val="solid"/>
-        </a:ln>
-        <a:ln w="25400" cap="rnd" cmpd="sng" algn="ctr">
+        <a:ln w="25400" cap="flat" cmpd="sng" algn="ctr">
           <a:solidFill>
             <a:schemeClr val="phClr"/>
           </a:solidFill>
@@ -6640,33 +7119,16 @@
           <a:effectLst/>
         </a:effectStyle>
         <a:effectStyle>
+          <a:effectLst/>
+        </a:effectStyle>
+        <a:effectStyle>
           <a:effectLst>
-            <a:outerShdw blurRad="50800" dist="38100" dir="5400000" rotWithShape="0">
+            <a:outerShdw blurRad="25400" dist="12700" dir="5400000" rotWithShape="0">
               <a:srgbClr val="000000">
-                <a:alpha val="35000"/>
+                <a:alpha val="60000"/>
               </a:srgbClr>
             </a:outerShdw>
           </a:effectLst>
-        </a:effectStyle>
-        <a:effectStyle>
-          <a:effectLst>
-            <a:outerShdw blurRad="63500" dist="38100" dir="5400000" rotWithShape="0">
-              <a:srgbClr val="000000">
-                <a:alpha val="65000"/>
-              </a:srgbClr>
-            </a:outerShdw>
-          </a:effectLst>
-          <a:scene3d>
-            <a:camera prst="orthographicFront">
-              <a:rot lat="0" lon="0" rev="0"/>
-            </a:camera>
-            <a:lightRig rig="threePt" dir="tl">
-              <a:rot lat="0" lon="0" rev="1200000"/>
-            </a:lightRig>
-          </a:scene3d>
-          <a:sp3d>
-            <a:bevelT w="38100" h="12700"/>
-          </a:sp3d>
         </a:effectStyle>
       </a:effectStyleLst>
       <a:bgFillStyleLst>
@@ -6678,24 +7140,32 @@
             <a:gs pos="0">
               <a:schemeClr val="phClr">
                 <a:tint val="90000"/>
-                <a:shade val="96000"/>
-                <a:hueMod val="100000"/>
-                <a:satMod val="180000"/>
                 <a:lumMod val="110000"/>
               </a:schemeClr>
             </a:gs>
             <a:gs pos="100000">
               <a:schemeClr val="phClr">
-                <a:shade val="96000"/>
-                <a:satMod val="160000"/>
-                <a:lumMod val="100000"/>
+                <a:shade val="88000"/>
+                <a:lumMod val="88000"/>
               </a:schemeClr>
             </a:gs>
           </a:gsLst>
-          <a:lin ang="4740000" scaled="1"/>
+          <a:lin ang="5400000" scaled="0"/>
         </a:gradFill>
         <a:blipFill>
-          <a:blip xmlns:r="http://schemas.openxmlformats.org/officeDocument/2006/relationships" r:embed="rId1"/>
+          <a:blip xmlns:r="http://schemas.openxmlformats.org/officeDocument/2006/relationships" r:embed="rId2">
+            <a:duotone>
+              <a:schemeClr val="phClr">
+                <a:shade val="48000"/>
+                <a:satMod val="110000"/>
+                <a:lumMod val="40000"/>
+              </a:schemeClr>
+              <a:schemeClr val="phClr">
+                <a:tint val="90000"/>
+                <a:lumMod val="106000"/>
+              </a:schemeClr>
+            </a:duotone>
+          </a:blip>
           <a:stretch/>
         </a:blipFill>
       </a:bgFillStyleLst>
@@ -6705,7 +7175,7 @@
   <a:extraClrSchemeLst/>
   <a:extLst>
     <a:ext uri="{05A4C25C-085E-4340-85A3-A5531E510DB2}">
-      <thm15:themeFamily xmlns:thm15="http://schemas.microsoft.com/office/thememl/2012/main" name="Celestial" id="{C4BB2A3D-0E93-4C5F-B0D2-9D3FCE089CC5}" vid="{42E5908D-19A2-46FD-89FA-638B126129EF}"/>
+      <thm15:themeFamily xmlns:thm15="http://schemas.microsoft.com/office/thememl/2012/main" name="Main Event" id="{AC372BB4-D83D-411E-B849-B641926BA760}" vid="{F1EFBDE3-1A95-4E3D-81AD-1F53D65BEA01}"/>
     </a:ext>
   </a:extLst>
 </a:theme>

--- a/Traveling trhough time with git.pptx
+++ b/Traveling trhough time with git.pptx
@@ -571,7 +571,7 @@
           <a:p>
             <a:fld id="{C211B184-D47F-4E51-8576-FD3DF6A93EE9}" type="datetimeFigureOut">
               <a:rPr lang="en-US" smtClean="0"/>
-              <a:t>1/25/2020</a:t>
+              <a:t>1/29/2020</a:t>
             </a:fld>
             <a:endParaRPr lang="en-US"/>
           </a:p>
@@ -903,7 +903,7 @@
           <a:p>
             <a:fld id="{C211B184-D47F-4E51-8576-FD3DF6A93EE9}" type="datetimeFigureOut">
               <a:rPr lang="en-US" smtClean="0"/>
-              <a:t>1/25/2020</a:t>
+              <a:t>1/29/2020</a:t>
             </a:fld>
             <a:endParaRPr lang="en-US"/>
           </a:p>
@@ -1099,7 +1099,7 @@
           <a:p>
             <a:fld id="{C211B184-D47F-4E51-8576-FD3DF6A93EE9}" type="datetimeFigureOut">
               <a:rPr lang="en-US" smtClean="0"/>
-              <a:t>1/25/2020</a:t>
+              <a:t>1/29/2020</a:t>
             </a:fld>
             <a:endParaRPr lang="en-US"/>
           </a:p>
@@ -1369,7 +1369,7 @@
           <a:p>
             <a:fld id="{C211B184-D47F-4E51-8576-FD3DF6A93EE9}" type="datetimeFigureOut">
               <a:rPr lang="en-US" smtClean="0"/>
-              <a:t>1/25/2020</a:t>
+              <a:t>1/29/2020</a:t>
             </a:fld>
             <a:endParaRPr lang="en-US"/>
           </a:p>
@@ -1797,7 +1797,7 @@
           <a:p>
             <a:fld id="{C211B184-D47F-4E51-8576-FD3DF6A93EE9}" type="datetimeFigureOut">
               <a:rPr lang="en-US" smtClean="0"/>
-              <a:t>1/25/2020</a:t>
+              <a:t>1/29/2020</a:t>
             </a:fld>
             <a:endParaRPr lang="en-US"/>
           </a:p>
@@ -2347,7 +2347,7 @@
           <a:p>
             <a:fld id="{C211B184-D47F-4E51-8576-FD3DF6A93EE9}" type="datetimeFigureOut">
               <a:rPr lang="en-US" smtClean="0"/>
-              <a:t>1/25/2020</a:t>
+              <a:t>1/29/2020</a:t>
             </a:fld>
             <a:endParaRPr lang="en-US"/>
           </a:p>
@@ -3137,7 +3137,7 @@
           <a:p>
             <a:fld id="{C211B184-D47F-4E51-8576-FD3DF6A93EE9}" type="datetimeFigureOut">
               <a:rPr lang="en-US" smtClean="0"/>
-              <a:t>1/25/2020</a:t>
+              <a:t>1/29/2020</a:t>
             </a:fld>
             <a:endParaRPr lang="en-US"/>
           </a:p>
@@ -3316,7 +3316,7 @@
           <a:p>
             <a:fld id="{C211B184-D47F-4E51-8576-FD3DF6A93EE9}" type="datetimeFigureOut">
               <a:rPr lang="en-US" smtClean="0"/>
-              <a:t>1/25/2020</a:t>
+              <a:t>1/29/2020</a:t>
             </a:fld>
             <a:endParaRPr lang="en-US"/>
           </a:p>
@@ -3500,7 +3500,7 @@
           <a:p>
             <a:fld id="{C211B184-D47F-4E51-8576-FD3DF6A93EE9}" type="datetimeFigureOut">
               <a:rPr lang="en-US" smtClean="0"/>
-              <a:t>1/25/2020</a:t>
+              <a:t>1/29/2020</a:t>
             </a:fld>
             <a:endParaRPr lang="en-US"/>
           </a:p>
@@ -3680,7 +3680,7 @@
           <a:p>
             <a:fld id="{C211B184-D47F-4E51-8576-FD3DF6A93EE9}" type="datetimeFigureOut">
               <a:rPr lang="en-US" smtClean="0"/>
-              <a:t>1/25/2020</a:t>
+              <a:t>1/29/2020</a:t>
             </a:fld>
             <a:endParaRPr lang="en-US"/>
           </a:p>
@@ -3855,7 +3855,7 @@
           <a:p>
             <a:fld id="{C211B184-D47F-4E51-8576-FD3DF6A93EE9}" type="datetimeFigureOut">
               <a:rPr lang="en-US" smtClean="0"/>
-              <a:t>1/25/2020</a:t>
+              <a:t>1/29/2020</a:t>
             </a:fld>
             <a:endParaRPr lang="en-US"/>
           </a:p>
@@ -4105,7 +4105,7 @@
           <a:p>
             <a:fld id="{C211B184-D47F-4E51-8576-FD3DF6A93EE9}" type="datetimeFigureOut">
               <a:rPr lang="en-US" smtClean="0"/>
-              <a:t>1/25/2020</a:t>
+              <a:t>1/29/2020</a:t>
             </a:fld>
             <a:endParaRPr lang="en-US"/>
           </a:p>
@@ -4342,7 +4342,7 @@
           <a:p>
             <a:fld id="{C211B184-D47F-4E51-8576-FD3DF6A93EE9}" type="datetimeFigureOut">
               <a:rPr lang="en-US" smtClean="0"/>
-              <a:t>1/25/2020</a:t>
+              <a:t>1/29/2020</a:t>
             </a:fld>
             <a:endParaRPr lang="en-US"/>
           </a:p>
@@ -4727,7 +4727,7 @@
           <a:p>
             <a:fld id="{C211B184-D47F-4E51-8576-FD3DF6A93EE9}" type="datetimeFigureOut">
               <a:rPr lang="en-US" smtClean="0"/>
-              <a:t>1/25/2020</a:t>
+              <a:t>1/29/2020</a:t>
             </a:fld>
             <a:endParaRPr lang="en-US"/>
           </a:p>
@@ -4845,7 +4845,7 @@
           <a:p>
             <a:fld id="{C211B184-D47F-4E51-8576-FD3DF6A93EE9}" type="datetimeFigureOut">
               <a:rPr lang="en-US" smtClean="0"/>
-              <a:t>1/25/2020</a:t>
+              <a:t>1/29/2020</a:t>
             </a:fld>
             <a:endParaRPr lang="en-US"/>
           </a:p>
@@ -4940,7 +4940,7 @@
           <a:p>
             <a:fld id="{C211B184-D47F-4E51-8576-FD3DF6A93EE9}" type="datetimeFigureOut">
               <a:rPr lang="en-US" smtClean="0"/>
-              <a:t>1/25/2020</a:t>
+              <a:t>1/29/2020</a:t>
             </a:fld>
             <a:endParaRPr lang="en-US"/>
           </a:p>
@@ -5193,7 +5193,7 @@
           <a:p>
             <a:fld id="{C211B184-D47F-4E51-8576-FD3DF6A93EE9}" type="datetimeFigureOut">
               <a:rPr lang="en-US" smtClean="0"/>
-              <a:t>1/25/2020</a:t>
+              <a:t>1/29/2020</a:t>
             </a:fld>
             <a:endParaRPr lang="en-US"/>
           </a:p>
@@ -5462,7 +5462,7 @@
           <a:p>
             <a:fld id="{C211B184-D47F-4E51-8576-FD3DF6A93EE9}" type="datetimeFigureOut">
               <a:rPr lang="en-US" smtClean="0"/>
-              <a:t>1/25/2020</a:t>
+              <a:t>1/29/2020</a:t>
             </a:fld>
             <a:endParaRPr lang="en-US"/>
           </a:p>
@@ -5865,7 +5865,7 @@
           <a:p>
             <a:fld id="{C211B184-D47F-4E51-8576-FD3DF6A93EE9}" type="datetimeFigureOut">
               <a:rPr lang="en-US" smtClean="0"/>
-              <a:t>1/25/2020</a:t>
+              <a:t>1/29/2020</a:t>
             </a:fld>
             <a:endParaRPr lang="en-US"/>
           </a:p>
@@ -6347,16 +6347,12 @@
           <a:lstStyle/>
           <a:p>
             <a:r>
+              <a:rPr lang="en-US" dirty="0" err="1"/>
+              <a:t>Viagem</a:t>
+            </a:r>
+            <a:r>
               <a:rPr lang="en-US" dirty="0"/>
-              <a:t>Traveling </a:t>
-            </a:r>
-            <a:r>
-              <a:rPr lang="en-US" dirty="0" err="1"/>
-              <a:t>trhough</a:t>
-            </a:r>
-            <a:r>
-              <a:rPr lang="en-US" dirty="0"/>
-              <a:t> time with git</a:t>
+              <a:t> o tempo com git</a:t>
             </a:r>
           </a:p>
         </p:txBody>
@@ -6384,13 +6380,21 @@
           <a:p>
             <a:r>
               <a:rPr lang="en-US" dirty="0"/>
-              <a:t>Is version control right for you ? </a:t>
-            </a:r>
-          </a:p>
-          <a:p>
+              <a:t>As </a:t>
+            </a:r>
+            <a:r>
+              <a:rPr lang="en-US" dirty="0" err="1"/>
+              <a:t>posibilidades</a:t>
+            </a:r>
             <a:r>
               <a:rPr lang="en-US" dirty="0"/>
-              <a:t>By Dimitri Forster</a:t>
+              <a:t> de version control? </a:t>
+            </a:r>
+          </a:p>
+          <a:p>
+            <a:r>
+              <a:rPr lang="en-US" dirty="0"/>
+              <a:t> Dimitri Forster</a:t>
             </a:r>
           </a:p>
         </p:txBody>
@@ -6480,7 +6484,7 @@
             </a:pPr>
             <a:r>
               <a:rPr lang="en-US" dirty="0"/>
-              <a:t>What is version control ?</a:t>
+              <a:t>O que é version control ?</a:t>
             </a:r>
           </a:p>
           <a:p>
@@ -6490,7 +6494,7 @@
             </a:pPr>
             <a:r>
               <a:rPr lang="en-US" dirty="0"/>
-              <a:t>What is git ?</a:t>
+              <a:t>O que é git ?</a:t>
             </a:r>
           </a:p>
           <a:p>
@@ -6500,7 +6504,23 @@
             </a:pPr>
             <a:r>
               <a:rPr lang="en-US" dirty="0"/>
-              <a:t>Why use git ? </a:t>
+              <a:t> </a:t>
+            </a:r>
+            <a:r>
+              <a:rPr lang="en-US" dirty="0" err="1"/>
+              <a:t>porque</a:t>
+            </a:r>
+            <a:r>
+              <a:rPr lang="en-US" dirty="0"/>
+              <a:t>  </a:t>
+            </a:r>
+            <a:r>
+              <a:rPr lang="en-US" dirty="0" err="1"/>
+              <a:t>usar</a:t>
+            </a:r>
+            <a:r>
+              <a:rPr lang="en-US" dirty="0"/>
+              <a:t> git ? </a:t>
             </a:r>
           </a:p>
           <a:p>
@@ -6622,6 +6642,84 @@
               <a:t>Version control is a system that records changes to a file or set of files  over time so that you can recall specific versions later.</a:t>
             </a:r>
           </a:p>
+          <a:p>
+            <a:pPr marL="0" indent="0">
+              <a:buNone/>
+            </a:pPr>
+            <a:r>
+              <a:rPr lang="en-US" dirty="0"/>
+              <a:t>Version control é um </a:t>
+            </a:r>
+            <a:r>
+              <a:rPr lang="en-US" dirty="0" err="1"/>
+              <a:t>systema</a:t>
+            </a:r>
+            <a:r>
+              <a:rPr lang="en-US" dirty="0"/>
+              <a:t> que recorder as </a:t>
+            </a:r>
+            <a:r>
+              <a:rPr lang="en-US" dirty="0" err="1"/>
+              <a:t>mudancas</a:t>
+            </a:r>
+            <a:r>
+              <a:rPr lang="en-US" dirty="0"/>
+              <a:t> de </a:t>
+            </a:r>
+            <a:r>
+              <a:rPr lang="en-US" dirty="0" err="1"/>
+              <a:t>uma</a:t>
+            </a:r>
+            <a:r>
+              <a:rPr lang="en-US" dirty="0"/>
+              <a:t> o </a:t>
+            </a:r>
+            <a:r>
+              <a:rPr lang="en-US" dirty="0" err="1"/>
+              <a:t>algumas</a:t>
+            </a:r>
+            <a:r>
+              <a:rPr lang="en-US" dirty="0"/>
+              <a:t> </a:t>
+            </a:r>
+            <a:r>
+              <a:rPr lang="en-US" dirty="0" err="1"/>
+              <a:t>arquivos</a:t>
+            </a:r>
+            <a:r>
+              <a:rPr lang="en-US" dirty="0"/>
+              <a:t> </a:t>
+            </a:r>
+            <a:r>
+              <a:rPr lang="en-US" dirty="0" err="1"/>
+              <a:t>durante</a:t>
+            </a:r>
+            <a:r>
+              <a:rPr lang="en-US" dirty="0"/>
+              <a:t> o tempo e </a:t>
+            </a:r>
+            <a:r>
+              <a:rPr lang="en-US" dirty="0" err="1"/>
+              <a:t>assim</a:t>
+            </a:r>
+            <a:r>
+              <a:rPr lang="en-US" dirty="0"/>
+              <a:t> </a:t>
+            </a:r>
+            <a:r>
+              <a:rPr lang="en-US" dirty="0" err="1"/>
+              <a:t>depois</a:t>
+            </a:r>
+            <a:r>
+              <a:rPr lang="en-US" dirty="0"/>
+              <a:t>, </a:t>
+            </a:r>
+            <a:r>
+              <a:rPr lang="pt-PT" dirty="0"/>
+              <a:t>você pode analisar o ver uma versão específica </a:t>
+            </a:r>
+            <a:endParaRPr lang="en-US" dirty="0"/>
+          </a:p>
         </p:txBody>
       </p:sp>
     </p:spTree>
@@ -6677,7 +6775,7 @@
           <a:p>
             <a:r>
               <a:rPr lang="en-US" dirty="0"/>
-              <a:t>What is Git ?</a:t>
+              <a:t>O que é git?</a:t>
             </a:r>
           </a:p>
         </p:txBody>
@@ -6706,6 +6804,35 @@
             <a:pPr marL="0" indent="0">
               <a:buNone/>
             </a:pPr>
+            <a:r>
+              <a:rPr lang="en-US" dirty="0"/>
+              <a:t>Git é um </a:t>
+            </a:r>
+            <a:r>
+              <a:rPr lang="pt-PT" dirty="0"/>
+              <a:t>implementação de version control com estas características:</a:t>
+            </a:r>
+          </a:p>
+          <a:p>
+            <a:r>
+              <a:rPr lang="en-US" dirty="0"/>
+              <a:t>Git é </a:t>
+            </a:r>
+            <a:r>
+              <a:rPr lang="en-US" dirty="0" err="1"/>
+              <a:t>pequena</a:t>
+            </a:r>
+            <a:r>
+              <a:rPr lang="en-US" dirty="0"/>
+              <a:t> e </a:t>
+            </a:r>
+            <a:r>
+              <a:rPr lang="en-US" dirty="0" err="1"/>
+              <a:t>rapido</a:t>
+            </a:r>
+            <a:endParaRPr lang="en-US" dirty="0"/>
+          </a:p>
+          <a:p>
             <a:endParaRPr lang="en-US" dirty="0"/>
           </a:p>
         </p:txBody>
